--- a/High_Aspect_Ratio_MEMS.pptx
+++ b/High_Aspect_Ratio_MEMS.pptx
@@ -5,13 +5,17 @@
     <p:sldMasterId id="2147483648" r:id="rId1"/>
   </p:sldMasterIdLst>
   <p:notesMasterIdLst>
-    <p:notesMasterId r:id="rId6"/>
+    <p:notesMasterId r:id="rId10"/>
   </p:notesMasterIdLst>
   <p:sldIdLst>
     <p:sldId id="265" r:id="rId2"/>
     <p:sldId id="1064" r:id="rId3"/>
     <p:sldId id="1066" r:id="rId4"/>
-    <p:sldId id="1065" r:id="rId5"/>
+    <p:sldId id="1067" r:id="rId5"/>
+    <p:sldId id="1065" r:id="rId6"/>
+    <p:sldId id="1068" r:id="rId7"/>
+    <p:sldId id="1069" r:id="rId8"/>
+    <p:sldId id="1070" r:id="rId9"/>
   </p:sldIdLst>
   <p:sldSz cx="9144000" cy="6858000" type="screen4x3"/>
   <p:notesSz cx="7099300" cy="10234613"/>
@@ -112,7 +116,7 @@
   </p:defaultTextStyle>
   <p:extLst>
     <p:ext uri="{EFAFB233-063F-42B5-8137-9DF3F51BA10A}">
-      <p15:sldGuideLst xmlns:p15="http://schemas.microsoft.com/office/powerpoint/2012/main" xmlns="">
+      <p15:sldGuideLst xmlns:p15="http://schemas.microsoft.com/office/powerpoint/2012/main">
         <p15:guide id="1" orient="horz" pos="2160">
           <p15:clr>
             <a:srgbClr val="A4A3A4"/>
@@ -211,7 +215,7 @@
           <a:p>
             <a:fld id="{B045D38E-5BB1-4E5A-A8A1-9830CB589DEC}" type="datetimeFigureOut">
               <a:rPr lang="en-GB" smtClean="0"/>
-              <a:t>07/01/2019</a:t>
+              <a:t>30/01/2019</a:t>
             </a:fld>
             <a:endParaRPr lang="en-GB"/>
           </a:p>
@@ -275,35 +279,35 @@
           <a:p>
             <a:pPr lvl="0"/>
             <a:r>
-              <a:rPr lang="de-DE" smtClean="0"/>
+              <a:rPr lang="de-DE"/>
               <a:t>Textmasterformat bearbeiten</a:t>
             </a:r>
           </a:p>
           <a:p>
             <a:pPr lvl="1"/>
             <a:r>
-              <a:rPr lang="de-DE" smtClean="0"/>
+              <a:rPr lang="de-DE"/>
               <a:t>Zweite Ebene</a:t>
             </a:r>
           </a:p>
           <a:p>
             <a:pPr lvl="2"/>
             <a:r>
-              <a:rPr lang="de-DE" smtClean="0"/>
+              <a:rPr lang="de-DE"/>
               <a:t>Dritte Ebene</a:t>
             </a:r>
           </a:p>
           <a:p>
             <a:pPr lvl="3"/>
             <a:r>
-              <a:rPr lang="de-DE" smtClean="0"/>
+              <a:rPr lang="de-DE"/>
               <a:t>Vierte Ebene</a:t>
             </a:r>
           </a:p>
           <a:p>
             <a:pPr lvl="4"/>
             <a:r>
-              <a:rPr lang="de-DE" smtClean="0"/>
+              <a:rPr lang="de-DE"/>
               <a:t>Fünfte Ebene</a:t>
             </a:r>
             <a:endParaRPr lang="en-GB"/>
@@ -479,6 +483,177 @@
 </p:notesMaster>
 </file>
 
+<file path=ppt/notesSlides/notesSlide1.xml><?xml version="1.0" encoding="utf-8"?>
+<p:notes xmlns:a="http://schemas.openxmlformats.org/drawingml/2006/main" xmlns:r="http://schemas.openxmlformats.org/officeDocument/2006/relationships" xmlns:p="http://schemas.openxmlformats.org/presentationml/2006/main">
+  <p:cSld>
+    <p:spTree>
+      <p:nvGrpSpPr>
+        <p:cNvPr id="1" name=""/>
+        <p:cNvGrpSpPr/>
+        <p:nvPr/>
+      </p:nvGrpSpPr>
+      <p:grpSpPr>
+        <a:xfrm>
+          <a:off x="0" y="0"/>
+          <a:ext cx="0" cy="0"/>
+          <a:chOff x="0" y="0"/>
+          <a:chExt cx="0" cy="0"/>
+        </a:xfrm>
+      </p:grpSpPr>
+      <p:sp>
+        <p:nvSpPr>
+          <p:cNvPr id="2" name="Folienbildplatzhalter 1"/>
+          <p:cNvSpPr>
+            <a:spLocks noGrp="1" noRot="1" noChangeAspect="1"/>
+          </p:cNvSpPr>
+          <p:nvPr>
+            <p:ph type="sldImg"/>
+          </p:nvPr>
+        </p:nvSpPr>
+        <p:spPr/>
+      </p:sp>
+      <p:sp>
+        <p:nvSpPr>
+          <p:cNvPr id="3" name="Notizenplatzhalter 2"/>
+          <p:cNvSpPr>
+            <a:spLocks noGrp="1"/>
+          </p:cNvSpPr>
+          <p:nvPr>
+            <p:ph type="body" idx="1"/>
+          </p:nvPr>
+        </p:nvSpPr>
+        <p:spPr/>
+        <p:txBody>
+          <a:bodyPr/>
+          <a:lstStyle/>
+          <a:p>
+            <a:endParaRPr lang="de-DE" dirty="0"/>
+          </a:p>
+        </p:txBody>
+      </p:sp>
+      <p:sp>
+        <p:nvSpPr>
+          <p:cNvPr id="4" name="Foliennummernplatzhalter 3"/>
+          <p:cNvSpPr>
+            <a:spLocks noGrp="1"/>
+          </p:cNvSpPr>
+          <p:nvPr>
+            <p:ph type="sldNum" sz="quarter" idx="10"/>
+          </p:nvPr>
+        </p:nvSpPr>
+        <p:spPr/>
+        <p:txBody>
+          <a:bodyPr/>
+          <a:lstStyle/>
+          <a:p>
+            <a:fld id="{F4B4EF42-670F-4A33-808A-E8EEC242E52B}" type="slidenum">
+              <a:rPr lang="en-GB" smtClean="0"/>
+              <a:t>3</a:t>
+            </a:fld>
+            <a:endParaRPr lang="en-GB"/>
+          </a:p>
+        </p:txBody>
+      </p:sp>
+    </p:spTree>
+    <p:extLst>
+      <p:ext uri="{BB962C8B-B14F-4D97-AF65-F5344CB8AC3E}">
+        <p14:creationId xmlns:p14="http://schemas.microsoft.com/office/powerpoint/2010/main" val="2552521680"/>
+      </p:ext>
+    </p:extLst>
+  </p:cSld>
+  <p:clrMapOvr>
+    <a:masterClrMapping/>
+  </p:clrMapOvr>
+</p:notes>
+</file>
+
+<file path=ppt/notesSlides/notesSlide2.xml><?xml version="1.0" encoding="utf-8"?>
+<p:notes xmlns:a="http://schemas.openxmlformats.org/drawingml/2006/main" xmlns:r="http://schemas.openxmlformats.org/officeDocument/2006/relationships" xmlns:p="http://schemas.openxmlformats.org/presentationml/2006/main">
+  <p:cSld>
+    <p:spTree>
+      <p:nvGrpSpPr>
+        <p:cNvPr id="1" name=""/>
+        <p:cNvGrpSpPr/>
+        <p:nvPr/>
+      </p:nvGrpSpPr>
+      <p:grpSpPr>
+        <a:xfrm>
+          <a:off x="0" y="0"/>
+          <a:ext cx="0" cy="0"/>
+          <a:chOff x="0" y="0"/>
+          <a:chExt cx="0" cy="0"/>
+        </a:xfrm>
+      </p:grpSpPr>
+      <p:sp>
+        <p:nvSpPr>
+          <p:cNvPr id="2" name="Folienbildplatzhalter 1"/>
+          <p:cNvSpPr>
+            <a:spLocks noGrp="1" noRot="1" noChangeAspect="1"/>
+          </p:cNvSpPr>
+          <p:nvPr>
+            <p:ph type="sldImg"/>
+          </p:nvPr>
+        </p:nvSpPr>
+        <p:spPr/>
+      </p:sp>
+      <p:sp>
+        <p:nvSpPr>
+          <p:cNvPr id="3" name="Notizenplatzhalter 2"/>
+          <p:cNvSpPr>
+            <a:spLocks noGrp="1"/>
+          </p:cNvSpPr>
+          <p:nvPr>
+            <p:ph type="body" idx="1"/>
+          </p:nvPr>
+        </p:nvSpPr>
+        <p:spPr/>
+        <p:txBody>
+          <a:bodyPr/>
+          <a:lstStyle/>
+          <a:p>
+            <a:r>
+              <a:rPr lang="de-DE" dirty="0"/>
+              <a:t>Ende: Überleitung nicht alles Prozesse werden vorgestellt</a:t>
+            </a:r>
+          </a:p>
+        </p:txBody>
+      </p:sp>
+      <p:sp>
+        <p:nvSpPr>
+          <p:cNvPr id="4" name="Foliennummernplatzhalter 3"/>
+          <p:cNvSpPr>
+            <a:spLocks noGrp="1"/>
+          </p:cNvSpPr>
+          <p:nvPr>
+            <p:ph type="sldNum" sz="quarter" idx="10"/>
+          </p:nvPr>
+        </p:nvSpPr>
+        <p:spPr/>
+        <p:txBody>
+          <a:bodyPr/>
+          <a:lstStyle/>
+          <a:p>
+            <a:fld id="{F4B4EF42-670F-4A33-808A-E8EEC242E52B}" type="slidenum">
+              <a:rPr lang="en-GB" smtClean="0"/>
+              <a:t>5</a:t>
+            </a:fld>
+            <a:endParaRPr lang="en-GB"/>
+          </a:p>
+        </p:txBody>
+      </p:sp>
+    </p:spTree>
+    <p:extLst>
+      <p:ext uri="{BB962C8B-B14F-4D97-AF65-F5344CB8AC3E}">
+        <p14:creationId xmlns:p14="http://schemas.microsoft.com/office/powerpoint/2010/main" val="2883074186"/>
+      </p:ext>
+    </p:extLst>
+  </p:cSld>
+  <p:clrMapOvr>
+    <a:masterClrMapping/>
+  </p:clrMapOvr>
+</p:notes>
+</file>
+
 <file path=ppt/slideLayouts/slideLayout1.xml><?xml version="1.0" encoding="utf-8"?>
 <p:sldLayout xmlns:a="http://schemas.openxmlformats.org/drawingml/2006/main" xmlns:r="http://schemas.openxmlformats.org/officeDocument/2006/relationships" xmlns:p="http://schemas.openxmlformats.org/presentationml/2006/main" preserve="1" userDrawn="1">
   <p:cSld name="Title">
@@ -523,14 +698,14 @@
           </a:lstStyle>
           <a:p>
             <a:r>
-              <a:rPr lang="en-US" noProof="0" dirty="0" smtClean="0"/>
+              <a:rPr lang="en-US" noProof="0" dirty="0"/>
               <a:t>MST Technologies and Processes</a:t>
             </a:r>
             <a:br>
-              <a:rPr lang="en-US" noProof="0" dirty="0" smtClean="0"/>
+              <a:rPr lang="en-US" noProof="0" dirty="0"/>
             </a:br>
             <a:r>
-              <a:rPr lang="en-US" noProof="0" dirty="0" smtClean="0"/>
+              <a:rPr lang="en-US" noProof="0" dirty="0"/>
               <a:t>Assignments WS 2018/2019</a:t>
             </a:r>
           </a:p>
@@ -646,7 +821,7 @@
               </a:spcAft>
             </a:pPr>
             <a:r>
-              <a:rPr lang="en-US" sz="1800" noProof="0" dirty="0" smtClean="0"/>
+              <a:rPr lang="en-US" sz="1800" noProof="0" dirty="0"/>
               <a:t>Prof. Dr.-Ing. habil. Bastian E. Rapp</a:t>
             </a:r>
           </a:p>
@@ -657,21 +832,21 @@
               </a:spcAft>
             </a:pPr>
             <a:r>
-              <a:rPr lang="en-US" sz="1800" b="0" noProof="0" dirty="0" smtClean="0"/>
+              <a:rPr lang="en-US" sz="1800" b="0" noProof="0" dirty="0"/>
               <a:t>Laboratory of Process Technology</a:t>
             </a:r>
             <a:br>
-              <a:rPr lang="en-US" sz="1800" b="0" noProof="0" dirty="0" smtClean="0"/>
+              <a:rPr lang="en-US" sz="1800" b="0" noProof="0" dirty="0"/>
             </a:br>
             <a:r>
-              <a:rPr lang="en-US" sz="1800" b="0" noProof="0" dirty="0" smtClean="0"/>
+              <a:rPr lang="en-US" sz="1800" b="0" noProof="0" dirty="0"/>
               <a:t>Department of Microsystems Engineering (IMTEK)</a:t>
             </a:r>
           </a:p>
           <a:p>
             <a:pPr algn="ctr"/>
             <a:r>
-              <a:rPr lang="en-US" sz="1800" b="0" noProof="0" dirty="0" smtClean="0"/>
+              <a:rPr lang="en-US" sz="1800" b="0" noProof="0" dirty="0"/>
               <a:t>University of Freiburg, Germany</a:t>
             </a:r>
             <a:endParaRPr lang="en-US" noProof="0" dirty="0"/>
@@ -710,7 +885,7 @@
               <a:buNone/>
             </a:pPr>
             <a:r>
-              <a:rPr lang="en-US" sz="1800" b="0" noProof="0" dirty="0" smtClean="0">
+              <a:rPr lang="en-US" sz="1800" b="0" noProof="0" dirty="0">
                 <a:solidFill>
                   <a:schemeClr val="bg1">
                     <a:lumMod val="50000"/>
@@ -720,7 +895,7 @@
               <a:t>bastian.rapp@imtek.de</a:t>
             </a:r>
             <a:br>
-              <a:rPr lang="en-US" sz="1800" b="0" noProof="0" dirty="0" smtClean="0">
+              <a:rPr lang="en-US" sz="1800" b="0" noProof="0" dirty="0">
                 <a:solidFill>
                   <a:schemeClr val="bg1">
                     <a:lumMod val="50000"/>
@@ -729,7 +904,7 @@
               </a:rPr>
             </a:br>
             <a:r>
-              <a:rPr lang="en-US" sz="1800" b="0" noProof="0" dirty="0" smtClean="0">
+              <a:rPr lang="en-US" sz="1800" b="0" noProof="0" dirty="0">
                 <a:solidFill>
                   <a:schemeClr val="bg1">
                     <a:lumMod val="50000"/>
@@ -781,7 +956,7 @@
               <a:defRPr/>
             </a:pPr>
             <a:r>
-              <a:rPr lang="en-US" sz="1400" b="1" noProof="0" dirty="0" smtClean="0">
+              <a:rPr lang="en-US" sz="1400" b="1" noProof="0" dirty="0">
                 <a:solidFill>
                   <a:schemeClr val="bg1">
                     <a:lumMod val="50000"/>
@@ -810,7 +985,7 @@
               <a:defRPr/>
             </a:pPr>
             <a:r>
-              <a:rPr lang="en-US" sz="1400" b="0" noProof="0" dirty="0" smtClean="0">
+              <a:rPr lang="en-US" sz="1400" b="0" noProof="0" dirty="0">
                 <a:solidFill>
                   <a:schemeClr val="bg1">
                     <a:lumMod val="50000"/>
@@ -839,7 +1014,7 @@
               <a:defRPr/>
             </a:pPr>
             <a:r>
-              <a:rPr lang="en-US" sz="1400" b="0" noProof="0" dirty="0" smtClean="0">
+              <a:rPr lang="en-US" sz="1400" b="0" noProof="0" dirty="0">
                 <a:solidFill>
                   <a:schemeClr val="bg1">
                     <a:lumMod val="50000"/>
@@ -849,7 +1024,7 @@
               <a:t>Master</a:t>
             </a:r>
             <a:r>
-              <a:rPr lang="en-US" sz="1400" b="0" baseline="0" noProof="0" dirty="0" smtClean="0">
+              <a:rPr lang="en-US" sz="1400" b="0" baseline="0" noProof="0" dirty="0">
                 <a:solidFill>
                   <a:schemeClr val="bg1">
                     <a:lumMod val="50000"/>
@@ -878,7 +1053,7 @@
               <a:defRPr/>
             </a:pPr>
             <a:r>
-              <a:rPr lang="en-US" sz="1400" b="0" noProof="0" dirty="0" smtClean="0">
+              <a:rPr lang="en-US" sz="1400" b="0" noProof="0" dirty="0">
                 <a:solidFill>
                   <a:schemeClr val="bg1">
                     <a:lumMod val="50000"/>
@@ -888,7 +1063,7 @@
               <a:t>password: </a:t>
             </a:r>
             <a:r>
-              <a:rPr lang="en-US" sz="1400" b="0" noProof="0" dirty="0" err="1" smtClean="0">
+              <a:rPr lang="en-US" sz="1400" b="0" noProof="0" dirty="0" err="1">
                 <a:solidFill>
                   <a:schemeClr val="bg1">
                     <a:lumMod val="50000"/>
@@ -897,7 +1072,7 @@
               </a:rPr>
               <a:t>mst</a:t>
             </a:r>
-            <a:endParaRPr lang="en-US" sz="1400" b="0" noProof="0" dirty="0" smtClean="0">
+            <a:endParaRPr lang="en-US" sz="1400" b="0" noProof="0" dirty="0">
               <a:solidFill>
                 <a:schemeClr val="bg1">
                   <a:lumMod val="50000"/>
@@ -967,10 +1142,9 @@
           <a:p>
             <a:pPr algn="ctr"/>
             <a:r>
-              <a:rPr lang="en-US" sz="2400" b="1" i="0" dirty="0" smtClean="0"/>
+              <a:rPr lang="en-US" sz="2400" b="1" i="0" dirty="0"/>
               <a:t>MST Technologies and Processes</a:t>
             </a:r>
-            <a:endParaRPr lang="en-US" sz="2400" b="1" i="0" dirty="0"/>
           </a:p>
         </p:txBody>
       </p:sp>
@@ -984,13 +1158,6 @@
   <p:clrMapOvr>
     <a:masterClrMapping/>
   </p:clrMapOvr>
-  <p:timing>
-    <p:tnLst>
-      <p:par>
-        <p:cTn id="1" dur="indefinite" restart="never" nodeType="tmRoot"/>
-      </p:par>
-    </p:tnLst>
-  </p:timing>
 </p:sldLayout>
 </file>
 
@@ -1031,10 +1198,9 @@
           </a:lstStyle>
           <a:p>
             <a:r>
-              <a:rPr lang="en-US" noProof="0" dirty="0" smtClean="0"/>
+              <a:rPr lang="en-US" noProof="0" dirty="0"/>
               <a:t>Title</a:t>
             </a:r>
-            <a:endParaRPr lang="en-US" noProof="0" dirty="0"/>
           </a:p>
         </p:txBody>
       </p:sp>
@@ -1116,38 +1282,37 @@
           <a:p>
             <a:pPr lvl="0"/>
             <a:r>
-              <a:rPr lang="en-US" noProof="0" dirty="0" smtClean="0"/>
+              <a:rPr lang="en-US" noProof="0" dirty="0"/>
               <a:t>First</a:t>
             </a:r>
           </a:p>
           <a:p>
             <a:pPr lvl="1"/>
             <a:r>
-              <a:rPr lang="en-US" noProof="0" dirty="0" smtClean="0"/>
+              <a:rPr lang="en-US" noProof="0" dirty="0"/>
               <a:t>Second</a:t>
             </a:r>
           </a:p>
           <a:p>
             <a:pPr lvl="2"/>
             <a:r>
-              <a:rPr lang="en-US" noProof="0" dirty="0" smtClean="0"/>
+              <a:rPr lang="en-US" noProof="0" dirty="0"/>
               <a:t>Third</a:t>
             </a:r>
           </a:p>
           <a:p>
             <a:pPr lvl="3"/>
             <a:r>
-              <a:rPr lang="en-US" noProof="0" dirty="0" smtClean="0"/>
+              <a:rPr lang="en-US" noProof="0" dirty="0"/>
               <a:t>Fourth</a:t>
             </a:r>
           </a:p>
           <a:p>
             <a:pPr lvl="4"/>
             <a:r>
-              <a:rPr lang="en-US" noProof="0" dirty="0" smtClean="0"/>
+              <a:rPr lang="en-US" noProof="0" dirty="0"/>
               <a:t>Fifth</a:t>
             </a:r>
-            <a:endParaRPr lang="en-US" noProof="0" dirty="0"/>
           </a:p>
         </p:txBody>
       </p:sp>
@@ -1360,13 +1525,6 @@
   <p:clrMapOvr>
     <a:masterClrMapping/>
   </p:clrMapOvr>
-  <p:timing>
-    <p:tnLst>
-      <p:par>
-        <p:cTn id="1" dur="indefinite" restart="never" nodeType="tmRoot"/>
-      </p:par>
-    </p:tnLst>
-  </p:timing>
 </p:sldLayout>
 </file>
 
@@ -1418,10 +1576,9 @@
           <a:lstStyle/>
           <a:p>
             <a:r>
-              <a:rPr lang="en-US" noProof="0" dirty="0" smtClean="0"/>
+              <a:rPr lang="en-US" noProof="0" dirty="0"/>
               <a:t>Title</a:t>
             </a:r>
-            <a:endParaRPr lang="en-US" noProof="0" dirty="0"/>
           </a:p>
         </p:txBody>
       </p:sp>
@@ -1452,38 +1609,37 @@
           <a:p>
             <a:pPr lvl="0"/>
             <a:r>
-              <a:rPr lang="en-US" noProof="0" dirty="0" smtClean="0"/>
+              <a:rPr lang="en-US" noProof="0" dirty="0"/>
               <a:t>First</a:t>
             </a:r>
           </a:p>
           <a:p>
             <a:pPr lvl="1"/>
             <a:r>
-              <a:rPr lang="en-US" noProof="0" dirty="0" smtClean="0"/>
+              <a:rPr lang="en-US" noProof="0" dirty="0"/>
               <a:t>Second</a:t>
             </a:r>
           </a:p>
           <a:p>
             <a:pPr lvl="2"/>
             <a:r>
-              <a:rPr lang="en-US" noProof="0" dirty="0" smtClean="0"/>
+              <a:rPr lang="en-US" noProof="0" dirty="0"/>
               <a:t>Third</a:t>
             </a:r>
           </a:p>
           <a:p>
             <a:pPr lvl="3"/>
             <a:r>
-              <a:rPr lang="en-US" noProof="0" dirty="0" smtClean="0"/>
+              <a:rPr lang="en-US" noProof="0" dirty="0"/>
               <a:t>Fourth</a:t>
             </a:r>
           </a:p>
           <a:p>
             <a:pPr lvl="4"/>
             <a:r>
-              <a:rPr lang="en-US" noProof="0" dirty="0" smtClean="0"/>
+              <a:rPr lang="en-US" noProof="0" dirty="0"/>
               <a:t>Fifth</a:t>
             </a:r>
-            <a:endParaRPr lang="en-US" noProof="0" dirty="0"/>
           </a:p>
         </p:txBody>
       </p:sp>
@@ -1528,7 +1684,7 @@
               <a:pPr lvl="0"/>
               <a:t>‹Nr.›</a:t>
             </a:fld>
-            <a:endParaRPr lang="en-US" dirty="0" smtClean="0"/>
+            <a:endParaRPr lang="en-US" dirty="0"/>
           </a:p>
         </p:txBody>
       </p:sp>
@@ -1566,18 +1722,9 @@
           <a:p>
             <a:pPr lvl="0"/>
             <a:r>
-              <a:rPr lang="en-US" noProof="0" dirty="0" smtClean="0"/>
-              <a:t>MST </a:t>
-            </a:r>
-            <a:r>
-              <a:rPr lang="en-US" noProof="0" dirty="0" smtClean="0"/>
-              <a:t>Technologies and </a:t>
-            </a:r>
-            <a:r>
-              <a:rPr lang="en-US" noProof="0" dirty="0" smtClean="0"/>
-              <a:t>Processes | Assignments</a:t>
-            </a:r>
-            <a:endParaRPr lang="en-US" noProof="0" dirty="0"/>
+              <a:rPr lang="en-US" noProof="0" dirty="0"/>
+              <a:t>MST Technologies and Processes | Assignments</a:t>
+            </a:r>
           </a:p>
         </p:txBody>
       </p:sp>
@@ -1593,13 +1740,6 @@
     <p:sldLayoutId id="2147483649" r:id="rId1"/>
     <p:sldLayoutId id="2147483650" r:id="rId2"/>
   </p:sldLayoutIdLst>
-  <p:timing>
-    <p:tnLst>
-      <p:par>
-        <p:cTn id="1" dur="indefinite" restart="never" nodeType="tmRoot"/>
-      </p:par>
-    </p:tnLst>
-  </p:timing>
   <p:hf hdr="0" ftr="0" dt="0"/>
   <p:txStyles>
     <p:titleStyle>
@@ -1957,15 +2097,15 @@
               </a:lnSpc>
             </a:pPr>
             <a:r>
-              <a:rPr lang="en-US" sz="3200" dirty="0" smtClean="0"/>
-              <a:t>Assignment #1</a:t>
+              <a:rPr lang="en-US" sz="3200" dirty="0"/>
+              <a:t>Assignment #2: High aspect ratio MEMS</a:t>
             </a:r>
             <a:br>
-              <a:rPr lang="en-US" sz="3200" dirty="0" smtClean="0"/>
+              <a:rPr lang="en-US" sz="3200" dirty="0"/>
             </a:br>
             <a:r>
-              <a:rPr lang="en-US" sz="3200" dirty="0" smtClean="0"/>
-              <a:t>Student #1, Student #2, Student #3</a:t>
+              <a:rPr lang="en-US" sz="3200" dirty="0"/>
+              <a:t>Marc Johannes Aslan, Thomas Kötzner</a:t>
             </a:r>
             <a:endParaRPr lang="en-US" dirty="0"/>
           </a:p>
@@ -1981,21 +2121,6 @@
   <p:clrMapOvr>
     <a:masterClrMapping/>
   </p:clrMapOvr>
-  <mc:AlternateContent xmlns:mc="http://schemas.openxmlformats.org/markup-compatibility/2006" xmlns:p14="http://schemas.microsoft.com/office/powerpoint/2010/main">
-    <mc:Choice Requires="p14">
-      <p:transition spd="slow" p14:dur="2000"/>
-    </mc:Choice>
-    <mc:Fallback xmlns="">
-      <p:transition spd="slow"/>
-    </mc:Fallback>
-  </mc:AlternateContent>
-  <p:timing>
-    <p:tnLst>
-      <p:par>
-        <p:cTn id="1" dur="indefinite" restart="never" nodeType="tmRoot"/>
-      </p:par>
-    </p:tnLst>
-  </p:timing>
 </p:sld>
 </file>
 
@@ -2032,10 +2157,9 @@
           <a:lstStyle/>
           <a:p>
             <a:r>
-              <a:rPr lang="en-US" dirty="0" smtClean="0"/>
+              <a:rPr lang="en-US" dirty="0"/>
               <a:t>Assignment</a:t>
             </a:r>
-            <a:endParaRPr lang="en-US" dirty="0"/>
           </a:p>
         </p:txBody>
       </p:sp>
@@ -2055,54 +2179,54 @@
           <a:lstStyle/>
           <a:p>
             <a:r>
-              <a:rPr lang="en-US" dirty="0" smtClean="0"/>
+              <a:rPr lang="en-US" dirty="0"/>
               <a:t>state the assignment</a:t>
             </a:r>
           </a:p>
           <a:p>
-            <a:endParaRPr lang="en-US" b="1" dirty="0" smtClean="0"/>
+            <a:endParaRPr lang="en-US" b="1" dirty="0"/>
           </a:p>
           <a:p>
             <a:pPr marL="7937" indent="0">
               <a:buNone/>
             </a:pPr>
             <a:r>
-              <a:rPr lang="en-US" b="1" dirty="0" smtClean="0"/>
+              <a:rPr lang="en-US" b="1" dirty="0"/>
               <a:t>General remarks:</a:t>
             </a:r>
           </a:p>
           <a:p>
             <a:r>
-              <a:rPr lang="en-US" dirty="0" smtClean="0"/>
+              <a:rPr lang="en-US" dirty="0"/>
               <a:t>when using images which are not yours, state the source (either directly underneath the image or in the foot of the page)</a:t>
             </a:r>
           </a:p>
           <a:p>
             <a:r>
-              <a:rPr lang="en-US" dirty="0" smtClean="0"/>
+              <a:rPr lang="en-US" dirty="0"/>
               <a:t>stick to the font size</a:t>
             </a:r>
           </a:p>
           <a:p>
             <a:r>
-              <a:rPr lang="en-US" dirty="0" smtClean="0"/>
+              <a:rPr lang="en-US" dirty="0"/>
               <a:t>avoid over-crowding the page</a:t>
             </a:r>
           </a:p>
           <a:p>
             <a:r>
-              <a:rPr lang="en-US" dirty="0" smtClean="0"/>
+              <a:rPr lang="en-US" dirty="0"/>
               <a:t>the total length of the presentation should be 10 minutes (usually around 5-6 content slides)</a:t>
             </a:r>
           </a:p>
           <a:p>
             <a:r>
-              <a:rPr lang="en-US" dirty="0" smtClean="0"/>
+              <a:rPr lang="en-US" dirty="0"/>
               <a:t>cold run your presentation before you give the take in the plenum to make sure you stick to the time and that the presentation works </a:t>
             </a:r>
           </a:p>
           <a:p>
-            <a:endParaRPr lang="en-US" b="1" dirty="0" smtClean="0"/>
+            <a:endParaRPr lang="en-US" b="1" dirty="0"/>
           </a:p>
           <a:p>
             <a:endParaRPr lang="en-US" dirty="0"/>
@@ -2138,14 +2262,6 @@
   <p:clrMapOvr>
     <a:masterClrMapping/>
   </p:clrMapOvr>
-  <mc:AlternateContent xmlns:mc="http://schemas.openxmlformats.org/markup-compatibility/2006" xmlns:p14="http://schemas.microsoft.com/office/powerpoint/2010/main">
-    <mc:Choice Requires="p14">
-      <p:transition spd="slow" p14:dur="2000"/>
-    </mc:Choice>
-    <mc:Fallback xmlns="">
-      <p:transition spd="slow"/>
-    </mc:Fallback>
-  </mc:AlternateContent>
 </p:sld>
 </file>
 
@@ -2184,18 +2300,9 @@
           <a:lstStyle/>
           <a:p>
             <a:r>
-              <a:rPr lang="en-US" dirty="0" smtClean="0"/>
-              <a:t>(can </a:t>
-            </a:r>
-            <a:r>
               <a:rPr lang="en-US" dirty="0"/>
-              <a:t>be </a:t>
-            </a:r>
-            <a:r>
-              <a:rPr lang="en-US" dirty="0" smtClean="0"/>
-              <a:t>chosen freely)</a:t>
-            </a:r>
-            <a:endParaRPr lang="en-US" dirty="0"/>
+              <a:t>Assignment</a:t>
+            </a:r>
           </a:p>
         </p:txBody>
       </p:sp>
@@ -2214,7 +2321,304 @@
           <a:bodyPr/>
           <a:lstStyle/>
           <a:p>
-            <a:endParaRPr lang="en-US"/>
+            <a:r>
+              <a:rPr lang="de-DE" dirty="0"/>
+              <a:t>high </a:t>
+            </a:r>
+            <a:r>
+              <a:rPr lang="de-DE" dirty="0" err="1"/>
+              <a:t>aspect</a:t>
+            </a:r>
+            <a:r>
+              <a:rPr lang="de-DE" dirty="0"/>
+              <a:t> </a:t>
+            </a:r>
+            <a:r>
+              <a:rPr lang="de-DE" dirty="0" err="1"/>
+              <a:t>ratio</a:t>
+            </a:r>
+            <a:r>
+              <a:rPr lang="de-DE" dirty="0"/>
+              <a:t> MEMS </a:t>
+            </a:r>
+            <a:r>
+              <a:rPr lang="de-DE" dirty="0" err="1"/>
+              <a:t>devices</a:t>
+            </a:r>
+            <a:r>
+              <a:rPr lang="de-DE" dirty="0"/>
+              <a:t> </a:t>
+            </a:r>
+            <a:r>
+              <a:rPr lang="de-DE" dirty="0" err="1"/>
+              <a:t>are</a:t>
+            </a:r>
+            <a:r>
+              <a:rPr lang="de-DE" dirty="0"/>
+              <a:t> </a:t>
+            </a:r>
+            <a:r>
+              <a:rPr lang="de-DE" dirty="0" err="1"/>
+              <a:t>required</a:t>
+            </a:r>
+            <a:r>
+              <a:rPr lang="de-DE" dirty="0"/>
+              <a:t> </a:t>
+            </a:r>
+            <a:r>
+              <a:rPr lang="de-DE" dirty="0" err="1"/>
+              <a:t>for</a:t>
+            </a:r>
+            <a:r>
+              <a:rPr lang="de-DE" dirty="0"/>
+              <a:t> a </a:t>
+            </a:r>
+            <a:r>
+              <a:rPr lang="de-DE" dirty="0" err="1"/>
+              <a:t>number</a:t>
+            </a:r>
+            <a:r>
+              <a:rPr lang="de-DE" dirty="0"/>
+              <a:t> </a:t>
+            </a:r>
+            <a:r>
+              <a:rPr lang="de-DE" dirty="0" err="1"/>
+              <a:t>of</a:t>
+            </a:r>
+            <a:r>
+              <a:rPr lang="de-DE" dirty="0"/>
+              <a:t> </a:t>
+            </a:r>
+            <a:r>
+              <a:rPr lang="de-DE" dirty="0" err="1"/>
+              <a:t>common</a:t>
+            </a:r>
+            <a:r>
+              <a:rPr lang="de-DE" dirty="0"/>
+              <a:t> </a:t>
+            </a:r>
+            <a:r>
+              <a:rPr lang="de-DE" dirty="0" err="1"/>
+              <a:t>applications</a:t>
+            </a:r>
+            <a:r>
+              <a:rPr lang="de-DE" dirty="0"/>
+              <a:t> </a:t>
+            </a:r>
+          </a:p>
+          <a:p>
+            <a:r>
+              <a:rPr lang="de-DE" dirty="0" err="1"/>
+              <a:t>name</a:t>
+            </a:r>
+            <a:r>
+              <a:rPr lang="de-DE" dirty="0"/>
+              <a:t> a </a:t>
+            </a:r>
+            <a:r>
+              <a:rPr lang="de-DE" dirty="0" err="1"/>
+              <a:t>few</a:t>
+            </a:r>
+            <a:r>
+              <a:rPr lang="de-DE" dirty="0"/>
+              <a:t> </a:t>
+            </a:r>
+            <a:r>
+              <a:rPr lang="de-DE" dirty="0" err="1"/>
+              <a:t>of</a:t>
+            </a:r>
+            <a:r>
+              <a:rPr lang="de-DE" dirty="0"/>
+              <a:t> </a:t>
+            </a:r>
+            <a:r>
+              <a:rPr lang="de-DE" dirty="0" err="1"/>
+              <a:t>the</a:t>
+            </a:r>
+            <a:r>
+              <a:rPr lang="de-DE" dirty="0"/>
+              <a:t> </a:t>
+            </a:r>
+            <a:r>
+              <a:rPr lang="de-DE" dirty="0" err="1"/>
+              <a:t>applications</a:t>
+            </a:r>
+            <a:r>
+              <a:rPr lang="de-DE" dirty="0"/>
+              <a:t> </a:t>
+            </a:r>
+            <a:r>
+              <a:rPr lang="de-DE" dirty="0" err="1"/>
+              <a:t>where</a:t>
+            </a:r>
+            <a:r>
+              <a:rPr lang="de-DE" dirty="0"/>
+              <a:t> high-</a:t>
+            </a:r>
+            <a:r>
+              <a:rPr lang="de-DE" dirty="0" err="1"/>
+              <a:t>aspect</a:t>
+            </a:r>
+            <a:r>
+              <a:rPr lang="de-DE" dirty="0"/>
+              <a:t> </a:t>
+            </a:r>
+            <a:r>
+              <a:rPr lang="de-DE" dirty="0" err="1"/>
+              <a:t>ratio</a:t>
+            </a:r>
+            <a:r>
+              <a:rPr lang="de-DE" dirty="0"/>
+              <a:t> </a:t>
+            </a:r>
+            <a:r>
+              <a:rPr lang="de-DE" dirty="0" err="1"/>
+              <a:t>structures</a:t>
+            </a:r>
+            <a:r>
+              <a:rPr lang="de-DE" dirty="0"/>
+              <a:t> </a:t>
+            </a:r>
+            <a:r>
+              <a:rPr lang="de-DE" dirty="0" err="1"/>
+              <a:t>are</a:t>
+            </a:r>
+            <a:r>
+              <a:rPr lang="de-DE" dirty="0"/>
+              <a:t> </a:t>
+            </a:r>
+            <a:r>
+              <a:rPr lang="de-DE" dirty="0" err="1"/>
+              <a:t>required</a:t>
+            </a:r>
+            <a:r>
+              <a:rPr lang="de-DE" dirty="0"/>
+              <a:t> </a:t>
+            </a:r>
+          </a:p>
+          <a:p>
+            <a:r>
+              <a:rPr lang="de-DE" dirty="0" err="1"/>
+              <a:t>what</a:t>
+            </a:r>
+            <a:r>
+              <a:rPr lang="de-DE" dirty="0"/>
+              <a:t> </a:t>
+            </a:r>
+            <a:r>
+              <a:rPr lang="de-DE" dirty="0" err="1"/>
+              <a:t>methods</a:t>
+            </a:r>
+            <a:r>
+              <a:rPr lang="de-DE" dirty="0"/>
+              <a:t> </a:t>
+            </a:r>
+            <a:r>
+              <a:rPr lang="de-DE" dirty="0" err="1"/>
+              <a:t>are</a:t>
+            </a:r>
+            <a:r>
+              <a:rPr lang="de-DE" dirty="0"/>
+              <a:t> </a:t>
+            </a:r>
+            <a:r>
+              <a:rPr lang="de-DE" dirty="0" err="1"/>
+              <a:t>available</a:t>
+            </a:r>
+            <a:r>
+              <a:rPr lang="de-DE" dirty="0"/>
+              <a:t> </a:t>
+            </a:r>
+            <a:r>
+              <a:rPr lang="de-DE" dirty="0" err="1"/>
+              <a:t>to</a:t>
+            </a:r>
+            <a:r>
+              <a:rPr lang="de-DE" dirty="0"/>
+              <a:t> </a:t>
+            </a:r>
+            <a:r>
+              <a:rPr lang="de-DE" dirty="0" err="1"/>
+              <a:t>make</a:t>
+            </a:r>
+            <a:r>
+              <a:rPr lang="de-DE" dirty="0"/>
+              <a:t> high </a:t>
+            </a:r>
+            <a:r>
+              <a:rPr lang="de-DE" dirty="0" err="1"/>
+              <a:t>aspect</a:t>
+            </a:r>
+            <a:r>
+              <a:rPr lang="de-DE" dirty="0"/>
+              <a:t> </a:t>
+            </a:r>
+            <a:r>
+              <a:rPr lang="de-DE" dirty="0" err="1"/>
+              <a:t>ratio</a:t>
+            </a:r>
+            <a:r>
+              <a:rPr lang="de-DE" dirty="0"/>
+              <a:t> MEMS </a:t>
+            </a:r>
+            <a:r>
+              <a:rPr lang="de-DE" dirty="0" err="1"/>
+              <a:t>structures</a:t>
+            </a:r>
+            <a:endParaRPr lang="de-DE" dirty="0"/>
+          </a:p>
+          <a:p>
+            <a:pPr lvl="1"/>
+            <a:r>
+              <a:rPr lang="de-DE" dirty="0"/>
+              <a:t>in </a:t>
+            </a:r>
+            <a:r>
+              <a:rPr lang="de-DE" dirty="0" err="1"/>
+              <a:t>metals</a:t>
+            </a:r>
+            <a:r>
+              <a:rPr lang="de-DE" dirty="0"/>
+              <a:t> </a:t>
+            </a:r>
+          </a:p>
+          <a:p>
+            <a:pPr lvl="1"/>
+            <a:r>
+              <a:rPr lang="de-DE" dirty="0"/>
+              <a:t>in </a:t>
+            </a:r>
+            <a:r>
+              <a:rPr lang="de-DE" dirty="0" err="1"/>
+              <a:t>polymers</a:t>
+            </a:r>
+            <a:endParaRPr lang="de-DE" dirty="0"/>
+          </a:p>
+          <a:p>
+            <a:pPr lvl="1"/>
+            <a:r>
+              <a:rPr lang="de-DE" dirty="0"/>
+              <a:t>in </a:t>
+            </a:r>
+            <a:r>
+              <a:rPr lang="de-DE" dirty="0" err="1"/>
+              <a:t>semiconductor</a:t>
+            </a:r>
+            <a:r>
+              <a:rPr lang="de-DE" dirty="0"/>
+              <a:t> </a:t>
+            </a:r>
+            <a:r>
+              <a:rPr lang="de-DE" dirty="0" err="1"/>
+              <a:t>materials</a:t>
+            </a:r>
+            <a:r>
+              <a:rPr lang="de-DE" dirty="0"/>
+              <a:t> </a:t>
+            </a:r>
+          </a:p>
+          <a:p>
+            <a:endParaRPr lang="en-US" dirty="0"/>
           </a:p>
         </p:txBody>
       </p:sp>
@@ -2269,6 +2673,472 @@
       </p:grpSpPr>
       <p:sp>
         <p:nvSpPr>
+          <p:cNvPr id="2" name="Titel 1">
+            <a:extLst>
+              <a:ext uri="{FF2B5EF4-FFF2-40B4-BE49-F238E27FC236}">
+                <a16:creationId xmlns:a16="http://schemas.microsoft.com/office/drawing/2014/main" id="{27FED56E-2159-9449-9AD9-DA54E0557149}"/>
+              </a:ext>
+            </a:extLst>
+          </p:cNvPr>
+          <p:cNvSpPr>
+            <a:spLocks noGrp="1"/>
+          </p:cNvSpPr>
+          <p:nvPr>
+            <p:ph type="title"/>
+          </p:nvPr>
+        </p:nvSpPr>
+        <p:spPr/>
+        <p:txBody>
+          <a:bodyPr/>
+          <a:lstStyle/>
+          <a:p>
+            <a:r>
+              <a:rPr lang="de-DE" dirty="0"/>
+              <a:t>High </a:t>
+            </a:r>
+            <a:r>
+              <a:rPr lang="de-DE" dirty="0" err="1"/>
+              <a:t>aspect</a:t>
+            </a:r>
+            <a:r>
+              <a:rPr lang="de-DE" dirty="0"/>
+              <a:t> </a:t>
+            </a:r>
+            <a:r>
+              <a:rPr lang="de-DE" dirty="0" err="1"/>
+              <a:t>ratio</a:t>
+            </a:r>
+            <a:endParaRPr lang="de-DE" dirty="0"/>
+          </a:p>
+        </p:txBody>
+      </p:sp>
+      <p:sp>
+        <p:nvSpPr>
+          <p:cNvPr id="3" name="Inhaltsplatzhalter 2">
+            <a:extLst>
+              <a:ext uri="{FF2B5EF4-FFF2-40B4-BE49-F238E27FC236}">
+                <a16:creationId xmlns:a16="http://schemas.microsoft.com/office/drawing/2014/main" id="{BEBA1BBE-923D-2B43-A2AD-48AD9174187E}"/>
+              </a:ext>
+            </a:extLst>
+          </p:cNvPr>
+          <p:cNvSpPr>
+            <a:spLocks noGrp="1"/>
+          </p:cNvSpPr>
+          <p:nvPr>
+            <p:ph idx="1"/>
+          </p:nvPr>
+        </p:nvSpPr>
+        <p:spPr/>
+        <p:txBody>
+          <a:bodyPr/>
+          <a:lstStyle/>
+          <a:p>
+            <a:r>
+              <a:rPr lang="de-DE" dirty="0"/>
+              <a:t>Definition: </a:t>
+            </a:r>
+            <a:r>
+              <a:rPr lang="de-DE" dirty="0" err="1"/>
+              <a:t>ratio</a:t>
+            </a:r>
+            <a:r>
+              <a:rPr lang="de-DE" dirty="0"/>
+              <a:t> </a:t>
+            </a:r>
+            <a:r>
+              <a:rPr lang="de-DE" dirty="0" err="1"/>
+              <a:t>between</a:t>
+            </a:r>
+            <a:r>
+              <a:rPr lang="de-DE" dirty="0"/>
+              <a:t> </a:t>
+            </a:r>
+            <a:r>
+              <a:rPr lang="de-DE" dirty="0" err="1"/>
+              <a:t>the</a:t>
+            </a:r>
+            <a:r>
+              <a:rPr lang="de-DE" dirty="0"/>
+              <a:t> </a:t>
+            </a:r>
+            <a:r>
+              <a:rPr lang="de-DE" dirty="0" err="1"/>
+              <a:t>depth</a:t>
+            </a:r>
+            <a:r>
+              <a:rPr lang="de-DE" dirty="0"/>
+              <a:t> </a:t>
+            </a:r>
+            <a:r>
+              <a:rPr lang="de-DE" dirty="0" err="1"/>
+              <a:t>and</a:t>
+            </a:r>
+            <a:r>
+              <a:rPr lang="de-DE" dirty="0"/>
+              <a:t> minimal lateral </a:t>
+            </a:r>
+            <a:r>
+              <a:rPr lang="de-DE" dirty="0" err="1"/>
+              <a:t>expansion</a:t>
+            </a:r>
+            <a:endParaRPr lang="de-DE" dirty="0"/>
+          </a:p>
+          <a:p>
+            <a:r>
+              <a:rPr lang="de-DE" dirty="0" err="1"/>
+              <a:t>Bigger</a:t>
+            </a:r>
+            <a:r>
+              <a:rPr lang="de-DE" dirty="0"/>
+              <a:t> 10:1</a:t>
+            </a:r>
+          </a:p>
+          <a:p>
+            <a:r>
+              <a:rPr lang="de-DE" dirty="0"/>
+              <a:t>Advantages:</a:t>
+            </a:r>
+          </a:p>
+          <a:p>
+            <a:pPr lvl="1"/>
+            <a:r>
+              <a:rPr lang="de-DE" dirty="0"/>
+              <a:t>High </a:t>
+            </a:r>
+            <a:r>
+              <a:rPr lang="de-DE" dirty="0" err="1"/>
+              <a:t>packaging</a:t>
+            </a:r>
+            <a:r>
+              <a:rPr lang="de-DE" dirty="0"/>
+              <a:t> </a:t>
+            </a:r>
+            <a:r>
+              <a:rPr lang="de-DE" dirty="0" err="1"/>
+              <a:t>density</a:t>
+            </a:r>
+            <a:endParaRPr lang="de-DE" dirty="0"/>
+          </a:p>
+          <a:p>
+            <a:pPr lvl="1"/>
+            <a:r>
+              <a:rPr lang="de-DE" dirty="0" err="1"/>
+              <a:t>Flexibility</a:t>
+            </a:r>
+            <a:r>
+              <a:rPr lang="de-DE" dirty="0"/>
+              <a:t> in 3 </a:t>
+            </a:r>
+            <a:r>
+              <a:rPr lang="de-DE" dirty="0" err="1"/>
+              <a:t>dimensions</a:t>
+            </a:r>
+            <a:endParaRPr lang="de-DE" dirty="0"/>
+          </a:p>
+          <a:p>
+            <a:pPr lvl="1"/>
+            <a:r>
+              <a:rPr lang="de-DE" dirty="0" err="1"/>
+              <a:t>Structures</a:t>
+            </a:r>
+            <a:r>
+              <a:rPr lang="de-DE" dirty="0"/>
+              <a:t> </a:t>
+            </a:r>
+            <a:r>
+              <a:rPr lang="de-DE" dirty="0" err="1"/>
+              <a:t>of</a:t>
+            </a:r>
+            <a:r>
+              <a:rPr lang="de-DE" dirty="0"/>
+              <a:t> different </a:t>
+            </a:r>
+            <a:r>
+              <a:rPr lang="de-DE" dirty="0" err="1"/>
+              <a:t>shapes</a:t>
+            </a:r>
+            <a:r>
+              <a:rPr lang="de-DE" dirty="0"/>
+              <a:t> </a:t>
+            </a:r>
+            <a:r>
+              <a:rPr lang="de-DE" dirty="0" err="1"/>
+              <a:t>and</a:t>
+            </a:r>
+            <a:r>
+              <a:rPr lang="de-DE" dirty="0"/>
+              <a:t> </a:t>
+            </a:r>
+            <a:r>
+              <a:rPr lang="de-DE" dirty="0" err="1"/>
+              <a:t>varying</a:t>
+            </a:r>
+            <a:r>
+              <a:rPr lang="de-DE" dirty="0"/>
+              <a:t> </a:t>
+            </a:r>
+            <a:r>
+              <a:rPr lang="de-DE" dirty="0" err="1"/>
+              <a:t>heights</a:t>
+            </a:r>
+            <a:r>
+              <a:rPr lang="de-DE" dirty="0"/>
+              <a:t> </a:t>
+            </a:r>
+            <a:r>
+              <a:rPr lang="de-DE" dirty="0" err="1"/>
+              <a:t>or</a:t>
+            </a:r>
+            <a:r>
+              <a:rPr lang="de-DE" dirty="0"/>
+              <a:t> </a:t>
+            </a:r>
+            <a:r>
+              <a:rPr lang="de-DE" dirty="0" err="1"/>
+              <a:t>widths</a:t>
+            </a:r>
+            <a:endParaRPr lang="de-DE" dirty="0"/>
+          </a:p>
+          <a:p>
+            <a:pPr lvl="2"/>
+            <a:r>
+              <a:rPr lang="de-DE" dirty="0" err="1"/>
+              <a:t>Thick</a:t>
+            </a:r>
+            <a:r>
+              <a:rPr lang="de-DE" dirty="0"/>
+              <a:t> high </a:t>
+            </a:r>
+            <a:r>
+              <a:rPr lang="de-DE" dirty="0" err="1"/>
+              <a:t>mass</a:t>
+            </a:r>
+            <a:r>
+              <a:rPr lang="de-DE" dirty="0"/>
+              <a:t> </a:t>
+            </a:r>
+            <a:r>
+              <a:rPr lang="de-DE" dirty="0" err="1"/>
+              <a:t>elements</a:t>
+            </a:r>
+            <a:endParaRPr lang="de-DE" dirty="0"/>
+          </a:p>
+          <a:p>
+            <a:pPr lvl="2"/>
+            <a:r>
+              <a:rPr lang="de-DE" dirty="0" err="1"/>
+              <a:t>Released</a:t>
+            </a:r>
+            <a:r>
+              <a:rPr lang="de-DE" dirty="0"/>
+              <a:t> </a:t>
+            </a:r>
+            <a:r>
+              <a:rPr lang="de-DE" dirty="0" err="1"/>
+              <a:t>features</a:t>
+            </a:r>
+            <a:r>
+              <a:rPr lang="de-DE" dirty="0"/>
+              <a:t> </a:t>
+            </a:r>
+          </a:p>
+          <a:p>
+            <a:pPr lvl="2"/>
+            <a:r>
+              <a:rPr lang="de-DE" dirty="0" err="1"/>
+              <a:t>Increased</a:t>
+            </a:r>
+            <a:r>
+              <a:rPr lang="de-DE" dirty="0"/>
+              <a:t> </a:t>
+            </a:r>
+            <a:r>
+              <a:rPr lang="de-DE" dirty="0" err="1"/>
+              <a:t>capacities</a:t>
+            </a:r>
+            <a:endParaRPr lang="de-DE" dirty="0"/>
+          </a:p>
+          <a:p>
+            <a:r>
+              <a:rPr lang="de-DE" dirty="0" err="1"/>
+              <a:t>Limitations</a:t>
+            </a:r>
+            <a:r>
+              <a:rPr lang="de-DE" dirty="0"/>
+              <a:t>:</a:t>
+            </a:r>
+          </a:p>
+          <a:p>
+            <a:pPr lvl="1"/>
+            <a:r>
+              <a:rPr lang="de-DE" dirty="0" err="1"/>
+              <a:t>Depending</a:t>
+            </a:r>
+            <a:r>
+              <a:rPr lang="de-DE" dirty="0"/>
+              <a:t> on </a:t>
+            </a:r>
+            <a:r>
+              <a:rPr lang="de-DE" dirty="0" err="1"/>
+              <a:t>fabrication</a:t>
+            </a:r>
+            <a:r>
+              <a:rPr lang="de-DE" dirty="0"/>
+              <a:t> </a:t>
+            </a:r>
+            <a:r>
+              <a:rPr lang="de-DE" dirty="0" err="1"/>
+              <a:t>process</a:t>
+            </a:r>
+            <a:endParaRPr lang="de-DE" dirty="0"/>
+          </a:p>
+          <a:p>
+            <a:pPr lvl="1"/>
+            <a:r>
+              <a:rPr lang="de-DE" dirty="0" err="1"/>
+              <a:t>mechanical</a:t>
+            </a:r>
+            <a:r>
+              <a:rPr lang="de-DE" dirty="0"/>
+              <a:t> </a:t>
+            </a:r>
+            <a:r>
+              <a:rPr lang="de-DE" dirty="0" err="1"/>
+              <a:t>effects</a:t>
+            </a:r>
+            <a:r>
+              <a:rPr lang="de-DE" dirty="0"/>
+              <a:t> (</a:t>
+            </a:r>
+            <a:r>
+              <a:rPr lang="de-DE" dirty="0" err="1"/>
+              <a:t>e.g</a:t>
+            </a:r>
+            <a:r>
+              <a:rPr lang="de-DE" dirty="0"/>
+              <a:t> </a:t>
+            </a:r>
+            <a:r>
+              <a:rPr lang="de-DE" dirty="0" err="1"/>
+              <a:t>weight</a:t>
+            </a:r>
+            <a:r>
+              <a:rPr lang="de-DE" dirty="0"/>
+              <a:t>, </a:t>
+            </a:r>
+            <a:r>
+              <a:rPr lang="de-DE" dirty="0" err="1"/>
+              <a:t>inertial</a:t>
+            </a:r>
+            <a:r>
+              <a:rPr lang="de-DE" dirty="0"/>
+              <a:t>, </a:t>
+            </a:r>
+            <a:r>
+              <a:rPr lang="de-DE" dirty="0" err="1"/>
+              <a:t>angles</a:t>
+            </a:r>
+            <a:r>
+              <a:rPr lang="de-DE" dirty="0"/>
+              <a:t> etc.)</a:t>
+            </a:r>
+          </a:p>
+          <a:p>
+            <a:pPr lvl="1"/>
+            <a:r>
+              <a:rPr lang="de-DE" dirty="0" err="1"/>
+              <a:t>Costs</a:t>
+            </a:r>
+            <a:r>
+              <a:rPr lang="de-DE" dirty="0"/>
+              <a:t>, design </a:t>
+            </a:r>
+            <a:r>
+              <a:rPr lang="de-DE" dirty="0" err="1"/>
+              <a:t>and</a:t>
+            </a:r>
+            <a:r>
+              <a:rPr lang="de-DE" dirty="0"/>
+              <a:t> </a:t>
+            </a:r>
+            <a:r>
+              <a:rPr lang="de-DE" dirty="0" err="1"/>
+              <a:t>planning</a:t>
+            </a:r>
+            <a:endParaRPr lang="de-DE" dirty="0"/>
+          </a:p>
+          <a:p>
+            <a:pPr marL="361950" lvl="1" indent="0">
+              <a:buNone/>
+            </a:pPr>
+            <a:endParaRPr lang="de-DE" dirty="0"/>
+          </a:p>
+          <a:p>
+            <a:pPr lvl="2"/>
+            <a:endParaRPr lang="de-DE" dirty="0"/>
+          </a:p>
+          <a:p>
+            <a:endParaRPr lang="de-DE" dirty="0"/>
+          </a:p>
+        </p:txBody>
+      </p:sp>
+      <p:sp>
+        <p:nvSpPr>
+          <p:cNvPr id="4" name="Inhaltsplatzhalter 3">
+            <a:extLst>
+              <a:ext uri="{FF2B5EF4-FFF2-40B4-BE49-F238E27FC236}">
+                <a16:creationId xmlns:a16="http://schemas.microsoft.com/office/drawing/2014/main" id="{D26F5BAD-98C7-1A44-AFDD-1AFED9589882}"/>
+              </a:ext>
+            </a:extLst>
+          </p:cNvPr>
+          <p:cNvSpPr>
+            <a:spLocks noGrp="1"/>
+          </p:cNvSpPr>
+          <p:nvPr>
+            <p:ph sz="quarter" idx="10"/>
+          </p:nvPr>
+        </p:nvSpPr>
+        <p:spPr/>
+        <p:txBody>
+          <a:bodyPr/>
+          <a:lstStyle/>
+          <a:p>
+            <a:endParaRPr lang="de-DE"/>
+          </a:p>
+        </p:txBody>
+      </p:sp>
+    </p:spTree>
+    <p:extLst>
+      <p:ext uri="{BB962C8B-B14F-4D97-AF65-F5344CB8AC3E}">
+        <p14:creationId xmlns:p14="http://schemas.microsoft.com/office/powerpoint/2010/main" val="3698719867"/>
+      </p:ext>
+    </p:extLst>
+  </p:cSld>
+  <p:clrMapOvr>
+    <a:masterClrMapping/>
+  </p:clrMapOvr>
+</p:sld>
+</file>
+
+<file path=ppt/slides/slide5.xml><?xml version="1.0" encoding="utf-8"?>
+<p:sld xmlns:a="http://schemas.openxmlformats.org/drawingml/2006/main" xmlns:r="http://schemas.openxmlformats.org/officeDocument/2006/relationships" xmlns:p="http://schemas.openxmlformats.org/presentationml/2006/main">
+  <p:cSld>
+    <p:spTree>
+      <p:nvGrpSpPr>
+        <p:cNvPr id="1" name=""/>
+        <p:cNvGrpSpPr/>
+        <p:nvPr/>
+      </p:nvGrpSpPr>
+      <p:grpSpPr>
+        <a:xfrm>
+          <a:off x="0" y="0"/>
+          <a:ext cx="0" cy="0"/>
+          <a:chOff x="0" y="0"/>
+          <a:chExt cx="0" cy="0"/>
+        </a:xfrm>
+      </p:grpSpPr>
+      <p:sp>
+        <p:nvSpPr>
           <p:cNvPr id="10" name="Titel 9"/>
           <p:cNvSpPr>
             <a:spLocks noGrp="1"/>
@@ -2283,10 +3153,9 @@
           <a:lstStyle/>
           <a:p>
             <a:r>
-              <a:rPr lang="en-US" dirty="0" smtClean="0"/>
-              <a:t>Summary</a:t>
-            </a:r>
-            <a:endParaRPr lang="en-US" dirty="0"/>
+              <a:rPr lang="en-US" dirty="0"/>
+              <a:t>Applications</a:t>
+            </a:r>
           </a:p>
         </p:txBody>
       </p:sp>
@@ -2306,19 +3175,684 @@
           <a:lstStyle/>
           <a:p>
             <a:r>
-              <a:rPr lang="en-US" dirty="0" smtClean="0"/>
-              <a:t>briefly summarize the assignment</a:t>
-            </a:r>
-            <a:endParaRPr lang="en-US" b="1" dirty="0" smtClean="0"/>
+              <a:rPr lang="en-US" dirty="0"/>
+              <a:t>Micro inertial sensors:</a:t>
+            </a:r>
+          </a:p>
+          <a:p>
+            <a:pPr lvl="1"/>
+            <a:r>
+              <a:rPr lang="en-US" dirty="0"/>
+              <a:t>Gyroscopes</a:t>
+            </a:r>
+          </a:p>
+          <a:p>
+            <a:pPr lvl="1"/>
+            <a:r>
+              <a:rPr lang="en-US" dirty="0"/>
+              <a:t>Accelerometers</a:t>
+            </a:r>
+          </a:p>
+          <a:p>
+            <a:pPr lvl="1"/>
+            <a:r>
+              <a:rPr lang="en-US" dirty="0"/>
+              <a:t>Angular rate sensors</a:t>
+            </a:r>
+          </a:p>
+          <a:p>
+            <a:r>
+              <a:rPr lang="en-US" dirty="0"/>
+              <a:t>Nano tubes</a:t>
+            </a:r>
+          </a:p>
+          <a:p>
+            <a:r>
+              <a:rPr lang="en-US" dirty="0"/>
+              <a:t>3D circuit integration</a:t>
+            </a:r>
+          </a:p>
+          <a:p>
+            <a:r>
+              <a:rPr lang="en-US" dirty="0"/>
+              <a:t>Plenty of further applications</a:t>
+            </a:r>
           </a:p>
           <a:p>
             <a:endParaRPr lang="en-US" dirty="0"/>
+          </a:p>
+        </p:txBody>
+      </p:sp>
+      <p:pic>
+        <p:nvPicPr>
+          <p:cNvPr id="4" name="Inhaltsplatzhalter 3">
+            <a:extLst>
+              <a:ext uri="{FF2B5EF4-FFF2-40B4-BE49-F238E27FC236}">
+                <a16:creationId xmlns:a16="http://schemas.microsoft.com/office/drawing/2014/main" id="{F601EDD7-47B1-904C-A99C-1AD0A5272EB2}"/>
+              </a:ext>
+            </a:extLst>
+          </p:cNvPr>
+          <p:cNvPicPr>
+            <a:picLocks noGrp="1" noChangeAspect="1"/>
+          </p:cNvPicPr>
+          <p:nvPr>
+            <p:ph sz="quarter" idx="10"/>
+          </p:nvPr>
+        </p:nvPicPr>
+        <p:blipFill>
+          <a:blip r:embed="rId3">
+            <a:extLst>
+              <a:ext uri="{28A0092B-C50C-407E-A947-70E740481C1C}">
+                <a14:useLocalDpi xmlns:a14="http://schemas.microsoft.com/office/drawing/2010/main" val="0"/>
+              </a:ext>
+            </a:extLst>
+          </a:blip>
+          <a:stretch>
+            <a:fillRect/>
+          </a:stretch>
+        </p:blipFill>
+        <p:spPr>
+          <a:xfrm>
+            <a:off x="5292080" y="1342800"/>
+            <a:ext cx="3092093" cy="2475467"/>
+          </a:xfrm>
+        </p:spPr>
+      </p:pic>
+      <p:pic>
+        <p:nvPicPr>
+          <p:cNvPr id="6" name="Grafik 5">
+            <a:extLst>
+              <a:ext uri="{FF2B5EF4-FFF2-40B4-BE49-F238E27FC236}">
+                <a16:creationId xmlns:a16="http://schemas.microsoft.com/office/drawing/2014/main" id="{3F61F8F8-395C-EE46-BB0B-AA00C5E20307}"/>
+              </a:ext>
+            </a:extLst>
+          </p:cNvPr>
+          <p:cNvPicPr>
+            <a:picLocks noChangeAspect="1"/>
+          </p:cNvPicPr>
+          <p:nvPr/>
+        </p:nvPicPr>
+        <p:blipFill>
+          <a:blip r:embed="rId4">
+            <a:extLst>
+              <a:ext uri="{28A0092B-C50C-407E-A947-70E740481C1C}">
+                <a14:useLocalDpi xmlns:a14="http://schemas.microsoft.com/office/drawing/2010/main" val="0"/>
+              </a:ext>
+            </a:extLst>
+          </a:blip>
+          <a:stretch>
+            <a:fillRect/>
+          </a:stretch>
+        </p:blipFill>
+        <p:spPr>
+          <a:xfrm>
+            <a:off x="5451987" y="3905908"/>
+            <a:ext cx="2880320" cy="2949173"/>
+          </a:xfrm>
+          <a:prstGeom prst="rect">
+            <a:avLst/>
+          </a:prstGeom>
+        </p:spPr>
+      </p:pic>
+    </p:spTree>
+    <p:extLst>
+      <p:ext uri="{BB962C8B-B14F-4D97-AF65-F5344CB8AC3E}">
+        <p14:creationId xmlns:p14="http://schemas.microsoft.com/office/powerpoint/2010/main" val="3184566967"/>
+      </p:ext>
+    </p:extLst>
+  </p:cSld>
+  <p:clrMapOvr>
+    <a:masterClrMapping/>
+  </p:clrMapOvr>
+</p:sld>
+</file>
+
+<file path=ppt/slides/slide6.xml><?xml version="1.0" encoding="utf-8"?>
+<p:sld xmlns:a="http://schemas.openxmlformats.org/drawingml/2006/main" xmlns:r="http://schemas.openxmlformats.org/officeDocument/2006/relationships" xmlns:p="http://schemas.openxmlformats.org/presentationml/2006/main">
+  <p:cSld>
+    <p:spTree>
+      <p:nvGrpSpPr>
+        <p:cNvPr id="1" name=""/>
+        <p:cNvGrpSpPr/>
+        <p:nvPr/>
+      </p:nvGrpSpPr>
+      <p:grpSpPr>
+        <a:xfrm>
+          <a:off x="0" y="0"/>
+          <a:ext cx="0" cy="0"/>
+          <a:chOff x="0" y="0"/>
+          <a:chExt cx="0" cy="0"/>
+        </a:xfrm>
+      </p:grpSpPr>
+      <p:sp>
+        <p:nvSpPr>
+          <p:cNvPr id="2" name="Titel 1">
+            <a:extLst>
+              <a:ext uri="{FF2B5EF4-FFF2-40B4-BE49-F238E27FC236}">
+                <a16:creationId xmlns:a16="http://schemas.microsoft.com/office/drawing/2014/main" id="{0F07D169-6491-2D47-8AA2-9053B0D1AA38}"/>
+              </a:ext>
+            </a:extLst>
+          </p:cNvPr>
+          <p:cNvSpPr>
+            <a:spLocks noGrp="1"/>
+          </p:cNvSpPr>
+          <p:nvPr>
+            <p:ph type="title"/>
+          </p:nvPr>
+        </p:nvSpPr>
+        <p:spPr/>
+        <p:txBody>
+          <a:bodyPr/>
+          <a:lstStyle/>
+          <a:p>
+            <a:r>
+              <a:rPr lang="de-DE" dirty="0" err="1"/>
+              <a:t>Fabrication</a:t>
+            </a:r>
+            <a:r>
+              <a:rPr lang="de-DE" dirty="0"/>
+              <a:t> </a:t>
+            </a:r>
+            <a:r>
+              <a:rPr lang="de-DE" dirty="0" err="1"/>
+              <a:t>Methods</a:t>
+            </a:r>
+            <a:r>
+              <a:rPr lang="de-DE" dirty="0"/>
+              <a:t> - </a:t>
+            </a:r>
+            <a:r>
+              <a:rPr lang="de-DE" dirty="0" err="1"/>
+              <a:t>Metals</a:t>
+            </a:r>
+            <a:r>
+              <a:rPr lang="de-DE" dirty="0"/>
+              <a:t> </a:t>
+            </a:r>
           </a:p>
         </p:txBody>
       </p:sp>
       <p:sp>
         <p:nvSpPr>
-          <p:cNvPr id="12" name="Inhaltsplatzhalter 11"/>
+          <p:cNvPr id="3" name="Inhaltsplatzhalter 2">
+            <a:extLst>
+              <a:ext uri="{FF2B5EF4-FFF2-40B4-BE49-F238E27FC236}">
+                <a16:creationId xmlns:a16="http://schemas.microsoft.com/office/drawing/2014/main" id="{C795D27C-E21E-6043-9C12-CD1F7A577FD8}"/>
+              </a:ext>
+            </a:extLst>
+          </p:cNvPr>
+          <p:cNvSpPr>
+            <a:spLocks noGrp="1"/>
+          </p:cNvSpPr>
+          <p:nvPr>
+            <p:ph idx="1"/>
+          </p:nvPr>
+        </p:nvSpPr>
+        <p:spPr>
+          <a:xfrm>
+            <a:off x="251520" y="1342800"/>
+            <a:ext cx="4392488" cy="4968000"/>
+          </a:xfrm>
+        </p:spPr>
+        <p:txBody>
+          <a:bodyPr/>
+          <a:lstStyle/>
+          <a:p>
+            <a:r>
+              <a:rPr lang="de-DE" dirty="0"/>
+              <a:t>Lithographie, Galvanik und Abformung (LIGA)</a:t>
+            </a:r>
+          </a:p>
+          <a:p>
+            <a:r>
+              <a:rPr lang="de-DE" dirty="0"/>
+              <a:t>X-</a:t>
+            </a:r>
+            <a:r>
+              <a:rPr lang="de-DE" dirty="0" err="1"/>
+              <a:t>ray</a:t>
+            </a:r>
+            <a:r>
+              <a:rPr lang="de-DE" dirty="0"/>
+              <a:t> LIGA (high </a:t>
+            </a:r>
+            <a:r>
+              <a:rPr lang="de-DE" dirty="0" err="1"/>
+              <a:t>aspect</a:t>
+            </a:r>
+            <a:r>
+              <a:rPr lang="de-DE" dirty="0"/>
+              <a:t> </a:t>
+            </a:r>
+            <a:r>
+              <a:rPr lang="de-DE" dirty="0" err="1"/>
+              <a:t>ratio</a:t>
+            </a:r>
+            <a:r>
+              <a:rPr lang="de-DE" dirty="0"/>
+              <a:t>) </a:t>
+            </a:r>
+            <a:r>
+              <a:rPr lang="de-DE" dirty="0" err="1"/>
+              <a:t>and</a:t>
+            </a:r>
+            <a:r>
+              <a:rPr lang="de-DE" dirty="0"/>
+              <a:t> UV-LIGA</a:t>
+            </a:r>
+          </a:p>
+          <a:p>
+            <a:pPr lvl="1"/>
+            <a:r>
+              <a:rPr lang="de-DE" dirty="0" err="1"/>
+              <a:t>Lithography</a:t>
+            </a:r>
+            <a:endParaRPr lang="de-DE" dirty="0"/>
+          </a:p>
+          <a:p>
+            <a:pPr lvl="1"/>
+            <a:r>
+              <a:rPr lang="de-DE" dirty="0" err="1"/>
+              <a:t>Exposure</a:t>
+            </a:r>
+            <a:endParaRPr lang="de-DE" dirty="0"/>
+          </a:p>
+          <a:p>
+            <a:pPr lvl="1"/>
+            <a:r>
+              <a:rPr lang="de-DE" dirty="0"/>
+              <a:t>Development</a:t>
+            </a:r>
+          </a:p>
+          <a:p>
+            <a:pPr lvl="1"/>
+            <a:r>
+              <a:rPr lang="de-DE" dirty="0" err="1"/>
+              <a:t>Electroplating</a:t>
+            </a:r>
+            <a:endParaRPr lang="de-DE" dirty="0"/>
+          </a:p>
+          <a:p>
+            <a:pPr lvl="1"/>
+            <a:r>
+              <a:rPr lang="de-DE" dirty="0"/>
+              <a:t>Stripping</a:t>
+            </a:r>
+          </a:p>
+          <a:p>
+            <a:r>
+              <a:rPr lang="de-DE" dirty="0"/>
+              <a:t>Also </a:t>
+            </a:r>
+            <a:r>
+              <a:rPr lang="de-DE" dirty="0" err="1"/>
+              <a:t>applicable</a:t>
+            </a:r>
+            <a:r>
+              <a:rPr lang="de-DE" dirty="0"/>
+              <a:t> </a:t>
+            </a:r>
+            <a:r>
+              <a:rPr lang="de-DE" dirty="0" err="1"/>
+              <a:t>to</a:t>
+            </a:r>
+            <a:r>
+              <a:rPr lang="de-DE" dirty="0"/>
+              <a:t> polymeres </a:t>
+            </a:r>
+            <a:r>
+              <a:rPr lang="de-DE" dirty="0" err="1"/>
+              <a:t>and</a:t>
+            </a:r>
+            <a:r>
+              <a:rPr lang="de-DE" dirty="0"/>
+              <a:t> </a:t>
+            </a:r>
+            <a:r>
+              <a:rPr lang="de-DE" dirty="0" err="1"/>
+              <a:t>semiconductor</a:t>
+            </a:r>
+            <a:r>
+              <a:rPr lang="de-DE" dirty="0"/>
+              <a:t> </a:t>
+            </a:r>
+            <a:r>
+              <a:rPr lang="de-DE" dirty="0" err="1"/>
+              <a:t>materials</a:t>
+            </a:r>
+            <a:endParaRPr lang="de-DE" dirty="0"/>
+          </a:p>
+          <a:p>
+            <a:r>
+              <a:rPr lang="de-DE" dirty="0" err="1"/>
+              <a:t>Aspect</a:t>
+            </a:r>
+            <a:r>
+              <a:rPr lang="de-DE" dirty="0"/>
+              <a:t> </a:t>
+            </a:r>
+            <a:r>
+              <a:rPr lang="de-DE" dirty="0" err="1"/>
+              <a:t>ratios</a:t>
+            </a:r>
+            <a:r>
+              <a:rPr lang="de-DE" dirty="0"/>
+              <a:t> &gt; 100:1 </a:t>
+            </a:r>
+            <a:r>
+              <a:rPr lang="de-DE" dirty="0" err="1"/>
+              <a:t>possible</a:t>
+            </a:r>
+            <a:endParaRPr lang="de-DE" dirty="0"/>
+          </a:p>
+          <a:p>
+            <a:pPr marL="7937" indent="0">
+              <a:buNone/>
+            </a:pPr>
+            <a:endParaRPr lang="de-DE" dirty="0"/>
+          </a:p>
+          <a:p>
+            <a:endParaRPr lang="de-DE" dirty="0"/>
+          </a:p>
+        </p:txBody>
+      </p:sp>
+      <p:pic>
+        <p:nvPicPr>
+          <p:cNvPr id="7" name="Inhaltsplatzhalter 6">
+            <a:extLst>
+              <a:ext uri="{FF2B5EF4-FFF2-40B4-BE49-F238E27FC236}">
+                <a16:creationId xmlns:a16="http://schemas.microsoft.com/office/drawing/2014/main" id="{A16670A6-D873-E247-8FA5-7F9556E41687}"/>
+              </a:ext>
+            </a:extLst>
+          </p:cNvPr>
+          <p:cNvPicPr>
+            <a:picLocks noGrp="1" noChangeAspect="1"/>
+          </p:cNvPicPr>
+          <p:nvPr>
+            <p:ph sz="quarter" idx="10"/>
+          </p:nvPr>
+        </p:nvPicPr>
+        <p:blipFill>
+          <a:blip r:embed="rId2">
+            <a:extLst>
+              <a:ext uri="{28A0092B-C50C-407E-A947-70E740481C1C}">
+                <a14:useLocalDpi xmlns:a14="http://schemas.microsoft.com/office/drawing/2010/main" val="0"/>
+              </a:ext>
+            </a:extLst>
+          </a:blip>
+          <a:stretch>
+            <a:fillRect/>
+          </a:stretch>
+        </p:blipFill>
+        <p:spPr>
+          <a:xfrm>
+            <a:off x="4860032" y="1342800"/>
+            <a:ext cx="3746189" cy="3384104"/>
+          </a:xfrm>
+        </p:spPr>
+      </p:pic>
+    </p:spTree>
+    <p:extLst>
+      <p:ext uri="{BB962C8B-B14F-4D97-AF65-F5344CB8AC3E}">
+        <p14:creationId xmlns:p14="http://schemas.microsoft.com/office/powerpoint/2010/main" val="1791383802"/>
+      </p:ext>
+    </p:extLst>
+  </p:cSld>
+  <p:clrMapOvr>
+    <a:masterClrMapping/>
+  </p:clrMapOvr>
+</p:sld>
+</file>
+
+<file path=ppt/slides/slide7.xml><?xml version="1.0" encoding="utf-8"?>
+<p:sld xmlns:a="http://schemas.openxmlformats.org/drawingml/2006/main" xmlns:r="http://schemas.openxmlformats.org/officeDocument/2006/relationships" xmlns:p="http://schemas.openxmlformats.org/presentationml/2006/main">
+  <p:cSld>
+    <p:spTree>
+      <p:nvGrpSpPr>
+        <p:cNvPr id="1" name=""/>
+        <p:cNvGrpSpPr/>
+        <p:nvPr/>
+      </p:nvGrpSpPr>
+      <p:grpSpPr>
+        <a:xfrm>
+          <a:off x="0" y="0"/>
+          <a:ext cx="0" cy="0"/>
+          <a:chOff x="0" y="0"/>
+          <a:chExt cx="0" cy="0"/>
+        </a:xfrm>
+      </p:grpSpPr>
+      <p:sp>
+        <p:nvSpPr>
+          <p:cNvPr id="2" name="Titel 1">
+            <a:extLst>
+              <a:ext uri="{FF2B5EF4-FFF2-40B4-BE49-F238E27FC236}">
+                <a16:creationId xmlns:a16="http://schemas.microsoft.com/office/drawing/2014/main" id="{1713F5CD-3505-A045-B84A-5EA57E5AC7F0}"/>
+              </a:ext>
+            </a:extLst>
+          </p:cNvPr>
+          <p:cNvSpPr>
+            <a:spLocks noGrp="1"/>
+          </p:cNvSpPr>
+          <p:nvPr>
+            <p:ph type="title"/>
+          </p:nvPr>
+        </p:nvSpPr>
+        <p:spPr/>
+        <p:txBody>
+          <a:bodyPr/>
+          <a:lstStyle/>
+          <a:p>
+            <a:r>
+              <a:rPr lang="de-DE" dirty="0" err="1"/>
+              <a:t>Fabrication</a:t>
+            </a:r>
+            <a:r>
+              <a:rPr lang="de-DE" dirty="0"/>
+              <a:t> </a:t>
+            </a:r>
+            <a:r>
+              <a:rPr lang="de-DE" dirty="0" err="1"/>
+              <a:t>Methods</a:t>
+            </a:r>
+            <a:r>
+              <a:rPr lang="de-DE" dirty="0"/>
+              <a:t> - Polymers</a:t>
+            </a:r>
+          </a:p>
+        </p:txBody>
+      </p:sp>
+      <p:sp>
+        <p:nvSpPr>
+          <p:cNvPr id="3" name="Inhaltsplatzhalter 2">
+            <a:extLst>
+              <a:ext uri="{FF2B5EF4-FFF2-40B4-BE49-F238E27FC236}">
+                <a16:creationId xmlns:a16="http://schemas.microsoft.com/office/drawing/2014/main" id="{0BB1568B-A3B4-6B41-8147-FE0C9E995AAF}"/>
+              </a:ext>
+            </a:extLst>
+          </p:cNvPr>
+          <p:cNvSpPr>
+            <a:spLocks noGrp="1"/>
+          </p:cNvSpPr>
+          <p:nvPr>
+            <p:ph idx="1"/>
+          </p:nvPr>
+        </p:nvSpPr>
+        <p:spPr>
+          <a:xfrm>
+            <a:off x="4355976" y="1342800"/>
+            <a:ext cx="4464496" cy="4968000"/>
+          </a:xfrm>
+        </p:spPr>
+        <p:txBody>
+          <a:bodyPr/>
+          <a:lstStyle/>
+          <a:p>
+            <a:r>
+              <a:rPr lang="de-DE" dirty="0"/>
+              <a:t>Hot </a:t>
+            </a:r>
+            <a:r>
+              <a:rPr lang="de-DE" dirty="0" err="1"/>
+              <a:t>embossing</a:t>
+            </a:r>
+            <a:endParaRPr lang="de-DE" dirty="0"/>
+          </a:p>
+          <a:p>
+            <a:pPr lvl="1"/>
+            <a:r>
+              <a:rPr lang="de-DE" dirty="0" err="1"/>
+              <a:t>Prdoucing</a:t>
+            </a:r>
+            <a:r>
+              <a:rPr lang="de-DE" dirty="0"/>
+              <a:t> </a:t>
+            </a:r>
+            <a:r>
+              <a:rPr lang="de-DE" dirty="0" err="1"/>
+              <a:t>Embossing</a:t>
+            </a:r>
+            <a:r>
+              <a:rPr lang="de-DE" dirty="0"/>
+              <a:t> </a:t>
+            </a:r>
+            <a:r>
+              <a:rPr lang="de-DE" dirty="0" err="1"/>
+              <a:t>master</a:t>
+            </a:r>
+            <a:r>
+              <a:rPr lang="de-DE" dirty="0"/>
+              <a:t> </a:t>
+            </a:r>
+            <a:r>
+              <a:rPr lang="de-DE" dirty="0" err="1"/>
+              <a:t>by</a:t>
+            </a:r>
+            <a:r>
+              <a:rPr lang="de-DE" dirty="0"/>
+              <a:t> LIGA </a:t>
+            </a:r>
+            <a:r>
+              <a:rPr lang="de-DE" dirty="0" err="1"/>
+              <a:t>or</a:t>
+            </a:r>
+            <a:r>
+              <a:rPr lang="de-DE" dirty="0"/>
+              <a:t> DRIE</a:t>
+            </a:r>
+          </a:p>
+          <a:p>
+            <a:pPr lvl="1"/>
+            <a:r>
+              <a:rPr lang="de-DE" dirty="0" err="1"/>
+              <a:t>Heating</a:t>
+            </a:r>
+            <a:r>
+              <a:rPr lang="de-DE" dirty="0"/>
+              <a:t> </a:t>
+            </a:r>
+            <a:r>
+              <a:rPr lang="de-DE" dirty="0" err="1"/>
+              <a:t>up</a:t>
+            </a:r>
+            <a:r>
+              <a:rPr lang="de-DE" dirty="0"/>
+              <a:t> Polymer</a:t>
+            </a:r>
+          </a:p>
+          <a:p>
+            <a:pPr lvl="1"/>
+            <a:r>
+              <a:rPr lang="de-DE" dirty="0" err="1"/>
+              <a:t>Embossing</a:t>
+            </a:r>
+            <a:endParaRPr lang="de-DE" dirty="0"/>
+          </a:p>
+          <a:p>
+            <a:pPr lvl="1"/>
+            <a:r>
+              <a:rPr lang="de-DE" dirty="0" err="1"/>
+              <a:t>Cooling</a:t>
+            </a:r>
+            <a:r>
+              <a:rPr lang="de-DE" dirty="0"/>
+              <a:t> down</a:t>
+            </a:r>
+          </a:p>
+          <a:p>
+            <a:r>
+              <a:rPr lang="de-DE" dirty="0" err="1"/>
+              <a:t>Specialised</a:t>
+            </a:r>
+            <a:r>
+              <a:rPr lang="de-DE" dirty="0"/>
+              <a:t> </a:t>
+            </a:r>
+            <a:r>
+              <a:rPr lang="de-DE" dirty="0" err="1"/>
+              <a:t>for</a:t>
+            </a:r>
+            <a:r>
+              <a:rPr lang="de-DE" dirty="0"/>
+              <a:t> Polymers</a:t>
+            </a:r>
+          </a:p>
+          <a:p>
+            <a:r>
+              <a:rPr lang="de-DE" dirty="0" err="1"/>
+              <a:t>Applications</a:t>
+            </a:r>
+            <a:r>
+              <a:rPr lang="de-DE" dirty="0"/>
+              <a:t> e.g. </a:t>
+            </a:r>
+            <a:r>
+              <a:rPr lang="de-DE" dirty="0" err="1"/>
+              <a:t>for</a:t>
+            </a:r>
+            <a:r>
+              <a:rPr lang="de-DE" dirty="0"/>
+              <a:t> </a:t>
+            </a:r>
+            <a:r>
+              <a:rPr lang="de-DE" dirty="0" err="1"/>
+              <a:t>medicine</a:t>
+            </a:r>
+            <a:endParaRPr lang="de-DE" dirty="0"/>
+          </a:p>
+          <a:p>
+            <a:r>
+              <a:rPr lang="de-DE" dirty="0" err="1"/>
+              <a:t>Very</a:t>
+            </a:r>
+            <a:r>
+              <a:rPr lang="de-DE" dirty="0"/>
+              <a:t> </a:t>
+            </a:r>
+            <a:r>
+              <a:rPr lang="de-DE" dirty="0" err="1"/>
+              <a:t>cheap</a:t>
+            </a:r>
+            <a:r>
+              <a:rPr lang="de-DE" dirty="0"/>
+              <a:t> </a:t>
+            </a:r>
+            <a:r>
+              <a:rPr lang="de-DE" dirty="0" err="1"/>
+              <a:t>process</a:t>
+            </a:r>
+            <a:endParaRPr lang="de-DE" dirty="0"/>
+          </a:p>
+        </p:txBody>
+      </p:sp>
+      <p:sp>
+        <p:nvSpPr>
+          <p:cNvPr id="4" name="Inhaltsplatzhalter 3">
+            <a:extLst>
+              <a:ext uri="{FF2B5EF4-FFF2-40B4-BE49-F238E27FC236}">
+                <a16:creationId xmlns:a16="http://schemas.microsoft.com/office/drawing/2014/main" id="{3A9A96A7-36D5-824F-AB09-67929D6EE6B9}"/>
+              </a:ext>
+            </a:extLst>
+          </p:cNvPr>
           <p:cNvSpPr>
             <a:spLocks noGrp="1"/>
           </p:cNvSpPr>
@@ -2331,28 +3865,535 @@
           <a:bodyPr/>
           <a:lstStyle/>
           <a:p>
-            <a:endParaRPr lang="en-US" dirty="0"/>
+            <a:endParaRPr lang="de-DE"/>
           </a:p>
         </p:txBody>
       </p:sp>
+      <p:pic>
+        <p:nvPicPr>
+          <p:cNvPr id="6" name="Grafik 5">
+            <a:extLst>
+              <a:ext uri="{FF2B5EF4-FFF2-40B4-BE49-F238E27FC236}">
+                <a16:creationId xmlns:a16="http://schemas.microsoft.com/office/drawing/2014/main" id="{908A6C72-CC84-EC4B-A22F-90926F416E65}"/>
+              </a:ext>
+            </a:extLst>
+          </p:cNvPr>
+          <p:cNvPicPr>
+            <a:picLocks noChangeAspect="1"/>
+          </p:cNvPicPr>
+          <p:nvPr/>
+        </p:nvPicPr>
+        <p:blipFill>
+          <a:blip r:embed="rId2"/>
+          <a:stretch>
+            <a:fillRect/>
+          </a:stretch>
+        </p:blipFill>
+        <p:spPr>
+          <a:xfrm>
+            <a:off x="251520" y="2420888"/>
+            <a:ext cx="3652961" cy="2141736"/>
+          </a:xfrm>
+          <a:prstGeom prst="rect">
+            <a:avLst/>
+          </a:prstGeom>
+        </p:spPr>
+      </p:pic>
     </p:spTree>
     <p:extLst>
       <p:ext uri="{BB962C8B-B14F-4D97-AF65-F5344CB8AC3E}">
-        <p14:creationId xmlns:p14="http://schemas.microsoft.com/office/powerpoint/2010/main" val="3184566967"/>
+        <p14:creationId xmlns:p14="http://schemas.microsoft.com/office/powerpoint/2010/main" val="2205763278"/>
       </p:ext>
     </p:extLst>
   </p:cSld>
   <p:clrMapOvr>
     <a:masterClrMapping/>
   </p:clrMapOvr>
-  <mc:AlternateContent xmlns:mc="http://schemas.openxmlformats.org/markup-compatibility/2006" xmlns:p14="http://schemas.microsoft.com/office/powerpoint/2010/main">
-    <mc:Choice Requires="p14">
-      <p:transition spd="slow" p14:dur="2000"/>
-    </mc:Choice>
-    <mc:Fallback xmlns="">
-      <p:transition spd="slow"/>
-    </mc:Fallback>
-  </mc:AlternateContent>
+</p:sld>
+</file>
+
+<file path=ppt/slides/slide8.xml><?xml version="1.0" encoding="utf-8"?>
+<p:sld xmlns:a="http://schemas.openxmlformats.org/drawingml/2006/main" xmlns:r="http://schemas.openxmlformats.org/officeDocument/2006/relationships" xmlns:p="http://schemas.openxmlformats.org/presentationml/2006/main">
+  <p:cSld>
+    <p:spTree>
+      <p:nvGrpSpPr>
+        <p:cNvPr id="1" name=""/>
+        <p:cNvGrpSpPr/>
+        <p:nvPr/>
+      </p:nvGrpSpPr>
+      <p:grpSpPr>
+        <a:xfrm>
+          <a:off x="0" y="0"/>
+          <a:ext cx="0" cy="0"/>
+          <a:chOff x="0" y="0"/>
+          <a:chExt cx="0" cy="0"/>
+        </a:xfrm>
+      </p:grpSpPr>
+      <p:sp>
+        <p:nvSpPr>
+          <p:cNvPr id="2" name="Titel 1">
+            <a:extLst>
+              <a:ext uri="{FF2B5EF4-FFF2-40B4-BE49-F238E27FC236}">
+                <a16:creationId xmlns:a16="http://schemas.microsoft.com/office/drawing/2014/main" id="{DE362215-158D-3E43-9E48-6BED154C8BDB}"/>
+              </a:ext>
+            </a:extLst>
+          </p:cNvPr>
+          <p:cNvSpPr>
+            <a:spLocks noGrp="1"/>
+          </p:cNvSpPr>
+          <p:nvPr>
+            <p:ph type="title"/>
+          </p:nvPr>
+        </p:nvSpPr>
+        <p:spPr/>
+        <p:txBody>
+          <a:bodyPr/>
+          <a:lstStyle/>
+          <a:p>
+            <a:r>
+              <a:rPr lang="de-DE" dirty="0" err="1"/>
+              <a:t>Fabrication</a:t>
+            </a:r>
+            <a:r>
+              <a:rPr lang="de-DE" dirty="0"/>
+              <a:t> </a:t>
+            </a:r>
+            <a:r>
+              <a:rPr lang="de-DE" dirty="0" err="1"/>
+              <a:t>Methods</a:t>
+            </a:r>
+            <a:r>
+              <a:rPr lang="de-DE" dirty="0"/>
+              <a:t> - Semiconductors</a:t>
+            </a:r>
+          </a:p>
+        </p:txBody>
+      </p:sp>
+      <p:sp>
+        <p:nvSpPr>
+          <p:cNvPr id="3" name="Inhaltsplatzhalter 2">
+            <a:extLst>
+              <a:ext uri="{FF2B5EF4-FFF2-40B4-BE49-F238E27FC236}">
+                <a16:creationId xmlns:a16="http://schemas.microsoft.com/office/drawing/2014/main" id="{67FBB4EE-5913-FC4A-8B67-3BCA10B2AB7E}"/>
+              </a:ext>
+            </a:extLst>
+          </p:cNvPr>
+          <p:cNvSpPr>
+            <a:spLocks noGrp="1"/>
+          </p:cNvSpPr>
+          <p:nvPr>
+            <p:ph idx="1"/>
+          </p:nvPr>
+        </p:nvSpPr>
+        <p:spPr/>
+        <p:txBody>
+          <a:bodyPr/>
+          <a:lstStyle/>
+          <a:p>
+            <a:r>
+              <a:rPr lang="de-DE" dirty="0" err="1"/>
+              <a:t>Deep</a:t>
+            </a:r>
+            <a:r>
+              <a:rPr lang="de-DE" dirty="0"/>
+              <a:t> </a:t>
+            </a:r>
+            <a:r>
+              <a:rPr lang="de-DE" dirty="0" err="1"/>
+              <a:t>Reactive</a:t>
+            </a:r>
+            <a:r>
+              <a:rPr lang="de-DE" dirty="0"/>
+              <a:t> Ion </a:t>
+            </a:r>
+            <a:r>
+              <a:rPr lang="de-DE" dirty="0" err="1"/>
+              <a:t>Etching</a:t>
+            </a:r>
+            <a:r>
+              <a:rPr lang="de-DE" dirty="0"/>
+              <a:t> (DRIE)</a:t>
+            </a:r>
+          </a:p>
+          <a:p>
+            <a:pPr lvl="1"/>
+            <a:r>
+              <a:rPr lang="de-DE" dirty="0" err="1"/>
+              <a:t>Passivation</a:t>
+            </a:r>
+            <a:r>
+              <a:rPr lang="de-DE" dirty="0"/>
+              <a:t> </a:t>
+            </a:r>
+            <a:r>
+              <a:rPr lang="de-DE" dirty="0" err="1"/>
+              <a:t>with</a:t>
+            </a:r>
+            <a:r>
+              <a:rPr lang="de-DE" dirty="0"/>
+              <a:t> </a:t>
+            </a:r>
+            <a:r>
+              <a:rPr lang="de-DE" dirty="0" err="1"/>
+              <a:t>polymers</a:t>
+            </a:r>
+            <a:endParaRPr lang="de-DE" dirty="0"/>
+          </a:p>
+          <a:p>
+            <a:pPr lvl="1"/>
+            <a:r>
+              <a:rPr lang="de-DE" dirty="0"/>
+              <a:t>Open </a:t>
+            </a:r>
+            <a:r>
+              <a:rPr lang="de-DE" dirty="0" err="1"/>
+              <a:t>the</a:t>
+            </a:r>
+            <a:r>
+              <a:rPr lang="de-DE" dirty="0"/>
+              <a:t> </a:t>
+            </a:r>
+            <a:r>
+              <a:rPr lang="de-DE" dirty="0" err="1"/>
+              <a:t>passivation</a:t>
+            </a:r>
+            <a:r>
+              <a:rPr lang="de-DE" dirty="0"/>
+              <a:t> </a:t>
+            </a:r>
+            <a:r>
+              <a:rPr lang="de-DE" dirty="0" err="1"/>
+              <a:t>layer</a:t>
+            </a:r>
+            <a:r>
+              <a:rPr lang="de-DE" dirty="0"/>
+              <a:t> at </a:t>
+            </a:r>
+            <a:r>
+              <a:rPr lang="de-DE" dirty="0" err="1"/>
+              <a:t>the</a:t>
+            </a:r>
+            <a:r>
+              <a:rPr lang="de-DE" dirty="0"/>
+              <a:t> </a:t>
+            </a:r>
+            <a:r>
+              <a:rPr lang="de-DE" dirty="0" err="1"/>
+              <a:t>bottom</a:t>
+            </a:r>
+            <a:r>
+              <a:rPr lang="de-DE" dirty="0"/>
+              <a:t> </a:t>
+            </a:r>
+          </a:p>
+          <a:p>
+            <a:pPr lvl="1"/>
+            <a:r>
+              <a:rPr lang="de-DE" dirty="0" err="1"/>
+              <a:t>Etching</a:t>
+            </a:r>
+            <a:r>
+              <a:rPr lang="de-DE" dirty="0"/>
+              <a:t> </a:t>
+            </a:r>
+            <a:r>
+              <a:rPr lang="de-DE" dirty="0" err="1"/>
+              <a:t>silicon</a:t>
+            </a:r>
+            <a:r>
+              <a:rPr lang="de-DE" dirty="0"/>
+              <a:t> at </a:t>
+            </a:r>
+            <a:r>
+              <a:rPr lang="de-DE" dirty="0" err="1"/>
+              <a:t>the</a:t>
+            </a:r>
+            <a:r>
+              <a:rPr lang="de-DE" dirty="0"/>
+              <a:t> </a:t>
+            </a:r>
+            <a:r>
+              <a:rPr lang="de-DE" dirty="0" err="1"/>
+              <a:t>bottom</a:t>
+            </a:r>
+            <a:endParaRPr lang="de-DE" dirty="0"/>
+          </a:p>
+          <a:p>
+            <a:r>
+              <a:rPr lang="de-DE" dirty="0"/>
+              <a:t>UV LIGA</a:t>
+            </a:r>
+          </a:p>
+          <a:p>
+            <a:r>
+              <a:rPr lang="de-DE" dirty="0"/>
+              <a:t>SCREAM</a:t>
+            </a:r>
+          </a:p>
+        </p:txBody>
+      </p:sp>
+      <p:pic>
+        <p:nvPicPr>
+          <p:cNvPr id="6" name="Inhaltsplatzhalter 5">
+            <a:extLst>
+              <a:ext uri="{FF2B5EF4-FFF2-40B4-BE49-F238E27FC236}">
+                <a16:creationId xmlns:a16="http://schemas.microsoft.com/office/drawing/2014/main" id="{53BE6CDB-E64E-8449-94E6-546918911695}"/>
+              </a:ext>
+            </a:extLst>
+          </p:cNvPr>
+          <p:cNvPicPr>
+            <a:picLocks noGrp="1" noChangeAspect="1"/>
+          </p:cNvPicPr>
+          <p:nvPr>
+            <p:ph sz="quarter" idx="10"/>
+          </p:nvPr>
+        </p:nvPicPr>
+        <p:blipFill>
+          <a:blip r:embed="rId2">
+            <a:extLst>
+              <a:ext uri="{28A0092B-C50C-407E-A947-70E740481C1C}">
+                <a14:useLocalDpi xmlns:a14="http://schemas.microsoft.com/office/drawing/2010/main" val="0"/>
+              </a:ext>
+            </a:extLst>
+          </a:blip>
+          <a:stretch>
+            <a:fillRect/>
+          </a:stretch>
+        </p:blipFill>
+        <p:spPr>
+          <a:xfrm>
+            <a:off x="467544" y="4365104"/>
+            <a:ext cx="4665127" cy="1655912"/>
+          </a:xfrm>
+        </p:spPr>
+      </p:pic>
+      <p:pic>
+        <p:nvPicPr>
+          <p:cNvPr id="8" name="Grafik 7">
+            <a:extLst>
+              <a:ext uri="{FF2B5EF4-FFF2-40B4-BE49-F238E27FC236}">
+                <a16:creationId xmlns:a16="http://schemas.microsoft.com/office/drawing/2014/main" id="{3378B918-81EB-E54C-A346-6D6599D408F4}"/>
+              </a:ext>
+            </a:extLst>
+          </p:cNvPr>
+          <p:cNvPicPr>
+            <a:picLocks noChangeAspect="1"/>
+          </p:cNvPicPr>
+          <p:nvPr/>
+        </p:nvPicPr>
+        <p:blipFill>
+          <a:blip r:embed="rId3">
+            <a:extLst>
+              <a:ext uri="{28A0092B-C50C-407E-A947-70E740481C1C}">
+                <a14:useLocalDpi xmlns:a14="http://schemas.microsoft.com/office/drawing/2010/main" val="0"/>
+              </a:ext>
+            </a:extLst>
+          </a:blip>
+          <a:stretch>
+            <a:fillRect/>
+          </a:stretch>
+        </p:blipFill>
+        <p:spPr>
+          <a:xfrm>
+            <a:off x="5559688" y="3927148"/>
+            <a:ext cx="3403123" cy="2366410"/>
+          </a:xfrm>
+          <a:prstGeom prst="rect">
+            <a:avLst/>
+          </a:prstGeom>
+        </p:spPr>
+      </p:pic>
+      <p:pic>
+        <p:nvPicPr>
+          <p:cNvPr id="9" name="Grafik 8">
+            <a:extLst>
+              <a:ext uri="{FF2B5EF4-FFF2-40B4-BE49-F238E27FC236}">
+                <a16:creationId xmlns:a16="http://schemas.microsoft.com/office/drawing/2014/main" id="{95708F6C-C65F-EA4A-9390-8FDFE361A611}"/>
+              </a:ext>
+            </a:extLst>
+          </p:cNvPr>
+          <p:cNvPicPr>
+            <a:picLocks noChangeAspect="1"/>
+          </p:cNvPicPr>
+          <p:nvPr/>
+        </p:nvPicPr>
+        <p:blipFill rotWithShape="1">
+          <a:blip r:embed="rId4"/>
+          <a:srcRect l="65546" t="48217"/>
+          <a:stretch/>
+        </p:blipFill>
+        <p:spPr>
+          <a:xfrm>
+            <a:off x="5796136" y="1562306"/>
+            <a:ext cx="2712864" cy="2091308"/>
+          </a:xfrm>
+          <a:prstGeom prst="rect">
+            <a:avLst/>
+          </a:prstGeom>
+        </p:spPr>
+      </p:pic>
+    </p:spTree>
+    <p:extLst>
+      <p:ext uri="{BB962C8B-B14F-4D97-AF65-F5344CB8AC3E}">
+        <p14:creationId xmlns:p14="http://schemas.microsoft.com/office/powerpoint/2010/main" val="3990207305"/>
+      </p:ext>
+    </p:extLst>
+  </p:cSld>
+  <p:clrMapOvr>
+    <a:masterClrMapping/>
+  </p:clrMapOvr>
+  <p:timing>
+    <p:tnLst>
+      <p:par>
+        <p:cTn id="1" dur="indefinite" restart="never" nodeType="tmRoot">
+          <p:childTnLst>
+            <p:seq concurrent="1" nextAc="seek">
+              <p:cTn id="2" dur="indefinite" nodeType="mainSeq">
+                <p:childTnLst>
+                  <p:par>
+                    <p:cTn id="3" fill="hold">
+                      <p:stCondLst>
+                        <p:cond delay="indefinite"/>
+                      </p:stCondLst>
+                      <p:childTnLst>
+                        <p:par>
+                          <p:cTn id="4" fill="hold">
+                            <p:stCondLst>
+                              <p:cond delay="0"/>
+                            </p:stCondLst>
+                            <p:childTnLst>
+                              <p:par>
+                                <p:cTn id="5" presetID="35" presetClass="entr" presetSubtype="0" fill="hold" nodeType="clickEffect">
+                                  <p:stCondLst>
+                                    <p:cond delay="0"/>
+                                  </p:stCondLst>
+                                  <p:childTnLst>
+                                    <p:set>
+                                      <p:cBhvr>
+                                        <p:cTn id="6" dur="1" fill="hold">
+                                          <p:stCondLst>
+                                            <p:cond delay="0"/>
+                                          </p:stCondLst>
+                                        </p:cTn>
+                                        <p:tgtEl>
+                                          <p:spTgt spid="9"/>
+                                        </p:tgtEl>
+                                        <p:attrNameLst>
+                                          <p:attrName>style.visibility</p:attrName>
+                                        </p:attrNameLst>
+                                      </p:cBhvr>
+                                      <p:to>
+                                        <p:strVal val="visible"/>
+                                      </p:to>
+                                    </p:set>
+                                    <p:animEffect transition="in" filter="fade">
+                                      <p:cBhvr>
+                                        <p:cTn id="7" dur="2000"/>
+                                        <p:tgtEl>
+                                          <p:spTgt spid="9"/>
+                                        </p:tgtEl>
+                                      </p:cBhvr>
+                                    </p:animEffect>
+                                    <p:anim calcmode="lin" valueType="num">
+                                      <p:cBhvr>
+                                        <p:cTn id="8" dur="2000" fill="hold"/>
+                                        <p:tgtEl>
+                                          <p:spTgt spid="9"/>
+                                        </p:tgtEl>
+                                        <p:attrNameLst>
+                                          <p:attrName>style.rotation</p:attrName>
+                                        </p:attrNameLst>
+                                      </p:cBhvr>
+                                      <p:tavLst>
+                                        <p:tav tm="0">
+                                          <p:val>
+                                            <p:fltVal val="720"/>
+                                          </p:val>
+                                        </p:tav>
+                                        <p:tav tm="100000">
+                                          <p:val>
+                                            <p:fltVal val="0"/>
+                                          </p:val>
+                                        </p:tav>
+                                      </p:tavLst>
+                                    </p:anim>
+                                    <p:anim calcmode="lin" valueType="num">
+                                      <p:cBhvr>
+                                        <p:cTn id="9" dur="2000" fill="hold"/>
+                                        <p:tgtEl>
+                                          <p:spTgt spid="9"/>
+                                        </p:tgtEl>
+                                        <p:attrNameLst>
+                                          <p:attrName>ppt_h</p:attrName>
+                                        </p:attrNameLst>
+                                      </p:cBhvr>
+                                      <p:tavLst>
+                                        <p:tav tm="0">
+                                          <p:val>
+                                            <p:fltVal val="0"/>
+                                          </p:val>
+                                        </p:tav>
+                                        <p:tav tm="100000">
+                                          <p:val>
+                                            <p:strVal val="#ppt_h"/>
+                                          </p:val>
+                                        </p:tav>
+                                      </p:tavLst>
+                                    </p:anim>
+                                    <p:anim calcmode="lin" valueType="num">
+                                      <p:cBhvr>
+                                        <p:cTn id="10" dur="2000" fill="hold"/>
+                                        <p:tgtEl>
+                                          <p:spTgt spid="9"/>
+                                        </p:tgtEl>
+                                        <p:attrNameLst>
+                                          <p:attrName>ppt_w</p:attrName>
+                                        </p:attrNameLst>
+                                      </p:cBhvr>
+                                      <p:tavLst>
+                                        <p:tav tm="0">
+                                          <p:val>
+                                            <p:fltVal val="0"/>
+                                          </p:val>
+                                        </p:tav>
+                                        <p:tav tm="100000">
+                                          <p:val>
+                                            <p:strVal val="#ppt_w"/>
+                                          </p:val>
+                                        </p:tav>
+                                      </p:tavLst>
+                                    </p:anim>
+                                  </p:childTnLst>
+                                </p:cTn>
+                              </p:par>
+                            </p:childTnLst>
+                          </p:cTn>
+                        </p:par>
+                      </p:childTnLst>
+                    </p:cTn>
+                  </p:par>
+                </p:childTnLst>
+              </p:cTn>
+              <p:prevCondLst>
+                <p:cond evt="onPrev" delay="0">
+                  <p:tgtEl>
+                    <p:sldTgt/>
+                  </p:tgtEl>
+                </p:cond>
+              </p:prevCondLst>
+              <p:nextCondLst>
+                <p:cond evt="onNext" delay="0">
+                  <p:tgtEl>
+                    <p:sldTgt/>
+                  </p:tgtEl>
+                </p:cond>
+              </p:nextCondLst>
+            </p:seq>
+          </p:childTnLst>
+        </p:cTn>
+      </p:par>
+    </p:tnLst>
+  </p:timing>
 </p:sld>
 </file>
 

--- a/High_Aspect_Ratio_MEMS.pptx
+++ b/High_Aspect_Ratio_MEMS.pptx
@@ -5,17 +5,16 @@
     <p:sldMasterId id="2147483648" r:id="rId1"/>
   </p:sldMasterIdLst>
   <p:notesMasterIdLst>
-    <p:notesMasterId r:id="rId10"/>
+    <p:notesMasterId r:id="rId9"/>
   </p:notesMasterIdLst>
   <p:sldIdLst>
     <p:sldId id="265" r:id="rId2"/>
-    <p:sldId id="1064" r:id="rId3"/>
-    <p:sldId id="1066" r:id="rId4"/>
-    <p:sldId id="1067" r:id="rId5"/>
-    <p:sldId id="1065" r:id="rId6"/>
-    <p:sldId id="1068" r:id="rId7"/>
-    <p:sldId id="1069" r:id="rId8"/>
-    <p:sldId id="1070" r:id="rId9"/>
+    <p:sldId id="1066" r:id="rId3"/>
+    <p:sldId id="1067" r:id="rId4"/>
+    <p:sldId id="1071" r:id="rId5"/>
+    <p:sldId id="1072" r:id="rId6"/>
+    <p:sldId id="1069" r:id="rId7"/>
+    <p:sldId id="1070" r:id="rId8"/>
   </p:sldIdLst>
   <p:sldSz cx="9144000" cy="6858000" type="screen4x3"/>
   <p:notesSz cx="7099300" cy="10234613"/>
@@ -548,7 +547,7 @@
           <a:p>
             <a:fld id="{F4B4EF42-670F-4A33-808A-E8EEC242E52B}" type="slidenum">
               <a:rPr lang="en-GB" smtClean="0"/>
-              <a:t>3</a:t>
+              <a:t>2</a:t>
             </a:fld>
             <a:endParaRPr lang="en-GB"/>
           </a:p>
@@ -613,8 +612,428 @@
           <a:p>
             <a:r>
               <a:rPr lang="de-DE" dirty="0"/>
+              <a:t>Johannes</a:t>
+            </a:r>
+          </a:p>
+          <a:p>
+            <a:pPr marL="171450" indent="-171450">
+              <a:buFontTx/>
+              <a:buChar char="-"/>
+            </a:pPr>
+            <a:r>
+              <a:rPr lang="de-DE" dirty="0" err="1"/>
+              <a:t>There</a:t>
+            </a:r>
+            <a:r>
+              <a:rPr lang="de-DE" dirty="0"/>
+              <a:t> </a:t>
+            </a:r>
+            <a:r>
+              <a:rPr lang="de-DE" dirty="0" err="1"/>
+              <a:t>are</a:t>
+            </a:r>
+            <a:r>
+              <a:rPr lang="de-DE" dirty="0"/>
+              <a:t> so </a:t>
+            </a:r>
+            <a:r>
+              <a:rPr lang="de-DE" dirty="0" err="1"/>
+              <a:t>many</a:t>
+            </a:r>
+            <a:r>
+              <a:rPr lang="de-DE" dirty="0"/>
+              <a:t> different </a:t>
+            </a:r>
+            <a:r>
+              <a:rPr lang="de-DE" dirty="0" err="1"/>
+              <a:t>applications</a:t>
+            </a:r>
+            <a:r>
+              <a:rPr lang="de-DE" dirty="0"/>
+              <a:t> </a:t>
+            </a:r>
+            <a:r>
+              <a:rPr lang="de-DE" dirty="0" err="1"/>
+              <a:t>for</a:t>
+            </a:r>
+            <a:r>
+              <a:rPr lang="de-DE" dirty="0"/>
+              <a:t> </a:t>
+            </a:r>
+            <a:r>
+              <a:rPr lang="de-DE" dirty="0" err="1"/>
+              <a:t>microstructures</a:t>
+            </a:r>
+            <a:r>
+              <a:rPr lang="de-DE" dirty="0"/>
+              <a:t> </a:t>
+            </a:r>
+            <a:r>
+              <a:rPr lang="de-DE" dirty="0" err="1"/>
+              <a:t>with</a:t>
+            </a:r>
+            <a:r>
+              <a:rPr lang="de-DE" dirty="0"/>
+              <a:t> High </a:t>
+            </a:r>
+            <a:r>
+              <a:rPr lang="de-DE" dirty="0" err="1"/>
+              <a:t>aspect</a:t>
+            </a:r>
+            <a:r>
+              <a:rPr lang="de-DE" dirty="0"/>
+              <a:t> </a:t>
+            </a:r>
+            <a:r>
+              <a:rPr lang="de-DE" dirty="0" err="1"/>
+              <a:t>ratio</a:t>
+            </a:r>
+            <a:endParaRPr lang="de-DE" dirty="0"/>
+          </a:p>
+          <a:p>
+            <a:pPr marL="171450" indent="-171450">
+              <a:buFontTx/>
+              <a:buChar char="-"/>
+            </a:pPr>
+            <a:r>
+              <a:rPr lang="de-DE" dirty="0" err="1"/>
+              <a:t>One</a:t>
+            </a:r>
+            <a:r>
+              <a:rPr lang="de-DE" dirty="0"/>
+              <a:t> </a:t>
+            </a:r>
+            <a:r>
+              <a:rPr lang="de-DE" dirty="0" err="1"/>
+              <a:t>big</a:t>
+            </a:r>
+            <a:r>
+              <a:rPr lang="de-DE" dirty="0"/>
+              <a:t> </a:t>
+            </a:r>
+            <a:r>
+              <a:rPr lang="de-DE" dirty="0" err="1"/>
+              <a:t>area</a:t>
+            </a:r>
+            <a:r>
+              <a:rPr lang="de-DE" dirty="0"/>
+              <a:t> </a:t>
+            </a:r>
+            <a:r>
+              <a:rPr lang="de-DE" dirty="0" err="1"/>
+              <a:t>of</a:t>
+            </a:r>
+            <a:r>
+              <a:rPr lang="de-DE" dirty="0"/>
+              <a:t> </a:t>
+            </a:r>
+            <a:r>
+              <a:rPr lang="de-DE" dirty="0" err="1"/>
+              <a:t>applications</a:t>
+            </a:r>
+            <a:r>
+              <a:rPr lang="de-DE" dirty="0"/>
+              <a:t> </a:t>
+            </a:r>
+            <a:r>
+              <a:rPr lang="de-DE" dirty="0" err="1"/>
+              <a:t>is</a:t>
+            </a:r>
+            <a:r>
+              <a:rPr lang="de-DE" dirty="0"/>
+              <a:t> </a:t>
+            </a:r>
+            <a:r>
+              <a:rPr lang="de-DE" dirty="0" err="1"/>
+              <a:t>micro</a:t>
+            </a:r>
+            <a:r>
+              <a:rPr lang="de-DE" dirty="0"/>
+              <a:t> inertial </a:t>
+            </a:r>
+            <a:r>
+              <a:rPr lang="de-DE" dirty="0" err="1"/>
+              <a:t>sensors</a:t>
+            </a:r>
+            <a:endParaRPr lang="de-DE" dirty="0"/>
+          </a:p>
+          <a:p>
+            <a:pPr marL="171450" indent="-171450">
+              <a:buFontTx/>
+              <a:buChar char="-"/>
+            </a:pPr>
+            <a:r>
+              <a:rPr lang="de-DE" dirty="0"/>
+              <a:t>Application in </a:t>
+            </a:r>
+            <a:r>
+              <a:rPr lang="de-DE" dirty="0" err="1"/>
+              <a:t>automotive</a:t>
+            </a:r>
+            <a:r>
+              <a:rPr lang="de-DE" dirty="0"/>
+              <a:t>, </a:t>
+            </a:r>
+            <a:r>
+              <a:rPr lang="de-DE" dirty="0" err="1"/>
+              <a:t>smartphone</a:t>
+            </a:r>
+            <a:r>
+              <a:rPr lang="de-DE" dirty="0"/>
+              <a:t> etc.</a:t>
+            </a:r>
+          </a:p>
+          <a:p>
+            <a:pPr marL="171450" indent="-171450">
+              <a:buFontTx/>
+              <a:buChar char="-"/>
+            </a:pPr>
+            <a:r>
+              <a:rPr lang="de-DE" dirty="0" err="1"/>
+              <a:t>With</a:t>
+            </a:r>
+            <a:r>
+              <a:rPr lang="de-DE" dirty="0"/>
+              <a:t> high </a:t>
+            </a:r>
+            <a:r>
+              <a:rPr lang="de-DE" dirty="0" err="1"/>
+              <a:t>aspect</a:t>
+            </a:r>
+            <a:r>
+              <a:rPr lang="de-DE" dirty="0"/>
+              <a:t> </a:t>
+            </a:r>
+            <a:r>
+              <a:rPr lang="de-DE" dirty="0" err="1"/>
+              <a:t>ratio</a:t>
+            </a:r>
+            <a:r>
+              <a:rPr lang="de-DE" dirty="0"/>
+              <a:t> </a:t>
+            </a:r>
+            <a:r>
+              <a:rPr lang="de-DE" dirty="0" err="1"/>
+              <a:t>it</a:t>
+            </a:r>
+            <a:r>
+              <a:rPr lang="de-DE" dirty="0"/>
+              <a:t> </a:t>
+            </a:r>
+            <a:r>
+              <a:rPr lang="de-DE" dirty="0" err="1"/>
+              <a:t>is</a:t>
+            </a:r>
+            <a:r>
+              <a:rPr lang="de-DE" dirty="0"/>
+              <a:t> possible </a:t>
+            </a:r>
+            <a:r>
+              <a:rPr lang="de-DE" dirty="0" err="1"/>
+              <a:t>to</a:t>
+            </a:r>
+            <a:r>
+              <a:rPr lang="de-DE" dirty="0"/>
+              <a:t> </a:t>
+            </a:r>
+            <a:r>
+              <a:rPr lang="de-DE" dirty="0" err="1"/>
+              <a:t>increase</a:t>
+            </a:r>
+            <a:r>
+              <a:rPr lang="de-DE" dirty="0"/>
+              <a:t> </a:t>
+            </a:r>
+            <a:r>
+              <a:rPr lang="de-DE" dirty="0" err="1"/>
+              <a:t>the</a:t>
+            </a:r>
+            <a:r>
+              <a:rPr lang="de-DE" dirty="0"/>
+              <a:t> </a:t>
+            </a:r>
+            <a:r>
+              <a:rPr lang="de-DE" dirty="0" err="1"/>
+              <a:t>sensivity</a:t>
+            </a:r>
+            <a:r>
+              <a:rPr lang="de-DE" dirty="0"/>
+              <a:t> </a:t>
+            </a:r>
+            <a:r>
+              <a:rPr lang="de-DE" dirty="0" err="1"/>
+              <a:t>of</a:t>
+            </a:r>
+            <a:r>
+              <a:rPr lang="de-DE" dirty="0"/>
+              <a:t> </a:t>
+            </a:r>
+            <a:r>
+              <a:rPr lang="de-DE" dirty="0" err="1"/>
+              <a:t>those</a:t>
+            </a:r>
+            <a:r>
+              <a:rPr lang="de-DE" dirty="0"/>
+              <a:t> </a:t>
+            </a:r>
+            <a:r>
+              <a:rPr lang="de-DE" dirty="0" err="1"/>
+              <a:t>sensors</a:t>
+            </a:r>
+            <a:endParaRPr lang="de-DE" dirty="0"/>
+          </a:p>
+          <a:p>
+            <a:pPr marL="171450" indent="-171450">
+              <a:buFontTx/>
+              <a:buChar char="-"/>
+            </a:pPr>
+            <a:r>
+              <a:rPr lang="de-DE" dirty="0" err="1"/>
+              <a:t>Nanotubes</a:t>
+            </a:r>
+            <a:r>
+              <a:rPr lang="de-DE" dirty="0"/>
+              <a:t>: </a:t>
+            </a:r>
+            <a:r>
+              <a:rPr lang="de-DE" dirty="0" err="1"/>
+              <a:t>framework</a:t>
+            </a:r>
+            <a:r>
+              <a:rPr lang="de-DE" dirty="0"/>
+              <a:t> </a:t>
+            </a:r>
+            <a:r>
+              <a:rPr lang="de-DE" dirty="0" err="1"/>
+              <a:t>for</a:t>
+            </a:r>
+            <a:r>
+              <a:rPr lang="de-DE" dirty="0"/>
+              <a:t> </a:t>
+            </a:r>
+            <a:r>
+              <a:rPr lang="de-DE" dirty="0" err="1"/>
+              <a:t>builing</a:t>
+            </a:r>
+            <a:r>
+              <a:rPr lang="de-DE" dirty="0"/>
+              <a:t> </a:t>
+            </a:r>
+            <a:r>
+              <a:rPr lang="de-DE" dirty="0" err="1"/>
+              <a:t>microstructures</a:t>
+            </a:r>
+            <a:r>
+              <a:rPr lang="de-DE" dirty="0"/>
+              <a:t> </a:t>
+            </a:r>
+            <a:r>
+              <a:rPr lang="de-DE" dirty="0" err="1"/>
+              <a:t>with</a:t>
+            </a:r>
+            <a:r>
+              <a:rPr lang="de-DE" dirty="0"/>
+              <a:t> HAR</a:t>
+            </a:r>
+          </a:p>
+          <a:p>
+            <a:pPr marL="171450" indent="-171450">
+              <a:buFontTx/>
+              <a:buChar char="-"/>
+            </a:pPr>
+            <a:r>
+              <a:rPr lang="de-DE" dirty="0"/>
+              <a:t>3d </a:t>
+            </a:r>
+            <a:r>
+              <a:rPr lang="de-DE" dirty="0" err="1"/>
+              <a:t>circuit</a:t>
+            </a:r>
+            <a:r>
+              <a:rPr lang="de-DE" dirty="0"/>
+              <a:t> </a:t>
+            </a:r>
+            <a:r>
+              <a:rPr lang="de-DE" dirty="0" err="1"/>
+              <a:t>integration</a:t>
+            </a:r>
+            <a:r>
+              <a:rPr lang="de-DE" dirty="0"/>
+              <a:t>: high </a:t>
+            </a:r>
+            <a:r>
+              <a:rPr lang="de-DE" dirty="0" err="1"/>
+              <a:t>aspect</a:t>
+            </a:r>
+            <a:r>
+              <a:rPr lang="de-DE" dirty="0"/>
+              <a:t> </a:t>
+            </a:r>
+            <a:r>
+              <a:rPr lang="de-DE" dirty="0" err="1"/>
+              <a:t>ratio</a:t>
+            </a:r>
+            <a:r>
+              <a:rPr lang="de-DE" dirty="0"/>
+              <a:t> </a:t>
+            </a:r>
+            <a:r>
+              <a:rPr lang="de-DE" dirty="0" err="1"/>
+              <a:t>for</a:t>
+            </a:r>
+            <a:r>
+              <a:rPr lang="de-DE" dirty="0"/>
+              <a:t> </a:t>
+            </a:r>
+            <a:r>
+              <a:rPr lang="de-DE" dirty="0" err="1"/>
+              <a:t>circuit</a:t>
+            </a:r>
+            <a:r>
+              <a:rPr lang="de-DE" dirty="0"/>
+              <a:t> </a:t>
+            </a:r>
+            <a:r>
+              <a:rPr lang="de-DE" dirty="0" err="1"/>
+              <a:t>paths</a:t>
+            </a:r>
+            <a:endParaRPr lang="de-DE" dirty="0"/>
+          </a:p>
+          <a:p>
+            <a:pPr marL="171450" indent="-171450">
+              <a:buFontTx/>
+              <a:buChar char="-"/>
+            </a:pPr>
+            <a:endParaRPr lang="de-DE" dirty="0"/>
+          </a:p>
+          <a:p>
+            <a:pPr marL="171450" indent="-171450">
+              <a:buFontTx/>
+              <a:buChar char="-"/>
+            </a:pPr>
+            <a:r>
+              <a:rPr lang="de-DE" dirty="0"/>
+              <a:t>And so on</a:t>
+            </a:r>
+          </a:p>
+          <a:p>
+            <a:pPr marL="171450" indent="-171450">
+              <a:buFontTx/>
+              <a:buChar char="-"/>
+            </a:pPr>
+            <a:endParaRPr lang="de-DE" dirty="0"/>
+          </a:p>
+          <a:p>
+            <a:endParaRPr lang="de-DE" dirty="0"/>
+          </a:p>
+          <a:p>
+            <a:r>
+              <a:rPr lang="de-DE" dirty="0"/>
               <a:t>Ende: Überleitung nicht alles Prozesse werden vorgestellt</a:t>
             </a:r>
+          </a:p>
+          <a:p>
+            <a:endParaRPr lang="de-DE" dirty="0"/>
           </a:p>
         </p:txBody>
       </p:sp>
@@ -625,7 +1044,7 @@
             <a:spLocks noGrp="1"/>
           </p:cNvSpPr>
           <p:nvPr>
-            <p:ph type="sldNum" sz="quarter" idx="10"/>
+            <p:ph type="sldNum" sz="quarter" idx="5"/>
           </p:nvPr>
         </p:nvSpPr>
         <p:spPr/>
@@ -635,7 +1054,7 @@
           <a:p>
             <a:fld id="{F4B4EF42-670F-4A33-808A-E8EEC242E52B}" type="slidenum">
               <a:rPr lang="en-GB" smtClean="0"/>
-              <a:t>5</a:t>
+              <a:t>4</a:t>
             </a:fld>
             <a:endParaRPr lang="en-GB"/>
           </a:p>
@@ -644,7 +1063,1084 @@
     </p:spTree>
     <p:extLst>
       <p:ext uri="{BB962C8B-B14F-4D97-AF65-F5344CB8AC3E}">
-        <p14:creationId xmlns:p14="http://schemas.microsoft.com/office/powerpoint/2010/main" val="2883074186"/>
+        <p14:creationId xmlns:p14="http://schemas.microsoft.com/office/powerpoint/2010/main" val="2832238152"/>
+      </p:ext>
+    </p:extLst>
+  </p:cSld>
+  <p:clrMapOvr>
+    <a:masterClrMapping/>
+  </p:clrMapOvr>
+</p:notes>
+</file>
+
+<file path=ppt/notesSlides/notesSlide3.xml><?xml version="1.0" encoding="utf-8"?>
+<p:notes xmlns:a="http://schemas.openxmlformats.org/drawingml/2006/main" xmlns:r="http://schemas.openxmlformats.org/officeDocument/2006/relationships" xmlns:p="http://schemas.openxmlformats.org/presentationml/2006/main">
+  <p:cSld>
+    <p:spTree>
+      <p:nvGrpSpPr>
+        <p:cNvPr id="1" name=""/>
+        <p:cNvGrpSpPr/>
+        <p:nvPr/>
+      </p:nvGrpSpPr>
+      <p:grpSpPr>
+        <a:xfrm>
+          <a:off x="0" y="0"/>
+          <a:ext cx="0" cy="0"/>
+          <a:chOff x="0" y="0"/>
+          <a:chExt cx="0" cy="0"/>
+        </a:xfrm>
+      </p:grpSpPr>
+      <p:sp>
+        <p:nvSpPr>
+          <p:cNvPr id="2" name="Folienbildplatzhalter 1"/>
+          <p:cNvSpPr>
+            <a:spLocks noGrp="1" noRot="1" noChangeAspect="1"/>
+          </p:cNvSpPr>
+          <p:nvPr>
+            <p:ph type="sldImg"/>
+          </p:nvPr>
+        </p:nvSpPr>
+        <p:spPr/>
+      </p:sp>
+      <p:sp>
+        <p:nvSpPr>
+          <p:cNvPr id="3" name="Notizenplatzhalter 2"/>
+          <p:cNvSpPr>
+            <a:spLocks noGrp="1"/>
+          </p:cNvSpPr>
+          <p:nvPr>
+            <p:ph type="body" idx="1"/>
+          </p:nvPr>
+        </p:nvSpPr>
+        <p:spPr/>
+        <p:txBody>
+          <a:bodyPr/>
+          <a:lstStyle/>
+          <a:p>
+            <a:r>
+              <a:rPr lang="de-DE" dirty="0"/>
+              <a:t>Johannes</a:t>
+            </a:r>
+          </a:p>
+          <a:p>
+            <a:pPr marL="171450" indent="-171450">
+              <a:buFontTx/>
+              <a:buChar char="-"/>
+            </a:pPr>
+            <a:r>
+              <a:rPr lang="de-DE" dirty="0"/>
+              <a:t>German Name, </a:t>
+            </a:r>
+            <a:r>
+              <a:rPr lang="de-DE" dirty="0" err="1"/>
+              <a:t>developed</a:t>
+            </a:r>
+            <a:r>
+              <a:rPr lang="de-DE" dirty="0"/>
+              <a:t> in Germany: </a:t>
+            </a:r>
+            <a:r>
+              <a:rPr lang="de-DE" dirty="0" err="1"/>
+              <a:t>Lithography</a:t>
+            </a:r>
+            <a:r>
+              <a:rPr lang="de-DE" dirty="0"/>
+              <a:t>, Galvanik und Abformung</a:t>
+            </a:r>
+          </a:p>
+          <a:p>
+            <a:pPr marL="171450" indent="-171450">
+              <a:buFontTx/>
+              <a:buChar char="-"/>
+            </a:pPr>
+            <a:r>
+              <a:rPr lang="de-DE" dirty="0" err="1"/>
+              <a:t>Steps</a:t>
+            </a:r>
+            <a:r>
+              <a:rPr lang="de-DE" dirty="0"/>
+              <a:t> </a:t>
+            </a:r>
+            <a:r>
+              <a:rPr lang="de-DE" dirty="0" err="1"/>
+              <a:t>are</a:t>
+            </a:r>
+            <a:r>
+              <a:rPr lang="de-DE" dirty="0"/>
+              <a:t>:</a:t>
+            </a:r>
+          </a:p>
+          <a:p>
+            <a:pPr marL="457200" lvl="1" indent="0">
+              <a:buFontTx/>
+              <a:buNone/>
+            </a:pPr>
+            <a:r>
+              <a:rPr lang="de-DE" dirty="0" err="1"/>
+              <a:t>Lithography</a:t>
+            </a:r>
+            <a:endParaRPr lang="de-DE" dirty="0"/>
+          </a:p>
+          <a:p>
+            <a:pPr marL="628650" lvl="1" indent="-171450">
+              <a:buFontTx/>
+              <a:buChar char="-"/>
+            </a:pPr>
+            <a:r>
+              <a:rPr lang="de-DE" dirty="0"/>
+              <a:t>Application </a:t>
+            </a:r>
+            <a:r>
+              <a:rPr lang="de-DE" dirty="0" err="1"/>
+              <a:t>conductive</a:t>
+            </a:r>
+            <a:r>
+              <a:rPr lang="de-DE" dirty="0"/>
+              <a:t> seed </a:t>
+            </a:r>
+            <a:r>
+              <a:rPr lang="de-DE" dirty="0" err="1"/>
+              <a:t>layer</a:t>
+            </a:r>
+            <a:r>
+              <a:rPr lang="de-DE" dirty="0"/>
+              <a:t> on </a:t>
+            </a:r>
+            <a:r>
+              <a:rPr lang="de-DE" dirty="0" err="1"/>
+              <a:t>substrate</a:t>
+            </a:r>
+            <a:r>
+              <a:rPr lang="de-DE" dirty="0"/>
+              <a:t> (</a:t>
+            </a:r>
+            <a:r>
+              <a:rPr lang="de-DE" dirty="0" err="1"/>
+              <a:t>any</a:t>
+            </a:r>
+            <a:r>
+              <a:rPr lang="de-DE" dirty="0"/>
+              <a:t> </a:t>
+            </a:r>
+            <a:r>
+              <a:rPr lang="de-DE" dirty="0" err="1"/>
+              <a:t>metals</a:t>
+            </a:r>
+            <a:r>
+              <a:rPr lang="de-DE" dirty="0"/>
+              <a:t>, </a:t>
+            </a:r>
+            <a:r>
+              <a:rPr lang="de-DE" dirty="0" err="1"/>
+              <a:t>if</a:t>
+            </a:r>
+            <a:r>
+              <a:rPr lang="de-DE" dirty="0"/>
+              <a:t> </a:t>
+            </a:r>
+            <a:r>
+              <a:rPr lang="de-DE" dirty="0" err="1"/>
+              <a:t>needed</a:t>
+            </a:r>
+            <a:r>
+              <a:rPr lang="de-DE" dirty="0"/>
+              <a:t>: </a:t>
+            </a:r>
+            <a:r>
+              <a:rPr lang="de-DE" dirty="0" err="1"/>
+              <a:t>adhesive</a:t>
+            </a:r>
+            <a:r>
+              <a:rPr lang="de-DE" dirty="0"/>
+              <a:t>) _&gt; </a:t>
+            </a:r>
+            <a:r>
+              <a:rPr lang="de-DE" dirty="0" err="1"/>
+              <a:t>sputtering</a:t>
+            </a:r>
+            <a:r>
+              <a:rPr lang="de-DE" dirty="0"/>
+              <a:t> </a:t>
+            </a:r>
+            <a:r>
+              <a:rPr lang="de-DE" dirty="0" err="1"/>
+              <a:t>or</a:t>
+            </a:r>
+            <a:r>
+              <a:rPr lang="de-DE" dirty="0"/>
+              <a:t> </a:t>
+            </a:r>
+            <a:r>
+              <a:rPr lang="de-DE" dirty="0" err="1"/>
+              <a:t>evaporation</a:t>
+            </a:r>
+            <a:endParaRPr lang="de-DE" dirty="0"/>
+          </a:p>
+          <a:p>
+            <a:pPr marL="628650" lvl="1" indent="-171450">
+              <a:buFontTx/>
+              <a:buChar char="-"/>
+            </a:pPr>
+            <a:r>
+              <a:rPr lang="de-DE" dirty="0" err="1"/>
+              <a:t>Adding</a:t>
+            </a:r>
+            <a:r>
+              <a:rPr lang="de-DE" dirty="0"/>
+              <a:t> </a:t>
+            </a:r>
+            <a:r>
+              <a:rPr lang="de-DE" dirty="0" err="1"/>
+              <a:t>photoresistive</a:t>
+            </a:r>
+            <a:r>
+              <a:rPr lang="de-DE" dirty="0"/>
+              <a:t> material</a:t>
+            </a:r>
+          </a:p>
+          <a:p>
+            <a:pPr marL="628650" lvl="1" indent="-171450">
+              <a:buFontTx/>
+              <a:buChar char="-"/>
+            </a:pPr>
+            <a:r>
+              <a:rPr lang="de-DE" dirty="0" err="1"/>
+              <a:t>exposure</a:t>
+            </a:r>
+            <a:r>
+              <a:rPr lang="de-DE" dirty="0"/>
+              <a:t> </a:t>
+            </a:r>
+            <a:r>
+              <a:rPr lang="de-DE" dirty="0" err="1"/>
+              <a:t>with</a:t>
+            </a:r>
+            <a:r>
+              <a:rPr lang="de-DE" dirty="0"/>
+              <a:t> X-</a:t>
+            </a:r>
+            <a:r>
+              <a:rPr lang="de-DE" dirty="0" err="1"/>
+              <a:t>ray</a:t>
+            </a:r>
+            <a:r>
+              <a:rPr lang="de-DE" dirty="0"/>
+              <a:t> </a:t>
+            </a:r>
+            <a:r>
+              <a:rPr lang="de-DE" dirty="0" err="1"/>
+              <a:t>by</a:t>
+            </a:r>
+            <a:r>
+              <a:rPr lang="de-DE" dirty="0"/>
+              <a:t> </a:t>
+            </a:r>
+            <a:r>
+              <a:rPr lang="de-DE" dirty="0" err="1"/>
+              <a:t>synchrotron</a:t>
+            </a:r>
+            <a:r>
+              <a:rPr lang="de-DE" dirty="0"/>
+              <a:t> source</a:t>
+            </a:r>
+          </a:p>
+          <a:p>
+            <a:pPr marL="628650" lvl="1" indent="-171450">
+              <a:buFontTx/>
+              <a:buChar char="-"/>
+            </a:pPr>
+            <a:r>
+              <a:rPr lang="de-DE" dirty="0" err="1"/>
+              <a:t>Developing</a:t>
+            </a:r>
+            <a:r>
+              <a:rPr lang="de-DE" dirty="0"/>
+              <a:t> </a:t>
+            </a:r>
+            <a:r>
+              <a:rPr lang="de-DE" dirty="0" err="1"/>
+              <a:t>the</a:t>
+            </a:r>
+            <a:r>
+              <a:rPr lang="de-DE" dirty="0"/>
+              <a:t> </a:t>
+            </a:r>
+            <a:r>
+              <a:rPr lang="de-DE" dirty="0" err="1"/>
+              <a:t>resist</a:t>
+            </a:r>
+            <a:endParaRPr lang="de-DE" dirty="0"/>
+          </a:p>
+          <a:p>
+            <a:pPr marL="457200" lvl="1" indent="0">
+              <a:buFontTx/>
+              <a:buNone/>
+            </a:pPr>
+            <a:r>
+              <a:rPr lang="de-DE" dirty="0" err="1"/>
+              <a:t>Electroplating</a:t>
+            </a:r>
+            <a:endParaRPr lang="de-DE" dirty="0"/>
+          </a:p>
+          <a:p>
+            <a:pPr marL="628650" lvl="1" indent="-171450">
+              <a:buFontTx/>
+              <a:buChar char="-"/>
+            </a:pPr>
+            <a:r>
+              <a:rPr lang="de-DE" dirty="0" err="1"/>
+              <a:t>Filling</a:t>
+            </a:r>
+            <a:r>
+              <a:rPr lang="de-DE" dirty="0"/>
+              <a:t> </a:t>
+            </a:r>
+            <a:r>
+              <a:rPr lang="de-DE" dirty="0" err="1"/>
+              <a:t>remaining</a:t>
+            </a:r>
+            <a:r>
+              <a:rPr lang="de-DE" dirty="0"/>
+              <a:t> </a:t>
+            </a:r>
+            <a:r>
+              <a:rPr lang="de-DE" dirty="0" err="1"/>
+              <a:t>resist</a:t>
+            </a:r>
+            <a:r>
+              <a:rPr lang="de-DE" dirty="0"/>
+              <a:t> </a:t>
+            </a:r>
+            <a:r>
+              <a:rPr lang="de-DE" dirty="0" err="1"/>
+              <a:t>upwards</a:t>
+            </a:r>
+            <a:r>
+              <a:rPr lang="de-DE" dirty="0"/>
+              <a:t> </a:t>
+            </a:r>
+            <a:r>
+              <a:rPr lang="de-DE" dirty="0" err="1"/>
+              <a:t>from</a:t>
+            </a:r>
+            <a:r>
+              <a:rPr lang="de-DE" dirty="0"/>
+              <a:t> </a:t>
+            </a:r>
+            <a:r>
+              <a:rPr lang="de-DE" dirty="0" err="1"/>
+              <a:t>seedlayer</a:t>
+            </a:r>
+            <a:r>
+              <a:rPr lang="de-DE" dirty="0"/>
+              <a:t> </a:t>
+            </a:r>
+            <a:r>
+              <a:rPr lang="de-DE" dirty="0" err="1"/>
+              <a:t>with</a:t>
+            </a:r>
+            <a:r>
+              <a:rPr lang="de-DE" dirty="0"/>
+              <a:t> </a:t>
+            </a:r>
+            <a:r>
+              <a:rPr lang="de-DE" dirty="0" err="1"/>
+              <a:t>metal</a:t>
+            </a:r>
+            <a:endParaRPr lang="de-DE" dirty="0"/>
+          </a:p>
+          <a:p>
+            <a:pPr marL="457200" lvl="1" indent="0">
+              <a:buFontTx/>
+              <a:buNone/>
+            </a:pPr>
+            <a:r>
+              <a:rPr lang="de-DE" dirty="0"/>
+              <a:t>Stripping</a:t>
+            </a:r>
+          </a:p>
+          <a:p>
+            <a:pPr marL="628650" lvl="1" indent="-171450">
+              <a:buFontTx/>
+              <a:buChar char="-"/>
+            </a:pPr>
+            <a:r>
+              <a:rPr lang="de-DE" dirty="0"/>
+              <a:t>Remove </a:t>
+            </a:r>
+            <a:r>
+              <a:rPr lang="de-DE" dirty="0" err="1"/>
+              <a:t>remaining</a:t>
+            </a:r>
+            <a:r>
+              <a:rPr lang="de-DE" dirty="0"/>
+              <a:t> </a:t>
+            </a:r>
+            <a:r>
+              <a:rPr lang="de-DE" dirty="0" err="1"/>
+              <a:t>resist</a:t>
+            </a:r>
+            <a:r>
+              <a:rPr lang="de-DE" dirty="0"/>
+              <a:t> </a:t>
+            </a:r>
+            <a:r>
+              <a:rPr lang="de-DE" dirty="0" err="1"/>
+              <a:t>chemical</a:t>
+            </a:r>
+            <a:endParaRPr lang="de-DE" dirty="0"/>
+          </a:p>
+          <a:p>
+            <a:pPr marL="171450" lvl="0" indent="-171450">
+              <a:buFontTx/>
+              <a:buChar char="-"/>
+            </a:pPr>
+            <a:r>
+              <a:rPr lang="de-DE" dirty="0"/>
+              <a:t>Also </a:t>
+            </a:r>
+            <a:r>
+              <a:rPr lang="de-DE" dirty="0" err="1"/>
+              <a:t>usable</a:t>
+            </a:r>
+            <a:r>
+              <a:rPr lang="de-DE" dirty="0"/>
+              <a:t> </a:t>
+            </a:r>
+            <a:r>
+              <a:rPr lang="de-DE" dirty="0" err="1"/>
+              <a:t>for</a:t>
+            </a:r>
+            <a:r>
+              <a:rPr lang="de-DE" dirty="0"/>
+              <a:t> </a:t>
+            </a:r>
+            <a:r>
+              <a:rPr lang="de-DE" dirty="0" err="1"/>
+              <a:t>polymers</a:t>
+            </a:r>
+            <a:r>
+              <a:rPr lang="de-DE" dirty="0"/>
+              <a:t> and </a:t>
+            </a:r>
+            <a:r>
+              <a:rPr lang="de-DE" dirty="0" err="1"/>
+              <a:t>semiconductor</a:t>
+            </a:r>
+            <a:r>
+              <a:rPr lang="de-DE" dirty="0"/>
+              <a:t> </a:t>
+            </a:r>
+            <a:r>
+              <a:rPr lang="de-DE" dirty="0" err="1"/>
+              <a:t>materials</a:t>
+            </a:r>
+            <a:endParaRPr lang="de-DE" dirty="0"/>
+          </a:p>
+          <a:p>
+            <a:pPr marL="171450" lvl="0" indent="-171450">
+              <a:buFontTx/>
+              <a:buChar char="-"/>
+            </a:pPr>
+            <a:r>
+              <a:rPr lang="de-DE" dirty="0"/>
+              <a:t>High </a:t>
+            </a:r>
+            <a:r>
+              <a:rPr lang="de-DE" dirty="0" err="1"/>
+              <a:t>aspect</a:t>
+            </a:r>
+            <a:r>
+              <a:rPr lang="de-DE" dirty="0"/>
+              <a:t> </a:t>
+            </a:r>
+            <a:r>
+              <a:rPr lang="de-DE" dirty="0" err="1"/>
+              <a:t>ratios</a:t>
+            </a:r>
+            <a:r>
+              <a:rPr lang="de-DE" dirty="0"/>
+              <a:t> </a:t>
+            </a:r>
+            <a:r>
+              <a:rPr lang="de-DE" dirty="0" err="1"/>
+              <a:t>over</a:t>
+            </a:r>
+            <a:r>
+              <a:rPr lang="de-DE" dirty="0"/>
+              <a:t> 100:1 possible</a:t>
+            </a:r>
+          </a:p>
+          <a:p>
+            <a:pPr marL="457200" lvl="1" indent="0">
+              <a:buFontTx/>
+              <a:buNone/>
+            </a:pPr>
+            <a:endParaRPr lang="de-DE" dirty="0"/>
+          </a:p>
+        </p:txBody>
+      </p:sp>
+      <p:sp>
+        <p:nvSpPr>
+          <p:cNvPr id="4" name="Foliennummernplatzhalter 3"/>
+          <p:cNvSpPr>
+            <a:spLocks noGrp="1"/>
+          </p:cNvSpPr>
+          <p:nvPr>
+            <p:ph type="sldNum" sz="quarter" idx="5"/>
+          </p:nvPr>
+        </p:nvSpPr>
+        <p:spPr/>
+        <p:txBody>
+          <a:bodyPr/>
+          <a:lstStyle/>
+          <a:p>
+            <a:fld id="{F4B4EF42-670F-4A33-808A-E8EEC242E52B}" type="slidenum">
+              <a:rPr lang="en-GB" smtClean="0"/>
+              <a:t>5</a:t>
+            </a:fld>
+            <a:endParaRPr lang="en-GB"/>
+          </a:p>
+        </p:txBody>
+      </p:sp>
+    </p:spTree>
+    <p:extLst>
+      <p:ext uri="{BB962C8B-B14F-4D97-AF65-F5344CB8AC3E}">
+        <p14:creationId xmlns:p14="http://schemas.microsoft.com/office/powerpoint/2010/main" val="3386708221"/>
+      </p:ext>
+    </p:extLst>
+  </p:cSld>
+  <p:clrMapOvr>
+    <a:masterClrMapping/>
+  </p:clrMapOvr>
+</p:notes>
+</file>
+
+<file path=ppt/notesSlides/notesSlide4.xml><?xml version="1.0" encoding="utf-8"?>
+<p:notes xmlns:a="http://schemas.openxmlformats.org/drawingml/2006/main" xmlns:r="http://schemas.openxmlformats.org/officeDocument/2006/relationships" xmlns:p="http://schemas.openxmlformats.org/presentationml/2006/main">
+  <p:cSld>
+    <p:spTree>
+      <p:nvGrpSpPr>
+        <p:cNvPr id="1" name=""/>
+        <p:cNvGrpSpPr/>
+        <p:nvPr/>
+      </p:nvGrpSpPr>
+      <p:grpSpPr>
+        <a:xfrm>
+          <a:off x="0" y="0"/>
+          <a:ext cx="0" cy="0"/>
+          <a:chOff x="0" y="0"/>
+          <a:chExt cx="0" cy="0"/>
+        </a:xfrm>
+      </p:grpSpPr>
+      <p:sp>
+        <p:nvSpPr>
+          <p:cNvPr id="2" name="Folienbildplatzhalter 1"/>
+          <p:cNvSpPr>
+            <a:spLocks noGrp="1" noRot="1" noChangeAspect="1"/>
+          </p:cNvSpPr>
+          <p:nvPr>
+            <p:ph type="sldImg"/>
+          </p:nvPr>
+        </p:nvSpPr>
+        <p:spPr/>
+      </p:sp>
+      <p:sp>
+        <p:nvSpPr>
+          <p:cNvPr id="3" name="Notizenplatzhalter 2"/>
+          <p:cNvSpPr>
+            <a:spLocks noGrp="1"/>
+          </p:cNvSpPr>
+          <p:nvPr>
+            <p:ph type="body" idx="1"/>
+          </p:nvPr>
+        </p:nvSpPr>
+        <p:spPr/>
+        <p:txBody>
+          <a:bodyPr/>
+          <a:lstStyle/>
+          <a:p>
+            <a:pPr marL="171450" indent="-171450">
+              <a:buFontTx/>
+              <a:buChar char="-"/>
+            </a:pPr>
+            <a:r>
+              <a:rPr lang="de-DE" dirty="0" err="1"/>
+              <a:t>Process</a:t>
+            </a:r>
+            <a:r>
+              <a:rPr lang="de-DE" dirty="0"/>
+              <a:t> </a:t>
+            </a:r>
+            <a:r>
+              <a:rPr lang="de-DE" dirty="0" err="1"/>
+              <a:t>special</a:t>
+            </a:r>
+            <a:r>
+              <a:rPr lang="de-DE" dirty="0"/>
+              <a:t> </a:t>
+            </a:r>
+            <a:r>
+              <a:rPr lang="de-DE" dirty="0" err="1"/>
+              <a:t>for</a:t>
+            </a:r>
+            <a:r>
+              <a:rPr lang="de-DE" dirty="0"/>
+              <a:t> </a:t>
+            </a:r>
+            <a:r>
+              <a:rPr lang="de-DE" dirty="0" err="1"/>
+              <a:t>polymers</a:t>
+            </a:r>
+            <a:r>
+              <a:rPr lang="de-DE" dirty="0"/>
+              <a:t> </a:t>
+            </a:r>
+          </a:p>
+          <a:p>
+            <a:pPr marL="171450" indent="-171450">
+              <a:buFontTx/>
+              <a:buChar char="-"/>
+            </a:pPr>
+            <a:r>
+              <a:rPr lang="de-DE" dirty="0"/>
+              <a:t>Hot </a:t>
+            </a:r>
+            <a:r>
+              <a:rPr lang="de-DE" dirty="0" err="1"/>
+              <a:t>embossing</a:t>
+            </a:r>
+            <a:r>
+              <a:rPr lang="de-DE" dirty="0"/>
+              <a:t>: </a:t>
+            </a:r>
+          </a:p>
+          <a:p>
+            <a:pPr marL="628650" lvl="1" indent="-171450">
+              <a:buFontTx/>
+              <a:buChar char="-"/>
+            </a:pPr>
+            <a:r>
+              <a:rPr lang="de-DE" dirty="0" err="1"/>
+              <a:t>Produce</a:t>
+            </a:r>
+            <a:r>
+              <a:rPr lang="de-DE" dirty="0"/>
+              <a:t> </a:t>
+            </a:r>
+            <a:r>
+              <a:rPr lang="de-DE" dirty="0" err="1"/>
+              <a:t>embossing</a:t>
+            </a:r>
+            <a:r>
+              <a:rPr lang="de-DE" dirty="0"/>
+              <a:t> </a:t>
+            </a:r>
+            <a:r>
+              <a:rPr lang="de-DE" dirty="0" err="1"/>
+              <a:t>master</a:t>
+            </a:r>
+            <a:r>
+              <a:rPr lang="de-DE" dirty="0"/>
+              <a:t> </a:t>
+            </a:r>
+            <a:r>
+              <a:rPr lang="de-DE" dirty="0" err="1"/>
+              <a:t>by</a:t>
+            </a:r>
+            <a:r>
+              <a:rPr lang="de-DE" dirty="0"/>
+              <a:t> Liga </a:t>
+            </a:r>
+            <a:r>
+              <a:rPr lang="de-DE" dirty="0" err="1"/>
+              <a:t>or</a:t>
+            </a:r>
+            <a:r>
+              <a:rPr lang="de-DE" dirty="0"/>
+              <a:t> DRIE, </a:t>
+            </a:r>
+            <a:r>
+              <a:rPr lang="de-DE" dirty="0" err="1"/>
+              <a:t>works</a:t>
+            </a:r>
+            <a:r>
+              <a:rPr lang="de-DE" dirty="0"/>
+              <a:t> like a </a:t>
+            </a:r>
+            <a:r>
+              <a:rPr lang="de-DE" dirty="0" err="1"/>
+              <a:t>stamp</a:t>
+            </a:r>
+            <a:r>
+              <a:rPr lang="de-DE" dirty="0"/>
+              <a:t>, must </a:t>
+            </a:r>
+            <a:r>
+              <a:rPr lang="de-DE" dirty="0" err="1"/>
+              <a:t>be</a:t>
+            </a:r>
+            <a:r>
+              <a:rPr lang="de-DE" dirty="0"/>
+              <a:t> high </a:t>
+            </a:r>
+            <a:r>
+              <a:rPr lang="de-DE" dirty="0" err="1"/>
+              <a:t>quality</a:t>
+            </a:r>
+            <a:endParaRPr lang="de-DE" dirty="0"/>
+          </a:p>
+          <a:p>
+            <a:pPr marL="628650" lvl="1" indent="-171450">
+              <a:buFontTx/>
+              <a:buChar char="-"/>
+            </a:pPr>
+            <a:r>
+              <a:rPr lang="de-DE" dirty="0" err="1"/>
+              <a:t>Then</a:t>
+            </a:r>
+            <a:r>
+              <a:rPr lang="de-DE" dirty="0"/>
+              <a:t> </a:t>
+            </a:r>
+            <a:r>
+              <a:rPr lang="de-DE" dirty="0" err="1"/>
+              <a:t>heating</a:t>
+            </a:r>
+            <a:r>
+              <a:rPr lang="de-DE" dirty="0"/>
+              <a:t> </a:t>
+            </a:r>
+            <a:r>
+              <a:rPr lang="de-DE" dirty="0" err="1"/>
+              <a:t>up</a:t>
+            </a:r>
+            <a:r>
+              <a:rPr lang="de-DE" dirty="0"/>
+              <a:t> </a:t>
+            </a:r>
+            <a:r>
+              <a:rPr lang="de-DE" dirty="0" err="1"/>
+              <a:t>the</a:t>
+            </a:r>
+            <a:r>
+              <a:rPr lang="de-DE" dirty="0"/>
+              <a:t> polymer</a:t>
+            </a:r>
+          </a:p>
+          <a:p>
+            <a:pPr marL="628650" lvl="1" indent="-171450">
+              <a:buFontTx/>
+              <a:buChar char="-"/>
+            </a:pPr>
+            <a:r>
+              <a:rPr lang="de-DE" dirty="0" err="1"/>
+              <a:t>Embossing</a:t>
+            </a:r>
+            <a:r>
+              <a:rPr lang="de-DE" dirty="0"/>
+              <a:t> </a:t>
+            </a:r>
+            <a:r>
+              <a:rPr lang="de-DE" dirty="0" err="1"/>
+              <a:t>the</a:t>
+            </a:r>
+            <a:r>
+              <a:rPr lang="de-DE" dirty="0"/>
+              <a:t> polymer, </a:t>
+            </a:r>
+            <a:r>
+              <a:rPr lang="de-DE" dirty="0" err="1"/>
+              <a:t>embossing</a:t>
+            </a:r>
+            <a:r>
+              <a:rPr lang="de-DE" dirty="0"/>
+              <a:t> </a:t>
+            </a:r>
+            <a:r>
+              <a:rPr lang="de-DE" dirty="0" err="1"/>
+              <a:t>tool</a:t>
+            </a:r>
+            <a:r>
+              <a:rPr lang="de-DE" dirty="0"/>
+              <a:t> </a:t>
+            </a:r>
+            <a:r>
+              <a:rPr lang="de-DE" dirty="0" err="1"/>
+              <a:t>borught</a:t>
+            </a:r>
+            <a:r>
+              <a:rPr lang="de-DE" dirty="0"/>
+              <a:t> </a:t>
+            </a:r>
+            <a:r>
+              <a:rPr lang="de-DE" dirty="0" err="1"/>
+              <a:t>to</a:t>
+            </a:r>
+            <a:r>
+              <a:rPr lang="de-DE" dirty="0"/>
+              <a:t> </a:t>
+            </a:r>
+            <a:r>
+              <a:rPr lang="de-DE" dirty="0" err="1"/>
+              <a:t>contact</a:t>
+            </a:r>
+            <a:r>
+              <a:rPr lang="de-DE" dirty="0"/>
+              <a:t> </a:t>
+            </a:r>
+            <a:r>
+              <a:rPr lang="de-DE" dirty="0" err="1"/>
+              <a:t>with</a:t>
+            </a:r>
+            <a:r>
+              <a:rPr lang="de-DE" dirty="0"/>
+              <a:t> </a:t>
+            </a:r>
+            <a:r>
+              <a:rPr lang="de-DE" dirty="0" err="1"/>
+              <a:t>preheated</a:t>
+            </a:r>
+            <a:r>
+              <a:rPr lang="de-DE" dirty="0"/>
+              <a:t> polymer and </a:t>
+            </a:r>
+            <a:r>
+              <a:rPr lang="de-DE" dirty="0" err="1"/>
+              <a:t>embossed</a:t>
+            </a:r>
+            <a:r>
+              <a:rPr lang="de-DE" dirty="0"/>
+              <a:t> </a:t>
+            </a:r>
+            <a:r>
+              <a:rPr lang="de-DE" dirty="0" err="1"/>
+              <a:t>into</a:t>
+            </a:r>
+            <a:r>
+              <a:rPr lang="de-DE" dirty="0"/>
+              <a:t> </a:t>
+            </a:r>
+            <a:r>
+              <a:rPr lang="de-DE" dirty="0" err="1"/>
+              <a:t>it</a:t>
+            </a:r>
+            <a:endParaRPr lang="de-DE" dirty="0"/>
+          </a:p>
+          <a:p>
+            <a:pPr marL="628650" lvl="1" indent="-171450">
+              <a:buFontTx/>
+              <a:buChar char="-"/>
+            </a:pPr>
+            <a:r>
+              <a:rPr lang="de-DE" dirty="0"/>
+              <a:t>Remove </a:t>
+            </a:r>
+            <a:r>
+              <a:rPr lang="de-DE" dirty="0" err="1"/>
+              <a:t>tool</a:t>
+            </a:r>
+            <a:endParaRPr lang="de-DE" dirty="0"/>
+          </a:p>
+          <a:p>
+            <a:pPr marL="628650" lvl="1" indent="-171450">
+              <a:buFontTx/>
+              <a:buChar char="-"/>
+            </a:pPr>
+            <a:r>
+              <a:rPr lang="de-DE" dirty="0"/>
+              <a:t>Cooling down polymer</a:t>
+            </a:r>
+          </a:p>
+          <a:p>
+            <a:pPr marL="171450" lvl="0" indent="-171450">
+              <a:buFontTx/>
+              <a:buChar char="-"/>
+            </a:pPr>
+            <a:r>
+              <a:rPr lang="de-DE" dirty="0"/>
+              <a:t>Possible </a:t>
+            </a:r>
+            <a:r>
+              <a:rPr lang="de-DE" dirty="0" err="1"/>
+              <a:t>to</a:t>
+            </a:r>
+            <a:r>
+              <a:rPr lang="de-DE" dirty="0"/>
+              <a:t> </a:t>
+            </a:r>
+            <a:r>
+              <a:rPr lang="de-DE" dirty="0" err="1"/>
+              <a:t>use</a:t>
+            </a:r>
+            <a:r>
+              <a:rPr lang="de-DE" dirty="0"/>
+              <a:t> all </a:t>
+            </a:r>
+            <a:r>
+              <a:rPr lang="de-DE" dirty="0" err="1"/>
+              <a:t>advantages</a:t>
+            </a:r>
+            <a:r>
+              <a:rPr lang="de-DE" dirty="0"/>
+              <a:t> </a:t>
+            </a:r>
+            <a:r>
+              <a:rPr lang="de-DE" dirty="0" err="1"/>
+              <a:t>of</a:t>
+            </a:r>
+            <a:r>
+              <a:rPr lang="de-DE" dirty="0"/>
+              <a:t> </a:t>
+            </a:r>
+            <a:r>
+              <a:rPr lang="de-DE" dirty="0" err="1"/>
+              <a:t>polymers</a:t>
+            </a:r>
+            <a:r>
+              <a:rPr lang="de-DE" dirty="0"/>
+              <a:t> </a:t>
+            </a:r>
+            <a:r>
+              <a:rPr lang="de-DE" dirty="0" err="1"/>
+              <a:t>for</a:t>
+            </a:r>
+            <a:r>
+              <a:rPr lang="de-DE" dirty="0"/>
+              <a:t> MEMS</a:t>
+            </a:r>
+          </a:p>
+          <a:p>
+            <a:pPr marL="171450" lvl="0" indent="-171450">
+              <a:buFontTx/>
+              <a:buChar char="-"/>
+            </a:pPr>
+            <a:r>
+              <a:rPr lang="de-DE" dirty="0" err="1"/>
+              <a:t>Example</a:t>
+            </a:r>
+            <a:r>
+              <a:rPr lang="de-DE" dirty="0"/>
+              <a:t> </a:t>
+            </a:r>
+            <a:r>
+              <a:rPr lang="de-DE" dirty="0" err="1"/>
+              <a:t>BioMEMS</a:t>
+            </a:r>
+            <a:r>
+              <a:rPr lang="de-DE" dirty="0"/>
+              <a:t>, Medicine</a:t>
+            </a:r>
+          </a:p>
+          <a:p>
+            <a:pPr marL="171450" lvl="0" indent="-171450">
+              <a:buFontTx/>
+              <a:buChar char="-"/>
+            </a:pPr>
+            <a:r>
+              <a:rPr lang="de-DE" dirty="0"/>
+              <a:t>High </a:t>
+            </a:r>
+            <a:r>
+              <a:rPr lang="de-DE" dirty="0" err="1"/>
+              <a:t>aspect</a:t>
+            </a:r>
+            <a:r>
+              <a:rPr lang="de-DE" dirty="0"/>
+              <a:t> </a:t>
+            </a:r>
+            <a:r>
+              <a:rPr lang="de-DE" dirty="0" err="1"/>
+              <a:t>ratios</a:t>
+            </a:r>
+            <a:r>
+              <a:rPr lang="de-DE" dirty="0"/>
+              <a:t> possible</a:t>
+            </a:r>
+          </a:p>
+          <a:p>
+            <a:pPr marL="171450" lvl="0" indent="-171450">
+              <a:buFontTx/>
+              <a:buChar char="-"/>
+            </a:pPr>
+            <a:r>
+              <a:rPr lang="de-DE" dirty="0"/>
+              <a:t>Very </a:t>
+            </a:r>
+            <a:r>
+              <a:rPr lang="de-DE" dirty="0" err="1"/>
+              <a:t>cheap</a:t>
+            </a:r>
+            <a:r>
+              <a:rPr lang="de-DE" dirty="0"/>
+              <a:t> </a:t>
+            </a:r>
+            <a:r>
+              <a:rPr lang="de-DE" dirty="0" err="1"/>
+              <a:t>compared</a:t>
+            </a:r>
+            <a:r>
+              <a:rPr lang="de-DE" dirty="0"/>
+              <a:t> </a:t>
+            </a:r>
+            <a:r>
+              <a:rPr lang="de-DE" dirty="0" err="1"/>
+              <a:t>to</a:t>
+            </a:r>
+            <a:r>
+              <a:rPr lang="de-DE" dirty="0"/>
+              <a:t> </a:t>
+            </a:r>
+            <a:r>
+              <a:rPr lang="de-DE" dirty="0" err="1"/>
+              <a:t>other</a:t>
+            </a:r>
+            <a:r>
+              <a:rPr lang="de-DE" dirty="0"/>
+              <a:t> </a:t>
+            </a:r>
+            <a:r>
+              <a:rPr lang="de-DE" dirty="0" err="1"/>
+              <a:t>processes</a:t>
+            </a:r>
+            <a:endParaRPr lang="de-DE" dirty="0"/>
+          </a:p>
+          <a:p>
+            <a:pPr marL="171450" indent="-171450">
+              <a:buFontTx/>
+              <a:buChar char="-"/>
+            </a:pPr>
+            <a:endParaRPr lang="de-DE" dirty="0"/>
+          </a:p>
+        </p:txBody>
+      </p:sp>
+      <p:sp>
+        <p:nvSpPr>
+          <p:cNvPr id="4" name="Foliennummernplatzhalter 3"/>
+          <p:cNvSpPr>
+            <a:spLocks noGrp="1"/>
+          </p:cNvSpPr>
+          <p:nvPr>
+            <p:ph type="sldNum" sz="quarter" idx="5"/>
+          </p:nvPr>
+        </p:nvSpPr>
+        <p:spPr/>
+        <p:txBody>
+          <a:bodyPr/>
+          <a:lstStyle/>
+          <a:p>
+            <a:fld id="{F4B4EF42-670F-4A33-808A-E8EEC242E52B}" type="slidenum">
+              <a:rPr lang="en-GB" smtClean="0"/>
+              <a:t>6</a:t>
+            </a:fld>
+            <a:endParaRPr lang="en-GB"/>
+          </a:p>
+        </p:txBody>
+      </p:sp>
+    </p:spTree>
+    <p:extLst>
+      <p:ext uri="{BB962C8B-B14F-4D97-AF65-F5344CB8AC3E}">
+        <p14:creationId xmlns:p14="http://schemas.microsoft.com/office/powerpoint/2010/main" val="3224470838"/>
       </p:ext>
     </p:extLst>
   </p:cSld>
@@ -2143,147 +3639,6 @@
       </p:grpSpPr>
       <p:sp>
         <p:nvSpPr>
-          <p:cNvPr id="10" name="Titel 9"/>
-          <p:cNvSpPr>
-            <a:spLocks noGrp="1"/>
-          </p:cNvSpPr>
-          <p:nvPr>
-            <p:ph type="title"/>
-          </p:nvPr>
-        </p:nvSpPr>
-        <p:spPr/>
-        <p:txBody>
-          <a:bodyPr/>
-          <a:lstStyle/>
-          <a:p>
-            <a:r>
-              <a:rPr lang="en-US" dirty="0"/>
-              <a:t>Assignment</a:t>
-            </a:r>
-          </a:p>
-        </p:txBody>
-      </p:sp>
-      <p:sp>
-        <p:nvSpPr>
-          <p:cNvPr id="11" name="Inhaltsplatzhalter 10"/>
-          <p:cNvSpPr>
-            <a:spLocks noGrp="1"/>
-          </p:cNvSpPr>
-          <p:nvPr>
-            <p:ph idx="1"/>
-          </p:nvPr>
-        </p:nvSpPr>
-        <p:spPr/>
-        <p:txBody>
-          <a:bodyPr/>
-          <a:lstStyle/>
-          <a:p>
-            <a:r>
-              <a:rPr lang="en-US" dirty="0"/>
-              <a:t>state the assignment</a:t>
-            </a:r>
-          </a:p>
-          <a:p>
-            <a:endParaRPr lang="en-US" b="1" dirty="0"/>
-          </a:p>
-          <a:p>
-            <a:pPr marL="7937" indent="0">
-              <a:buNone/>
-            </a:pPr>
-            <a:r>
-              <a:rPr lang="en-US" b="1" dirty="0"/>
-              <a:t>General remarks:</a:t>
-            </a:r>
-          </a:p>
-          <a:p>
-            <a:r>
-              <a:rPr lang="en-US" dirty="0"/>
-              <a:t>when using images which are not yours, state the source (either directly underneath the image or in the foot of the page)</a:t>
-            </a:r>
-          </a:p>
-          <a:p>
-            <a:r>
-              <a:rPr lang="en-US" dirty="0"/>
-              <a:t>stick to the font size</a:t>
-            </a:r>
-          </a:p>
-          <a:p>
-            <a:r>
-              <a:rPr lang="en-US" dirty="0"/>
-              <a:t>avoid over-crowding the page</a:t>
-            </a:r>
-          </a:p>
-          <a:p>
-            <a:r>
-              <a:rPr lang="en-US" dirty="0"/>
-              <a:t>the total length of the presentation should be 10 minutes (usually around 5-6 content slides)</a:t>
-            </a:r>
-          </a:p>
-          <a:p>
-            <a:r>
-              <a:rPr lang="en-US" dirty="0"/>
-              <a:t>cold run your presentation before you give the take in the plenum to make sure you stick to the time and that the presentation works </a:t>
-            </a:r>
-          </a:p>
-          <a:p>
-            <a:endParaRPr lang="en-US" b="1" dirty="0"/>
-          </a:p>
-          <a:p>
-            <a:endParaRPr lang="en-US" dirty="0"/>
-          </a:p>
-        </p:txBody>
-      </p:sp>
-      <p:sp>
-        <p:nvSpPr>
-          <p:cNvPr id="12" name="Inhaltsplatzhalter 11"/>
-          <p:cNvSpPr>
-            <a:spLocks noGrp="1"/>
-          </p:cNvSpPr>
-          <p:nvPr>
-            <p:ph sz="quarter" idx="10"/>
-          </p:nvPr>
-        </p:nvSpPr>
-        <p:spPr/>
-        <p:txBody>
-          <a:bodyPr/>
-          <a:lstStyle/>
-          <a:p>
-            <a:endParaRPr lang="en-US" dirty="0"/>
-          </a:p>
-        </p:txBody>
-      </p:sp>
-    </p:spTree>
-    <p:extLst>
-      <p:ext uri="{BB962C8B-B14F-4D97-AF65-F5344CB8AC3E}">
-        <p14:creationId xmlns:p14="http://schemas.microsoft.com/office/powerpoint/2010/main" val="40533215"/>
-      </p:ext>
-    </p:extLst>
-  </p:cSld>
-  <p:clrMapOvr>
-    <a:masterClrMapping/>
-  </p:clrMapOvr>
-</p:sld>
-</file>
-
-<file path=ppt/slides/slide3.xml><?xml version="1.0" encoding="utf-8"?>
-<p:sld xmlns:a="http://schemas.openxmlformats.org/drawingml/2006/main" xmlns:r="http://schemas.openxmlformats.org/officeDocument/2006/relationships" xmlns:p="http://schemas.openxmlformats.org/presentationml/2006/main">
-  <p:cSld>
-    <p:spTree>
-      <p:nvGrpSpPr>
-        <p:cNvPr id="1" name=""/>
-        <p:cNvGrpSpPr/>
-        <p:nvPr/>
-      </p:nvGrpSpPr>
-      <p:grpSpPr>
-        <a:xfrm>
-          <a:off x="0" y="0"/>
-          <a:ext cx="0" cy="0"/>
-          <a:chOff x="0" y="0"/>
-          <a:chExt cx="0" cy="0"/>
-        </a:xfrm>
-      </p:grpSpPr>
-      <p:sp>
-        <p:nvSpPr>
           <p:cNvPr id="2" name="Titel 1"/>
           <p:cNvSpPr>
             <a:spLocks noGrp="1"/>
@@ -2654,7 +4009,7 @@
 </p:sld>
 </file>
 
-<file path=ppt/slides/slide4.xml><?xml version="1.0" encoding="utf-8"?>
+<file path=ppt/slides/slide3.xml><?xml version="1.0" encoding="utf-8"?>
 <p:sld xmlns:a="http://schemas.openxmlformats.org/drawingml/2006/main" xmlns:r="http://schemas.openxmlformats.org/officeDocument/2006/relationships" xmlns:p="http://schemas.openxmlformats.org/presentationml/2006/main">
   <p:cSld>
     <p:spTree>
@@ -3120,194 +4475,7 @@
 </p:sld>
 </file>
 
-<file path=ppt/slides/slide5.xml><?xml version="1.0" encoding="utf-8"?>
-<p:sld xmlns:a="http://schemas.openxmlformats.org/drawingml/2006/main" xmlns:r="http://schemas.openxmlformats.org/officeDocument/2006/relationships" xmlns:p="http://schemas.openxmlformats.org/presentationml/2006/main">
-  <p:cSld>
-    <p:spTree>
-      <p:nvGrpSpPr>
-        <p:cNvPr id="1" name=""/>
-        <p:cNvGrpSpPr/>
-        <p:nvPr/>
-      </p:nvGrpSpPr>
-      <p:grpSpPr>
-        <a:xfrm>
-          <a:off x="0" y="0"/>
-          <a:ext cx="0" cy="0"/>
-          <a:chOff x="0" y="0"/>
-          <a:chExt cx="0" cy="0"/>
-        </a:xfrm>
-      </p:grpSpPr>
-      <p:sp>
-        <p:nvSpPr>
-          <p:cNvPr id="10" name="Titel 9"/>
-          <p:cNvSpPr>
-            <a:spLocks noGrp="1"/>
-          </p:cNvSpPr>
-          <p:nvPr>
-            <p:ph type="title"/>
-          </p:nvPr>
-        </p:nvSpPr>
-        <p:spPr/>
-        <p:txBody>
-          <a:bodyPr/>
-          <a:lstStyle/>
-          <a:p>
-            <a:r>
-              <a:rPr lang="en-US" dirty="0"/>
-              <a:t>Applications</a:t>
-            </a:r>
-          </a:p>
-        </p:txBody>
-      </p:sp>
-      <p:sp>
-        <p:nvSpPr>
-          <p:cNvPr id="11" name="Inhaltsplatzhalter 10"/>
-          <p:cNvSpPr>
-            <a:spLocks noGrp="1"/>
-          </p:cNvSpPr>
-          <p:nvPr>
-            <p:ph idx="1"/>
-          </p:nvPr>
-        </p:nvSpPr>
-        <p:spPr/>
-        <p:txBody>
-          <a:bodyPr/>
-          <a:lstStyle/>
-          <a:p>
-            <a:r>
-              <a:rPr lang="en-US" dirty="0"/>
-              <a:t>Micro inertial sensors:</a:t>
-            </a:r>
-          </a:p>
-          <a:p>
-            <a:pPr lvl="1"/>
-            <a:r>
-              <a:rPr lang="en-US" dirty="0"/>
-              <a:t>Gyroscopes</a:t>
-            </a:r>
-          </a:p>
-          <a:p>
-            <a:pPr lvl="1"/>
-            <a:r>
-              <a:rPr lang="en-US" dirty="0"/>
-              <a:t>Accelerometers</a:t>
-            </a:r>
-          </a:p>
-          <a:p>
-            <a:pPr lvl="1"/>
-            <a:r>
-              <a:rPr lang="en-US" dirty="0"/>
-              <a:t>Angular rate sensors</a:t>
-            </a:r>
-          </a:p>
-          <a:p>
-            <a:r>
-              <a:rPr lang="en-US" dirty="0"/>
-              <a:t>Nano tubes</a:t>
-            </a:r>
-          </a:p>
-          <a:p>
-            <a:r>
-              <a:rPr lang="en-US" dirty="0"/>
-              <a:t>3D circuit integration</a:t>
-            </a:r>
-          </a:p>
-          <a:p>
-            <a:r>
-              <a:rPr lang="en-US" dirty="0"/>
-              <a:t>Plenty of further applications</a:t>
-            </a:r>
-          </a:p>
-          <a:p>
-            <a:endParaRPr lang="en-US" dirty="0"/>
-          </a:p>
-        </p:txBody>
-      </p:sp>
-      <p:pic>
-        <p:nvPicPr>
-          <p:cNvPr id="4" name="Inhaltsplatzhalter 3">
-            <a:extLst>
-              <a:ext uri="{FF2B5EF4-FFF2-40B4-BE49-F238E27FC236}">
-                <a16:creationId xmlns:a16="http://schemas.microsoft.com/office/drawing/2014/main" id="{F601EDD7-47B1-904C-A99C-1AD0A5272EB2}"/>
-              </a:ext>
-            </a:extLst>
-          </p:cNvPr>
-          <p:cNvPicPr>
-            <a:picLocks noGrp="1" noChangeAspect="1"/>
-          </p:cNvPicPr>
-          <p:nvPr>
-            <p:ph sz="quarter" idx="10"/>
-          </p:nvPr>
-        </p:nvPicPr>
-        <p:blipFill>
-          <a:blip r:embed="rId3">
-            <a:extLst>
-              <a:ext uri="{28A0092B-C50C-407E-A947-70E740481C1C}">
-                <a14:useLocalDpi xmlns:a14="http://schemas.microsoft.com/office/drawing/2010/main" val="0"/>
-              </a:ext>
-            </a:extLst>
-          </a:blip>
-          <a:stretch>
-            <a:fillRect/>
-          </a:stretch>
-        </p:blipFill>
-        <p:spPr>
-          <a:xfrm>
-            <a:off x="5292080" y="1342800"/>
-            <a:ext cx="3092093" cy="2475467"/>
-          </a:xfrm>
-        </p:spPr>
-      </p:pic>
-      <p:pic>
-        <p:nvPicPr>
-          <p:cNvPr id="6" name="Grafik 5">
-            <a:extLst>
-              <a:ext uri="{FF2B5EF4-FFF2-40B4-BE49-F238E27FC236}">
-                <a16:creationId xmlns:a16="http://schemas.microsoft.com/office/drawing/2014/main" id="{3F61F8F8-395C-EE46-BB0B-AA00C5E20307}"/>
-              </a:ext>
-            </a:extLst>
-          </p:cNvPr>
-          <p:cNvPicPr>
-            <a:picLocks noChangeAspect="1"/>
-          </p:cNvPicPr>
-          <p:nvPr/>
-        </p:nvPicPr>
-        <p:blipFill>
-          <a:blip r:embed="rId4">
-            <a:extLst>
-              <a:ext uri="{28A0092B-C50C-407E-A947-70E740481C1C}">
-                <a14:useLocalDpi xmlns:a14="http://schemas.microsoft.com/office/drawing/2010/main" val="0"/>
-              </a:ext>
-            </a:extLst>
-          </a:blip>
-          <a:stretch>
-            <a:fillRect/>
-          </a:stretch>
-        </p:blipFill>
-        <p:spPr>
-          <a:xfrm>
-            <a:off x="5451987" y="3905908"/>
-            <a:ext cx="2880320" cy="2949173"/>
-          </a:xfrm>
-          <a:prstGeom prst="rect">
-            <a:avLst/>
-          </a:prstGeom>
-        </p:spPr>
-      </p:pic>
-    </p:spTree>
-    <p:extLst>
-      <p:ext uri="{BB962C8B-B14F-4D97-AF65-F5344CB8AC3E}">
-        <p14:creationId xmlns:p14="http://schemas.microsoft.com/office/powerpoint/2010/main" val="3184566967"/>
-      </p:ext>
-    </p:extLst>
-  </p:cSld>
-  <p:clrMapOvr>
-    <a:masterClrMapping/>
-  </p:clrMapOvr>
-</p:sld>
-</file>
-
-<file path=ppt/slides/slide6.xml><?xml version="1.0" encoding="utf-8"?>
+<file path=ppt/slides/slide4.xml><?xml version="1.0" encoding="utf-8"?>
 <p:sld xmlns:a="http://schemas.openxmlformats.org/drawingml/2006/main" xmlns:r="http://schemas.openxmlformats.org/officeDocument/2006/relationships" xmlns:p="http://schemas.openxmlformats.org/presentationml/2006/main">
   <p:cSld>
     <p:spTree>
@@ -3329,7 +4497,7 @@
           <p:cNvPr id="2" name="Titel 1">
             <a:extLst>
               <a:ext uri="{FF2B5EF4-FFF2-40B4-BE49-F238E27FC236}">
-                <a16:creationId xmlns:a16="http://schemas.microsoft.com/office/drawing/2014/main" id="{0F07D169-6491-2D47-8AA2-9053B0D1AA38}"/>
+                <a16:creationId xmlns:a16="http://schemas.microsoft.com/office/drawing/2014/main" id="{D6AE1F1A-5C60-4B28-A064-F0775060C510}"/>
               </a:ext>
             </a:extLst>
           </p:cNvPr>
@@ -3347,28 +4515,9 @@
           <a:p>
             <a:r>
               <a:rPr lang="de-DE" dirty="0" err="1"/>
-              <a:t>Fabrication</a:t>
-            </a:r>
-            <a:r>
-              <a:rPr lang="de-DE" dirty="0"/>
-              <a:t> </a:t>
-            </a:r>
-            <a:r>
-              <a:rPr lang="de-DE" dirty="0" err="1"/>
-              <a:t>Methods</a:t>
-            </a:r>
-            <a:r>
-              <a:rPr lang="de-DE" dirty="0"/>
-              <a:t> - </a:t>
-            </a:r>
-            <a:r>
-              <a:rPr lang="de-DE" dirty="0" err="1"/>
-              <a:t>Metals</a:t>
-            </a:r>
-            <a:r>
-              <a:rPr lang="de-DE" dirty="0"/>
-              <a:t> </a:t>
-            </a:r>
+              <a:t>Applications</a:t>
+            </a:r>
+            <a:endParaRPr lang="de-DE" dirty="0"/>
           </a:p>
         </p:txBody>
       </p:sp>
@@ -3377,7 +4526,256 @@
           <p:cNvPr id="3" name="Inhaltsplatzhalter 2">
             <a:extLst>
               <a:ext uri="{FF2B5EF4-FFF2-40B4-BE49-F238E27FC236}">
-                <a16:creationId xmlns:a16="http://schemas.microsoft.com/office/drawing/2014/main" id="{C795D27C-E21E-6043-9C12-CD1F7A577FD8}"/>
+                <a16:creationId xmlns:a16="http://schemas.microsoft.com/office/drawing/2014/main" id="{6D480099-A619-4B21-97B3-C80FB62C7513}"/>
+              </a:ext>
+            </a:extLst>
+          </p:cNvPr>
+          <p:cNvSpPr>
+            <a:spLocks noGrp="1"/>
+          </p:cNvSpPr>
+          <p:nvPr>
+            <p:ph idx="1"/>
+          </p:nvPr>
+        </p:nvSpPr>
+        <p:spPr/>
+        <p:txBody>
+          <a:bodyPr/>
+          <a:lstStyle/>
+          <a:p>
+            <a:r>
+              <a:rPr lang="en-US" dirty="0"/>
+              <a:t>Micro inertial sensors:</a:t>
+            </a:r>
+          </a:p>
+          <a:p>
+            <a:pPr lvl="1"/>
+            <a:r>
+              <a:rPr lang="en-US" dirty="0"/>
+              <a:t>Gyroscopes</a:t>
+            </a:r>
+          </a:p>
+          <a:p>
+            <a:pPr lvl="1"/>
+            <a:r>
+              <a:rPr lang="en-US" dirty="0"/>
+              <a:t>Accelerometers</a:t>
+            </a:r>
+          </a:p>
+          <a:p>
+            <a:pPr lvl="1"/>
+            <a:r>
+              <a:rPr lang="en-US" dirty="0"/>
+              <a:t>Angular rate sensors</a:t>
+            </a:r>
+          </a:p>
+          <a:p>
+            <a:r>
+              <a:rPr lang="en-US" dirty="0"/>
+              <a:t>Nano tubes</a:t>
+            </a:r>
+          </a:p>
+          <a:p>
+            <a:r>
+              <a:rPr lang="en-US" dirty="0"/>
+              <a:t>3D circuit integration</a:t>
+            </a:r>
+          </a:p>
+          <a:p>
+            <a:r>
+              <a:rPr lang="en-US" dirty="0"/>
+              <a:t>Plenty of further applications</a:t>
+            </a:r>
+          </a:p>
+          <a:p>
+            <a:endParaRPr lang="de-DE" dirty="0"/>
+          </a:p>
+        </p:txBody>
+      </p:sp>
+      <p:sp>
+        <p:nvSpPr>
+          <p:cNvPr id="4" name="Inhaltsplatzhalter 3">
+            <a:extLst>
+              <a:ext uri="{FF2B5EF4-FFF2-40B4-BE49-F238E27FC236}">
+                <a16:creationId xmlns:a16="http://schemas.microsoft.com/office/drawing/2014/main" id="{25113A5B-2768-4F91-B4DA-C9BCB6764D5E}"/>
+              </a:ext>
+            </a:extLst>
+          </p:cNvPr>
+          <p:cNvSpPr>
+            <a:spLocks noGrp="1"/>
+          </p:cNvSpPr>
+          <p:nvPr>
+            <p:ph sz="quarter" idx="10"/>
+          </p:nvPr>
+        </p:nvSpPr>
+        <p:spPr/>
+        <p:txBody>
+          <a:bodyPr/>
+          <a:lstStyle/>
+          <a:p>
+            <a:r>
+              <a:rPr lang="de-DE" dirty="0"/>
+              <a:t>Hutchison et al., C</a:t>
+            </a:r>
+            <a:r>
+              <a:rPr lang="en-US" dirty="0" err="1"/>
+              <a:t>arbon</a:t>
+            </a:r>
+            <a:r>
+              <a:rPr lang="en-US" dirty="0"/>
+              <a:t> nanotubes as a framework for high-aspect-ratio mems fabrication, Journal of Microelectromechanical Systems, 2010</a:t>
+            </a:r>
+            <a:endParaRPr lang="de-DE" dirty="0"/>
+          </a:p>
+        </p:txBody>
+      </p:sp>
+      <p:pic>
+        <p:nvPicPr>
+          <p:cNvPr id="5" name="Inhaltsplatzhalter 3">
+            <a:extLst>
+              <a:ext uri="{FF2B5EF4-FFF2-40B4-BE49-F238E27FC236}">
+                <a16:creationId xmlns:a16="http://schemas.microsoft.com/office/drawing/2014/main" id="{0CE590F0-D81D-4A3D-8514-8D6A89134A5E}"/>
+              </a:ext>
+            </a:extLst>
+          </p:cNvPr>
+          <p:cNvPicPr>
+            <a:picLocks noChangeAspect="1"/>
+          </p:cNvPicPr>
+          <p:nvPr/>
+        </p:nvPicPr>
+        <p:blipFill>
+          <a:blip r:embed="rId3">
+            <a:extLst>
+              <a:ext uri="{28A0092B-C50C-407E-A947-70E740481C1C}">
+                <a14:useLocalDpi xmlns:a14="http://schemas.microsoft.com/office/drawing/2010/main" val="0"/>
+              </a:ext>
+            </a:extLst>
+          </a:blip>
+          <a:stretch>
+            <a:fillRect/>
+          </a:stretch>
+        </p:blipFill>
+        <p:spPr>
+          <a:xfrm>
+            <a:off x="5292080" y="1342800"/>
+            <a:ext cx="3092093" cy="2475467"/>
+          </a:xfrm>
+          <a:prstGeom prst="rect">
+            <a:avLst/>
+          </a:prstGeom>
+        </p:spPr>
+      </p:pic>
+      <p:pic>
+        <p:nvPicPr>
+          <p:cNvPr id="6" name="Grafik 5">
+            <a:extLst>
+              <a:ext uri="{FF2B5EF4-FFF2-40B4-BE49-F238E27FC236}">
+                <a16:creationId xmlns:a16="http://schemas.microsoft.com/office/drawing/2014/main" id="{D05FF8F3-C8EA-41B3-8977-72AF8D0DAB69}"/>
+              </a:ext>
+            </a:extLst>
+          </p:cNvPr>
+          <p:cNvPicPr>
+            <a:picLocks noChangeAspect="1"/>
+          </p:cNvPicPr>
+          <p:nvPr/>
+        </p:nvPicPr>
+        <p:blipFill>
+          <a:blip r:embed="rId4" cstate="print">
+            <a:extLst>
+              <a:ext uri="{28A0092B-C50C-407E-A947-70E740481C1C}">
+                <a14:useLocalDpi xmlns:a14="http://schemas.microsoft.com/office/drawing/2010/main" val="0"/>
+              </a:ext>
+            </a:extLst>
+          </a:blip>
+          <a:stretch>
+            <a:fillRect/>
+          </a:stretch>
+        </p:blipFill>
+        <p:spPr>
+          <a:xfrm>
+            <a:off x="5649994" y="3877733"/>
+            <a:ext cx="2376264" cy="2433067"/>
+          </a:xfrm>
+          <a:prstGeom prst="rect">
+            <a:avLst/>
+          </a:prstGeom>
+        </p:spPr>
+      </p:pic>
+    </p:spTree>
+    <p:extLst>
+      <p:ext uri="{BB962C8B-B14F-4D97-AF65-F5344CB8AC3E}">
+        <p14:creationId xmlns:p14="http://schemas.microsoft.com/office/powerpoint/2010/main" val="4177938676"/>
+      </p:ext>
+    </p:extLst>
+  </p:cSld>
+  <p:clrMapOvr>
+    <a:masterClrMapping/>
+  </p:clrMapOvr>
+</p:sld>
+</file>
+
+<file path=ppt/slides/slide5.xml><?xml version="1.0" encoding="utf-8"?>
+<p:sld xmlns:a="http://schemas.openxmlformats.org/drawingml/2006/main" xmlns:r="http://schemas.openxmlformats.org/officeDocument/2006/relationships" xmlns:p="http://schemas.openxmlformats.org/presentationml/2006/main">
+  <p:cSld>
+    <p:spTree>
+      <p:nvGrpSpPr>
+        <p:cNvPr id="1" name=""/>
+        <p:cNvGrpSpPr/>
+        <p:nvPr/>
+      </p:nvGrpSpPr>
+      <p:grpSpPr>
+        <a:xfrm>
+          <a:off x="0" y="0"/>
+          <a:ext cx="0" cy="0"/>
+          <a:chOff x="0" y="0"/>
+          <a:chExt cx="0" cy="0"/>
+        </a:xfrm>
+      </p:grpSpPr>
+      <p:sp>
+        <p:nvSpPr>
+          <p:cNvPr id="2" name="Titel 1">
+            <a:extLst>
+              <a:ext uri="{FF2B5EF4-FFF2-40B4-BE49-F238E27FC236}">
+                <a16:creationId xmlns:a16="http://schemas.microsoft.com/office/drawing/2014/main" id="{D0C6DB30-A57B-464B-9BBD-3E2BF7462B44}"/>
+              </a:ext>
+            </a:extLst>
+          </p:cNvPr>
+          <p:cNvSpPr>
+            <a:spLocks noGrp="1"/>
+          </p:cNvSpPr>
+          <p:nvPr>
+            <p:ph type="title"/>
+          </p:nvPr>
+        </p:nvSpPr>
+        <p:spPr/>
+        <p:txBody>
+          <a:bodyPr/>
+          <a:lstStyle/>
+          <a:p>
+            <a:r>
+              <a:rPr lang="de-DE" dirty="0" err="1"/>
+              <a:t>Fabrication</a:t>
+            </a:r>
+            <a:r>
+              <a:rPr lang="de-DE" dirty="0"/>
+              <a:t> Methods - </a:t>
+            </a:r>
+            <a:r>
+              <a:rPr lang="de-DE" dirty="0" err="1"/>
+              <a:t>Metals</a:t>
+            </a:r>
+            <a:r>
+              <a:rPr lang="de-DE" dirty="0"/>
+              <a:t> </a:t>
+            </a:r>
+          </a:p>
+        </p:txBody>
+      </p:sp>
+      <p:sp>
+        <p:nvSpPr>
+          <p:cNvPr id="3" name="Inhaltsplatzhalter 2">
+            <a:extLst>
+              <a:ext uri="{FF2B5EF4-FFF2-40B4-BE49-F238E27FC236}">
+                <a16:creationId xmlns:a16="http://schemas.microsoft.com/office/drawing/2014/main" id="{A667EDC7-3BCE-4FBA-83C5-164DF8630F72}"/>
               </a:ext>
             </a:extLst>
           </p:cNvPr>
@@ -3391,7 +4789,7 @@
         <p:spPr>
           <a:xfrm>
             <a:off x="251520" y="1342800"/>
-            <a:ext cx="4392488" cy="4968000"/>
+            <a:ext cx="4320480" cy="4968000"/>
           </a:xfrm>
         </p:spPr>
         <p:txBody>
@@ -3430,30 +4828,29 @@
             </a:r>
             <a:r>
               <a:rPr lang="de-DE" dirty="0"/>
-              <a:t>) </a:t>
-            </a:r>
-            <a:r>
-              <a:rPr lang="de-DE" dirty="0" err="1"/>
-              <a:t>and</a:t>
-            </a:r>
-            <a:r>
-              <a:rPr lang="de-DE" dirty="0"/>
-              <a:t> UV-LIGA</a:t>
+              <a:t>) and UV-LIGA</a:t>
             </a:r>
           </a:p>
           <a:p>
             <a:pPr lvl="1"/>
             <a:r>
               <a:rPr lang="de-DE" dirty="0" err="1"/>
-              <a:t>Lithography</a:t>
+              <a:t>Exposure</a:t>
             </a:r>
             <a:endParaRPr lang="de-DE" dirty="0"/>
           </a:p>
           <a:p>
             <a:pPr lvl="1"/>
             <a:r>
-              <a:rPr lang="de-DE" dirty="0" err="1"/>
-              <a:t>Exposure</a:t>
+              <a:rPr lang="de-DE" dirty="0"/>
+              <a:t>Development</a:t>
+            </a:r>
+          </a:p>
+          <a:p>
+            <a:pPr lvl="1"/>
+            <a:r>
+              <a:rPr lang="de-DE" dirty="0" err="1"/>
+              <a:t>Electroplating</a:t>
             </a:r>
             <a:endParaRPr lang="de-DE" dirty="0"/>
           </a:p>
@@ -3461,119 +4858,119 @@
             <a:pPr lvl="1"/>
             <a:r>
               <a:rPr lang="de-DE" dirty="0"/>
-              <a:t>Development</a:t>
-            </a:r>
-          </a:p>
-          <a:p>
-            <a:pPr lvl="1"/>
-            <a:r>
-              <a:rPr lang="de-DE" dirty="0" err="1"/>
-              <a:t>Electroplating</a:t>
+              <a:t>Stripping</a:t>
+            </a:r>
+          </a:p>
+          <a:p>
+            <a:r>
+              <a:rPr lang="de-DE" dirty="0"/>
+              <a:t>Also </a:t>
+            </a:r>
+            <a:r>
+              <a:rPr lang="de-DE" dirty="0" err="1"/>
+              <a:t>applicable</a:t>
+            </a:r>
+            <a:r>
+              <a:rPr lang="de-DE" dirty="0"/>
+              <a:t> </a:t>
+            </a:r>
+            <a:r>
+              <a:rPr lang="de-DE" dirty="0" err="1"/>
+              <a:t>to</a:t>
+            </a:r>
+            <a:r>
+              <a:rPr lang="de-DE" dirty="0"/>
+              <a:t> polymeres and </a:t>
+            </a:r>
+            <a:r>
+              <a:rPr lang="de-DE" dirty="0" err="1"/>
+              <a:t>semiconductor</a:t>
+            </a:r>
+            <a:r>
+              <a:rPr lang="de-DE" dirty="0"/>
+              <a:t> </a:t>
+            </a:r>
+            <a:r>
+              <a:rPr lang="de-DE" dirty="0" err="1"/>
+              <a:t>materials</a:t>
             </a:r>
             <a:endParaRPr lang="de-DE" dirty="0"/>
           </a:p>
           <a:p>
-            <a:pPr lvl="1"/>
-            <a:r>
-              <a:rPr lang="de-DE" dirty="0"/>
-              <a:t>Stripping</a:t>
-            </a:r>
-          </a:p>
-          <a:p>
-            <a:r>
-              <a:rPr lang="de-DE" dirty="0"/>
-              <a:t>Also </a:t>
-            </a:r>
-            <a:r>
-              <a:rPr lang="de-DE" dirty="0" err="1"/>
-              <a:t>applicable</a:t>
-            </a:r>
-            <a:r>
-              <a:rPr lang="de-DE" dirty="0"/>
-              <a:t> </a:t>
-            </a:r>
-            <a:r>
-              <a:rPr lang="de-DE" dirty="0" err="1"/>
-              <a:t>to</a:t>
-            </a:r>
-            <a:r>
-              <a:rPr lang="de-DE" dirty="0"/>
-              <a:t> polymeres </a:t>
-            </a:r>
-            <a:r>
-              <a:rPr lang="de-DE" dirty="0" err="1"/>
-              <a:t>and</a:t>
-            </a:r>
-            <a:r>
-              <a:rPr lang="de-DE" dirty="0"/>
-              <a:t> </a:t>
-            </a:r>
-            <a:r>
-              <a:rPr lang="de-DE" dirty="0" err="1"/>
-              <a:t>semiconductor</a:t>
-            </a:r>
-            <a:r>
-              <a:rPr lang="de-DE" dirty="0"/>
-              <a:t> </a:t>
-            </a:r>
-            <a:r>
-              <a:rPr lang="de-DE" dirty="0" err="1"/>
-              <a:t>materials</a:t>
-            </a:r>
+            <a:r>
+              <a:rPr lang="de-DE" dirty="0" err="1"/>
+              <a:t>Aspect</a:t>
+            </a:r>
+            <a:r>
+              <a:rPr lang="de-DE" dirty="0"/>
+              <a:t> </a:t>
+            </a:r>
+            <a:r>
+              <a:rPr lang="de-DE" dirty="0" err="1"/>
+              <a:t>ratios</a:t>
+            </a:r>
+            <a:r>
+              <a:rPr lang="de-DE" dirty="0"/>
+              <a:t> &gt; 100:1 possible</a:t>
+            </a:r>
+          </a:p>
+          <a:p>
             <a:endParaRPr lang="de-DE" dirty="0"/>
           </a:p>
-          <a:p>
-            <a:r>
-              <a:rPr lang="de-DE" dirty="0" err="1"/>
-              <a:t>Aspect</a:t>
-            </a:r>
-            <a:r>
-              <a:rPr lang="de-DE" dirty="0"/>
-              <a:t> </a:t>
-            </a:r>
-            <a:r>
-              <a:rPr lang="de-DE" dirty="0" err="1"/>
-              <a:t>ratios</a:t>
-            </a:r>
-            <a:r>
-              <a:rPr lang="de-DE" dirty="0"/>
-              <a:t> &gt; 100:1 </a:t>
-            </a:r>
-            <a:r>
-              <a:rPr lang="de-DE" dirty="0" err="1"/>
-              <a:t>possible</a:t>
-            </a:r>
-            <a:endParaRPr lang="de-DE" dirty="0"/>
-          </a:p>
-          <a:p>
-            <a:pPr marL="7937" indent="0">
-              <a:buNone/>
-            </a:pPr>
-            <a:endParaRPr lang="de-DE" dirty="0"/>
-          </a:p>
-          <a:p>
-            <a:endParaRPr lang="de-DE" dirty="0"/>
+        </p:txBody>
+      </p:sp>
+      <p:sp>
+        <p:nvSpPr>
+          <p:cNvPr id="4" name="Inhaltsplatzhalter 3">
+            <a:extLst>
+              <a:ext uri="{FF2B5EF4-FFF2-40B4-BE49-F238E27FC236}">
+                <a16:creationId xmlns:a16="http://schemas.microsoft.com/office/drawing/2014/main" id="{556E1509-E373-46F6-A041-0DE49AD9E4F8}"/>
+              </a:ext>
+            </a:extLst>
+          </p:cNvPr>
+          <p:cNvSpPr>
+            <a:spLocks noGrp="1"/>
+          </p:cNvSpPr>
+          <p:nvPr>
+            <p:ph sz="quarter" idx="10"/>
+          </p:nvPr>
+        </p:nvSpPr>
+        <p:spPr/>
+        <p:txBody>
+          <a:bodyPr/>
+          <a:lstStyle/>
+          <a:p>
+            <a:r>
+              <a:rPr lang="de-DE" dirty="0"/>
+              <a:t>Menz et al., Mikrosystemtechnik für Ingenieure, John Wiley &amp; </a:t>
+            </a:r>
+            <a:r>
+              <a:rPr lang="de-DE" dirty="0" err="1"/>
+              <a:t>Sons</a:t>
+            </a:r>
+            <a:r>
+              <a:rPr lang="de-DE" dirty="0"/>
+              <a:t>, 2012</a:t>
+            </a:r>
           </a:p>
         </p:txBody>
       </p:sp>
       <p:pic>
         <p:nvPicPr>
-          <p:cNvPr id="7" name="Inhaltsplatzhalter 6">
+          <p:cNvPr id="5" name="Inhaltsplatzhalter 6">
             <a:extLst>
               <a:ext uri="{FF2B5EF4-FFF2-40B4-BE49-F238E27FC236}">
-                <a16:creationId xmlns:a16="http://schemas.microsoft.com/office/drawing/2014/main" id="{A16670A6-D873-E247-8FA5-7F9556E41687}"/>
+                <a16:creationId xmlns:a16="http://schemas.microsoft.com/office/drawing/2014/main" id="{BBFA60EE-DE94-4951-AF87-1B7F4D57F5F4}"/>
               </a:ext>
             </a:extLst>
           </p:cNvPr>
           <p:cNvPicPr>
-            <a:picLocks noGrp="1" noChangeAspect="1"/>
+            <a:picLocks noChangeAspect="1"/>
           </p:cNvPicPr>
-          <p:nvPr>
-            <p:ph sz="quarter" idx="10"/>
-          </p:nvPr>
+          <p:nvPr/>
         </p:nvPicPr>
         <p:blipFill>
-          <a:blip r:embed="rId2">
+          <a:blip r:embed="rId3">
             <a:extLst>
               <a:ext uri="{28A0092B-C50C-407E-A947-70E740481C1C}">
                 <a14:useLocalDpi xmlns:a14="http://schemas.microsoft.com/office/drawing/2010/main" val="0"/>
@@ -3586,15 +4983,18 @@
         </p:blipFill>
         <p:spPr>
           <a:xfrm>
-            <a:off x="4860032" y="1342800"/>
+            <a:off x="4932040" y="1736948"/>
             <a:ext cx="3746189" cy="3384104"/>
           </a:xfrm>
+          <a:prstGeom prst="rect">
+            <a:avLst/>
+          </a:prstGeom>
         </p:spPr>
       </p:pic>
     </p:spTree>
     <p:extLst>
       <p:ext uri="{BB962C8B-B14F-4D97-AF65-F5344CB8AC3E}">
-        <p14:creationId xmlns:p14="http://schemas.microsoft.com/office/powerpoint/2010/main" val="1791383802"/>
+        <p14:creationId xmlns:p14="http://schemas.microsoft.com/office/powerpoint/2010/main" val="2931300577"/>
       </p:ext>
     </p:extLst>
   </p:cSld>
@@ -3604,7 +5004,7 @@
 </p:sld>
 </file>
 
-<file path=ppt/slides/slide7.xml><?xml version="1.0" encoding="utf-8"?>
+<file path=ppt/slides/slide6.xml><?xml version="1.0" encoding="utf-8"?>
 <p:sld xmlns:a="http://schemas.openxmlformats.org/drawingml/2006/main" xmlns:r="http://schemas.openxmlformats.org/officeDocument/2006/relationships" xmlns:p="http://schemas.openxmlformats.org/presentationml/2006/main">
   <p:cSld>
     <p:spTree>
@@ -3701,7 +5101,7 @@
             <a:pPr lvl="1"/>
             <a:r>
               <a:rPr lang="de-DE" dirty="0" err="1"/>
-              <a:t>Prdoucing</a:t>
+              <a:t>Producing</a:t>
             </a:r>
             <a:r>
               <a:rPr lang="de-DE" dirty="0"/>
@@ -3865,7 +5265,106 @@
           <a:bodyPr/>
           <a:lstStyle/>
           <a:p>
-            <a:endParaRPr lang="de-DE"/>
+            <a:r>
+              <a:rPr lang="de-DE" dirty="0"/>
+              <a:t>Becker et al., Hot </a:t>
+            </a:r>
+            <a:r>
+              <a:rPr lang="de-DE" dirty="0" err="1"/>
+              <a:t>embossing</a:t>
+            </a:r>
+            <a:r>
+              <a:rPr lang="de-DE" dirty="0"/>
+              <a:t> </a:t>
+            </a:r>
+            <a:r>
+              <a:rPr lang="de-DE" dirty="0" err="1"/>
+              <a:t>as</a:t>
+            </a:r>
+            <a:r>
+              <a:rPr lang="de-DE" dirty="0"/>
+              <a:t> a </a:t>
+            </a:r>
+            <a:r>
+              <a:rPr lang="de-DE" dirty="0" err="1"/>
+              <a:t>method</a:t>
+            </a:r>
+            <a:r>
+              <a:rPr lang="de-DE" dirty="0"/>
+              <a:t> </a:t>
+            </a:r>
+            <a:r>
+              <a:rPr lang="de-DE" dirty="0" err="1"/>
+              <a:t>for</a:t>
+            </a:r>
+            <a:r>
+              <a:rPr lang="de-DE" dirty="0"/>
+              <a:t> </a:t>
+            </a:r>
+            <a:r>
+              <a:rPr lang="de-DE" dirty="0" err="1"/>
+              <a:t>the</a:t>
+            </a:r>
+            <a:r>
+              <a:rPr lang="de-DE" dirty="0"/>
+              <a:t> </a:t>
+            </a:r>
+            <a:r>
+              <a:rPr lang="de-DE" dirty="0" err="1"/>
+              <a:t>fabrication</a:t>
+            </a:r>
+            <a:r>
+              <a:rPr lang="de-DE" dirty="0"/>
+              <a:t> </a:t>
+            </a:r>
+            <a:r>
+              <a:rPr lang="de-DE" dirty="0" err="1"/>
+              <a:t>of</a:t>
+            </a:r>
+            <a:r>
+              <a:rPr lang="de-DE" dirty="0"/>
+              <a:t> polymer high </a:t>
+            </a:r>
+            <a:r>
+              <a:rPr lang="de-DE" dirty="0" err="1"/>
+              <a:t>aspect</a:t>
+            </a:r>
+            <a:r>
+              <a:rPr lang="de-DE" dirty="0"/>
+              <a:t> </a:t>
+            </a:r>
+            <a:r>
+              <a:rPr lang="de-DE" dirty="0" err="1"/>
+              <a:t>ratio</a:t>
+            </a:r>
+            <a:r>
+              <a:rPr lang="de-DE" dirty="0"/>
+              <a:t> </a:t>
+            </a:r>
+            <a:r>
+              <a:rPr lang="de-DE" dirty="0" err="1"/>
+              <a:t>structures</a:t>
+            </a:r>
+            <a:r>
+              <a:rPr lang="de-DE" dirty="0"/>
+              <a:t>, Sensors and </a:t>
+            </a:r>
+            <a:r>
+              <a:rPr lang="de-DE" dirty="0" err="1"/>
+              <a:t>Actuators</a:t>
+            </a:r>
+            <a:r>
+              <a:rPr lang="de-DE" dirty="0"/>
+              <a:t> A: </a:t>
+            </a:r>
+            <a:r>
+              <a:rPr lang="de-DE" dirty="0" err="1"/>
+              <a:t>Physical</a:t>
+            </a:r>
+            <a:r>
+              <a:rPr lang="de-DE" dirty="0"/>
+              <a:t>, 2000</a:t>
+            </a:r>
           </a:p>
         </p:txBody>
       </p:sp>
@@ -3884,7 +5383,7 @@
           <p:nvPr/>
         </p:nvPicPr>
         <p:blipFill>
-          <a:blip r:embed="rId2"/>
+          <a:blip r:embed="rId3"/>
           <a:stretch>
             <a:fillRect/>
           </a:stretch>
@@ -3912,7 +5411,7 @@
 </p:sld>
 </file>
 
-<file path=ppt/slides/slide8.xml><?xml version="1.0" encoding="utf-8"?>
+<file path=ppt/slides/slide7.xml><?xml version="1.0" encoding="utf-8"?>
 <p:sld xmlns:a="http://schemas.openxmlformats.org/drawingml/2006/main" xmlns:r="http://schemas.openxmlformats.org/officeDocument/2006/relationships" xmlns:p="http://schemas.openxmlformats.org/presentationml/2006/main">
   <p:cSld>
     <p:spTree>
@@ -4149,7 +5648,7 @@
           </p:nvPr>
         </p:nvPicPr>
         <p:blipFill>
-          <a:blip r:embed="rId2">
+          <a:blip r:embed="rId2" cstate="print">
             <a:extLst>
               <a:ext uri="{28A0092B-C50C-407E-A947-70E740481C1C}">
                 <a14:useLocalDpi xmlns:a14="http://schemas.microsoft.com/office/drawing/2010/main" val="0"/>

--- a/High_Aspect_Ratio_MEMS.pptx
+++ b/High_Aspect_Ratio_MEMS.pptx
@@ -610,110 +610,229 @@
           <a:bodyPr/>
           <a:lstStyle/>
           <a:p>
-            <a:r>
-              <a:rPr lang="de-DE" dirty="0"/>
-              <a:t>Johannes</a:t>
-            </a:r>
-          </a:p>
-          <a:p>
-            <a:pPr marL="171450" indent="-171450">
+            <a:pPr marL="0" marR="0" lvl="0" indent="0" algn="l" defTabSz="914400" rtl="0" eaLnBrk="1" fontAlgn="auto" latinLnBrk="0" hangingPunct="1">
+              <a:lnSpc>
+                <a:spcPct val="100000"/>
+              </a:lnSpc>
+              <a:spcBef>
+                <a:spcPts val="0"/>
+              </a:spcBef>
+              <a:spcAft>
+                <a:spcPts val="0"/>
+              </a:spcAft>
+              <a:buClrTx/>
+              <a:buSzTx/>
+              <a:buFontTx/>
+              <a:buNone/>
+              <a:tabLst/>
+              <a:defRPr/>
+            </a:pPr>
+            <a:r>
+              <a:rPr lang="de-DE" dirty="0"/>
+              <a:t>-   Harm </a:t>
+            </a:r>
+            <a:r>
+              <a:rPr lang="de-DE" dirty="0" err="1"/>
+              <a:t>is</a:t>
+            </a:r>
+            <a:r>
+              <a:rPr lang="de-DE" dirty="0"/>
+              <a:t> </a:t>
+            </a:r>
+            <a:r>
+              <a:rPr lang="de-DE" dirty="0" err="1"/>
+              <a:t>defined</a:t>
+            </a:r>
+            <a:r>
+              <a:rPr lang="de-DE" dirty="0"/>
+              <a:t> </a:t>
+            </a:r>
+            <a:r>
+              <a:rPr lang="de-DE" dirty="0" err="1"/>
+              <a:t>bigger</a:t>
+            </a:r>
+            <a:r>
+              <a:rPr lang="de-DE" dirty="0"/>
+              <a:t> </a:t>
+            </a:r>
+            <a:r>
+              <a:rPr lang="de-DE" dirty="0" err="1"/>
+              <a:t>than</a:t>
+            </a:r>
+            <a:r>
+              <a:rPr lang="de-DE" dirty="0"/>
+              <a:t> 10:1</a:t>
+            </a:r>
+          </a:p>
+          <a:p>
+            <a:pPr marL="171450" marR="0" lvl="0" indent="-171450" algn="l" defTabSz="914400" rtl="0" eaLnBrk="1" fontAlgn="auto" latinLnBrk="0" hangingPunct="1">
+              <a:lnSpc>
+                <a:spcPct val="100000"/>
+              </a:lnSpc>
+              <a:spcBef>
+                <a:spcPts val="0"/>
+              </a:spcBef>
+              <a:spcAft>
+                <a:spcPts val="0"/>
+              </a:spcAft>
+              <a:buClrTx/>
+              <a:buSzTx/>
               <a:buFontTx/>
               <a:buChar char="-"/>
+              <a:tabLst/>
+              <a:defRPr/>
             </a:pPr>
             <a:r>
-              <a:rPr lang="de-DE" dirty="0" err="1"/>
-              <a:t>There</a:t>
-            </a:r>
-            <a:r>
-              <a:rPr lang="de-DE" dirty="0"/>
-              <a:t> </a:t>
-            </a:r>
-            <a:r>
-              <a:rPr lang="de-DE" dirty="0" err="1"/>
-              <a:t>are</a:t>
-            </a:r>
-            <a:r>
-              <a:rPr lang="de-DE" dirty="0"/>
-              <a:t> so </a:t>
-            </a:r>
-            <a:r>
-              <a:rPr lang="de-DE" dirty="0" err="1"/>
-              <a:t>many</a:t>
-            </a:r>
-            <a:r>
-              <a:rPr lang="de-DE" dirty="0"/>
-              <a:t> different </a:t>
-            </a:r>
-            <a:r>
-              <a:rPr lang="de-DE" dirty="0" err="1"/>
-              <a:t>applications</a:t>
-            </a:r>
-            <a:r>
-              <a:rPr lang="de-DE" dirty="0"/>
-              <a:t> </a:t>
-            </a:r>
-            <a:r>
-              <a:rPr lang="de-DE" dirty="0" err="1"/>
-              <a:t>for</a:t>
-            </a:r>
-            <a:r>
-              <a:rPr lang="de-DE" dirty="0"/>
-              <a:t> </a:t>
-            </a:r>
-            <a:r>
-              <a:rPr lang="de-DE" dirty="0" err="1"/>
-              <a:t>microstructures</a:t>
-            </a:r>
-            <a:r>
-              <a:rPr lang="de-DE" dirty="0"/>
-              <a:t> </a:t>
-            </a:r>
-            <a:r>
-              <a:rPr lang="de-DE" dirty="0" err="1"/>
-              <a:t>with</a:t>
-            </a:r>
-            <a:r>
-              <a:rPr lang="de-DE" dirty="0"/>
-              <a:t> High </a:t>
-            </a:r>
-            <a:r>
-              <a:rPr lang="de-DE" dirty="0" err="1"/>
-              <a:t>aspect</a:t>
-            </a:r>
-            <a:r>
-              <a:rPr lang="de-DE" dirty="0"/>
-              <a:t> </a:t>
-            </a:r>
-            <a:r>
-              <a:rPr lang="de-DE" dirty="0" err="1"/>
-              <a:t>ratio</a:t>
+              <a:rPr lang="de-DE" dirty="0"/>
+              <a:t>High </a:t>
+            </a:r>
+            <a:r>
+              <a:rPr lang="de-DE" dirty="0" err="1"/>
+              <a:t>packaging</a:t>
+            </a:r>
+            <a:r>
+              <a:rPr lang="de-DE" dirty="0"/>
+              <a:t> </a:t>
+            </a:r>
+            <a:r>
+              <a:rPr lang="de-DE" dirty="0" err="1"/>
+              <a:t>density</a:t>
+            </a:r>
+            <a:r>
+              <a:rPr lang="de-DE" dirty="0"/>
+              <a:t>: </a:t>
+            </a:r>
+            <a:r>
+              <a:rPr lang="de-DE" dirty="0" err="1"/>
+              <a:t>can</a:t>
+            </a:r>
+            <a:r>
+              <a:rPr lang="de-DE" dirty="0"/>
+              <a:t> </a:t>
+            </a:r>
+            <a:r>
+              <a:rPr lang="de-DE" dirty="0" err="1"/>
+              <a:t>use</a:t>
+            </a:r>
+            <a:r>
+              <a:rPr lang="de-DE" dirty="0"/>
+              <a:t> </a:t>
+            </a:r>
+            <a:r>
+              <a:rPr lang="de-DE" dirty="0" err="1"/>
+              <a:t>the</a:t>
+            </a:r>
+            <a:r>
+              <a:rPr lang="de-DE" dirty="0"/>
+              <a:t> </a:t>
+            </a:r>
+            <a:r>
+              <a:rPr lang="de-DE" dirty="0" err="1"/>
+              <a:t>hight</a:t>
+            </a:r>
+            <a:r>
+              <a:rPr lang="de-DE" dirty="0"/>
+              <a:t> </a:t>
+            </a:r>
+            <a:r>
+              <a:rPr lang="de-DE" dirty="0" err="1"/>
+              <a:t>rather</a:t>
+            </a:r>
+            <a:r>
+              <a:rPr lang="de-DE" dirty="0"/>
+              <a:t> </a:t>
+            </a:r>
+            <a:r>
+              <a:rPr lang="de-DE" dirty="0" err="1"/>
+              <a:t>than</a:t>
+            </a:r>
+            <a:r>
+              <a:rPr lang="de-DE" dirty="0"/>
+              <a:t> </a:t>
+            </a:r>
+            <a:r>
+              <a:rPr lang="de-DE" dirty="0" err="1"/>
+              <a:t>the</a:t>
+            </a:r>
+            <a:r>
+              <a:rPr lang="de-DE" dirty="0"/>
+              <a:t> </a:t>
+            </a:r>
+            <a:r>
+              <a:rPr lang="de-DE" dirty="0" err="1"/>
+              <a:t>area</a:t>
             </a:r>
             <a:endParaRPr lang="de-DE" dirty="0"/>
           </a:p>
           <a:p>
-            <a:pPr marL="171450" indent="-171450">
+            <a:pPr marL="171450" marR="0" lvl="0" indent="-171450" algn="l" defTabSz="914400" rtl="0" eaLnBrk="1" fontAlgn="auto" latinLnBrk="0" hangingPunct="1">
+              <a:lnSpc>
+                <a:spcPct val="100000"/>
+              </a:lnSpc>
+              <a:spcBef>
+                <a:spcPts val="0"/>
+              </a:spcBef>
+              <a:spcAft>
+                <a:spcPts val="0"/>
+              </a:spcAft>
+              <a:buClrTx/>
+              <a:buSzTx/>
               <a:buFontTx/>
               <a:buChar char="-"/>
+              <a:tabLst/>
+              <a:defRPr/>
             </a:pPr>
             <a:r>
               <a:rPr lang="de-DE" dirty="0" err="1"/>
-              <a:t>One</a:t>
-            </a:r>
-            <a:r>
-              <a:rPr lang="de-DE" dirty="0"/>
-              <a:t> </a:t>
-            </a:r>
-            <a:r>
-              <a:rPr lang="de-DE" dirty="0" err="1"/>
-              <a:t>big</a:t>
-            </a:r>
-            <a:r>
-              <a:rPr lang="de-DE" dirty="0"/>
-              <a:t> </a:t>
-            </a:r>
-            <a:r>
-              <a:rPr lang="de-DE" dirty="0" err="1"/>
-              <a:t>area</a:t>
+              <a:t>Releasd</a:t>
+            </a:r>
+            <a:r>
+              <a:rPr lang="de-DE" dirty="0"/>
+              <a:t> </a:t>
+            </a:r>
+            <a:r>
+              <a:rPr lang="de-DE" dirty="0" err="1"/>
+              <a:t>features</a:t>
+            </a:r>
+            <a:r>
+              <a:rPr lang="de-DE" dirty="0"/>
+              <a:t>: </a:t>
+            </a:r>
+            <a:r>
+              <a:rPr lang="de-DE" dirty="0" err="1"/>
+              <a:t>fixd</a:t>
+            </a:r>
+            <a:r>
+              <a:rPr lang="de-DE" dirty="0"/>
+              <a:t> on </a:t>
+            </a:r>
+            <a:r>
+              <a:rPr lang="de-DE" dirty="0" err="1"/>
+              <a:t>several</a:t>
+            </a:r>
+            <a:r>
+              <a:rPr lang="de-DE" dirty="0"/>
+              <a:t> </a:t>
+            </a:r>
+            <a:r>
+              <a:rPr lang="de-DE" dirty="0" err="1"/>
+              <a:t>pionts</a:t>
+            </a:r>
+            <a:r>
+              <a:rPr lang="de-DE" dirty="0"/>
+              <a:t> but </a:t>
+            </a:r>
+            <a:r>
+              <a:rPr lang="de-DE" dirty="0" err="1"/>
+              <a:t>e.g</a:t>
+            </a:r>
+            <a:r>
+              <a:rPr lang="de-DE" dirty="0"/>
+              <a:t> </a:t>
+            </a:r>
+            <a:r>
+              <a:rPr lang="de-DE" dirty="0" err="1"/>
+              <a:t>kind</a:t>
             </a:r>
             <a:r>
               <a:rPr lang="de-DE" dirty="0"/>
@@ -729,308 +848,497 @@
             </a:r>
             <a:r>
               <a:rPr lang="de-DE" dirty="0" err="1"/>
-              <a:t>applications</a:t>
-            </a:r>
-            <a:r>
-              <a:rPr lang="de-DE" dirty="0"/>
-              <a:t> </a:t>
-            </a:r>
-            <a:r>
-              <a:rPr lang="de-DE" dirty="0" err="1"/>
-              <a:t>is</a:t>
-            </a:r>
-            <a:r>
-              <a:rPr lang="de-DE" dirty="0"/>
-              <a:t> </a:t>
-            </a:r>
-            <a:r>
-              <a:rPr lang="de-DE" dirty="0" err="1"/>
-              <a:t>micro</a:t>
-            </a:r>
-            <a:r>
-              <a:rPr lang="de-DE" dirty="0"/>
-              <a:t> inertial </a:t>
-            </a:r>
-            <a:r>
-              <a:rPr lang="de-DE" dirty="0" err="1"/>
-              <a:t>sensors</a:t>
+              <a:t>hovering</a:t>
+            </a:r>
+            <a:r>
+              <a:rPr lang="de-DE" dirty="0"/>
+              <a:t> in </a:t>
+            </a:r>
+            <a:r>
+              <a:rPr lang="de-DE" dirty="0" err="1"/>
+              <a:t>the</a:t>
+            </a:r>
+            <a:r>
+              <a:rPr lang="de-DE" dirty="0"/>
+              <a:t> </a:t>
+            </a:r>
+            <a:r>
+              <a:rPr lang="de-DE" dirty="0" err="1"/>
+              <a:t>middle</a:t>
+            </a:r>
+            <a:r>
+              <a:rPr lang="de-DE" dirty="0"/>
+              <a:t> (</a:t>
+            </a:r>
+            <a:r>
+              <a:rPr lang="de-DE" dirty="0" err="1"/>
+              <a:t>no</a:t>
+            </a:r>
+            <a:r>
+              <a:rPr lang="de-DE" dirty="0"/>
+              <a:t> </a:t>
+            </a:r>
+            <a:r>
+              <a:rPr lang="de-DE" dirty="0" err="1"/>
+              <a:t>contact</a:t>
+            </a:r>
+            <a:r>
+              <a:rPr lang="de-DE" dirty="0"/>
+              <a:t> </a:t>
+            </a:r>
+            <a:r>
+              <a:rPr lang="de-DE" dirty="0" err="1"/>
+              <a:t>to</a:t>
+            </a:r>
+            <a:r>
+              <a:rPr lang="de-DE" dirty="0"/>
+              <a:t> </a:t>
+            </a:r>
+            <a:r>
+              <a:rPr lang="de-DE" dirty="0" err="1"/>
+              <a:t>the</a:t>
+            </a:r>
+            <a:r>
+              <a:rPr lang="de-DE" dirty="0"/>
+              <a:t> </a:t>
+            </a:r>
+            <a:r>
+              <a:rPr lang="de-DE" dirty="0" err="1"/>
+              <a:t>substrade</a:t>
             </a:r>
             <a:endParaRPr lang="de-DE" dirty="0"/>
           </a:p>
           <a:p>
-            <a:pPr marL="171450" indent="-171450">
+            <a:pPr marL="171450" marR="0" lvl="0" indent="-171450" algn="l" defTabSz="914400" rtl="0" eaLnBrk="1" fontAlgn="auto" latinLnBrk="0" hangingPunct="1">
+              <a:lnSpc>
+                <a:spcPct val="100000"/>
+              </a:lnSpc>
+              <a:spcBef>
+                <a:spcPts val="0"/>
+              </a:spcBef>
+              <a:spcAft>
+                <a:spcPts val="0"/>
+              </a:spcAft>
+              <a:buClrTx/>
+              <a:buSzTx/>
               <a:buFontTx/>
               <a:buChar char="-"/>
+              <a:tabLst/>
+              <a:defRPr/>
             </a:pPr>
             <a:r>
-              <a:rPr lang="de-DE" dirty="0"/>
-              <a:t>Application in </a:t>
-            </a:r>
-            <a:r>
-              <a:rPr lang="de-DE" dirty="0" err="1"/>
-              <a:t>automotive</a:t>
-            </a:r>
-            <a:r>
-              <a:rPr lang="de-DE" dirty="0"/>
-              <a:t>, </a:t>
-            </a:r>
-            <a:r>
-              <a:rPr lang="de-DE" dirty="0" err="1"/>
-              <a:t>smartphone</a:t>
-            </a:r>
-            <a:r>
-              <a:rPr lang="de-DE" dirty="0"/>
-              <a:t> etc.</a:t>
-            </a:r>
-          </a:p>
-          <a:p>
-            <a:pPr marL="171450" indent="-171450">
+              <a:rPr lang="de-DE" dirty="0" err="1"/>
+              <a:t>Increase</a:t>
+            </a:r>
+            <a:r>
+              <a:rPr lang="de-DE" dirty="0"/>
+              <a:t> </a:t>
+            </a:r>
+            <a:r>
+              <a:rPr lang="de-DE" dirty="0" err="1"/>
+              <a:t>capacites</a:t>
+            </a:r>
+            <a:r>
+              <a:rPr lang="de-DE" dirty="0"/>
+              <a:t>: </a:t>
+            </a:r>
+            <a:r>
+              <a:rPr lang="de-DE" dirty="0" err="1"/>
+              <a:t>sensors</a:t>
+            </a:r>
+            <a:r>
+              <a:rPr lang="de-DE" dirty="0"/>
+              <a:t> </a:t>
+            </a:r>
+            <a:r>
+              <a:rPr lang="de-DE" dirty="0" err="1"/>
+              <a:t>detect</a:t>
+            </a:r>
+            <a:r>
+              <a:rPr lang="de-DE" dirty="0"/>
+              <a:t> </a:t>
+            </a:r>
+            <a:r>
+              <a:rPr lang="de-DE" dirty="0" err="1"/>
+              <a:t>chances</a:t>
+            </a:r>
+            <a:r>
+              <a:rPr lang="de-DE" dirty="0"/>
+              <a:t> in in </a:t>
+            </a:r>
+            <a:r>
+              <a:rPr lang="de-DE" dirty="0" err="1"/>
+              <a:t>some</a:t>
+            </a:r>
+            <a:r>
+              <a:rPr lang="de-DE" dirty="0"/>
+              <a:t> internal </a:t>
+            </a:r>
+            <a:r>
+              <a:rPr lang="de-DE" dirty="0" err="1"/>
+              <a:t>capacities</a:t>
+            </a:r>
+            <a:r>
+              <a:rPr lang="de-DE" dirty="0"/>
+              <a:t> -&gt; </a:t>
+            </a:r>
+            <a:r>
+              <a:rPr lang="de-DE" dirty="0" err="1"/>
+              <a:t>easier</a:t>
+            </a:r>
+            <a:r>
+              <a:rPr lang="de-DE" dirty="0"/>
+              <a:t> </a:t>
+            </a:r>
+            <a:r>
+              <a:rPr lang="de-DE" dirty="0" err="1"/>
+              <a:t>to</a:t>
+            </a:r>
+            <a:r>
+              <a:rPr lang="de-DE" dirty="0"/>
+              <a:t> </a:t>
+            </a:r>
+            <a:r>
+              <a:rPr lang="de-DE" dirty="0" err="1"/>
+              <a:t>detect</a:t>
+            </a:r>
+            <a:r>
+              <a:rPr lang="de-DE" dirty="0"/>
+              <a:t> </a:t>
+            </a:r>
+            <a:r>
+              <a:rPr lang="de-DE" dirty="0" err="1"/>
+              <a:t>those</a:t>
+            </a:r>
+            <a:r>
+              <a:rPr lang="de-DE" dirty="0"/>
+              <a:t> in </a:t>
+            </a:r>
+            <a:r>
+              <a:rPr lang="de-DE" dirty="0" err="1"/>
+              <a:t>bigger</a:t>
+            </a:r>
+            <a:endParaRPr lang="de-DE" dirty="0"/>
+          </a:p>
+          <a:p>
+            <a:pPr marL="171450" marR="0" lvl="0" indent="-171450" algn="l" defTabSz="914400" rtl="0" eaLnBrk="1" fontAlgn="auto" latinLnBrk="0" hangingPunct="1">
+              <a:lnSpc>
+                <a:spcPct val="100000"/>
+              </a:lnSpc>
+              <a:spcBef>
+                <a:spcPts val="0"/>
+              </a:spcBef>
+              <a:spcAft>
+                <a:spcPts val="0"/>
+              </a:spcAft>
+              <a:buClrTx/>
+              <a:buSzTx/>
               <a:buFontTx/>
               <a:buChar char="-"/>
+              <a:tabLst/>
+              <a:defRPr/>
             </a:pPr>
-            <a:r>
-              <a:rPr lang="de-DE" dirty="0" err="1"/>
-              <a:t>With</a:t>
-            </a:r>
-            <a:r>
-              <a:rPr lang="de-DE" dirty="0"/>
-              <a:t> high </a:t>
-            </a:r>
-            <a:r>
-              <a:rPr lang="de-DE" dirty="0" err="1"/>
-              <a:t>aspect</a:t>
-            </a:r>
-            <a:r>
-              <a:rPr lang="de-DE" dirty="0"/>
-              <a:t> </a:t>
-            </a:r>
-            <a:r>
-              <a:rPr lang="de-DE" dirty="0" err="1"/>
-              <a:t>ratio</a:t>
-            </a:r>
-            <a:r>
-              <a:rPr lang="de-DE" dirty="0"/>
-              <a:t> </a:t>
-            </a:r>
-            <a:r>
-              <a:rPr lang="de-DE" dirty="0" err="1"/>
-              <a:t>it</a:t>
-            </a:r>
-            <a:r>
-              <a:rPr lang="de-DE" dirty="0"/>
-              <a:t> </a:t>
-            </a:r>
-            <a:r>
-              <a:rPr lang="de-DE" dirty="0" err="1"/>
-              <a:t>is</a:t>
-            </a:r>
-            <a:r>
-              <a:rPr lang="de-DE" dirty="0"/>
-              <a:t> possible </a:t>
-            </a:r>
-            <a:r>
-              <a:rPr lang="de-DE" dirty="0" err="1"/>
-              <a:t>to</a:t>
-            </a:r>
-            <a:r>
-              <a:rPr lang="de-DE" dirty="0"/>
-              <a:t> </a:t>
-            </a:r>
-            <a:r>
-              <a:rPr lang="de-DE" dirty="0" err="1"/>
-              <a:t>increase</a:t>
-            </a:r>
-            <a:r>
-              <a:rPr lang="de-DE" dirty="0"/>
-              <a:t> </a:t>
-            </a:r>
-            <a:r>
-              <a:rPr lang="de-DE" dirty="0" err="1"/>
-              <a:t>the</a:t>
-            </a:r>
-            <a:r>
-              <a:rPr lang="de-DE" dirty="0"/>
-              <a:t> </a:t>
-            </a:r>
-            <a:r>
-              <a:rPr lang="de-DE" dirty="0" err="1"/>
-              <a:t>sensivity</a:t>
-            </a:r>
-            <a:r>
-              <a:rPr lang="de-DE" dirty="0"/>
-              <a:t> </a:t>
-            </a:r>
-            <a:r>
-              <a:rPr lang="de-DE" dirty="0" err="1"/>
-              <a:t>of</a:t>
-            </a:r>
-            <a:r>
-              <a:rPr lang="de-DE" dirty="0"/>
-              <a:t> </a:t>
-            </a:r>
-            <a:r>
-              <a:rPr lang="de-DE" dirty="0" err="1"/>
-              <a:t>those</a:t>
-            </a:r>
-            <a:r>
-              <a:rPr lang="de-DE" dirty="0"/>
-              <a:t> </a:t>
-            </a:r>
-            <a:r>
-              <a:rPr lang="de-DE" dirty="0" err="1"/>
-              <a:t>sensors</a:t>
-            </a:r>
             <a:endParaRPr lang="de-DE" dirty="0"/>
           </a:p>
           <a:p>
-            <a:pPr marL="171450" indent="-171450">
+            <a:pPr marL="171450" marR="0" lvl="0" indent="-171450" algn="l" defTabSz="914400" rtl="0" eaLnBrk="1" fontAlgn="auto" latinLnBrk="0" hangingPunct="1">
+              <a:lnSpc>
+                <a:spcPct val="100000"/>
+              </a:lnSpc>
+              <a:spcBef>
+                <a:spcPts val="0"/>
+              </a:spcBef>
+              <a:spcAft>
+                <a:spcPts val="0"/>
+              </a:spcAft>
+              <a:buClrTx/>
+              <a:buSzTx/>
               <a:buFontTx/>
               <a:buChar char="-"/>
+              <a:tabLst/>
+              <a:defRPr/>
             </a:pPr>
             <a:r>
-              <a:rPr lang="de-DE" dirty="0" err="1"/>
-              <a:t>Nanotubes</a:t>
-            </a:r>
-            <a:r>
-              <a:rPr lang="de-DE" dirty="0"/>
-              <a:t>: </a:t>
-            </a:r>
-            <a:r>
-              <a:rPr lang="de-DE" dirty="0" err="1"/>
-              <a:t>framework</a:t>
-            </a:r>
-            <a:r>
-              <a:rPr lang="de-DE" dirty="0"/>
-              <a:t> </a:t>
-            </a:r>
-            <a:r>
-              <a:rPr lang="de-DE" dirty="0" err="1"/>
-              <a:t>for</a:t>
-            </a:r>
-            <a:r>
-              <a:rPr lang="de-DE" dirty="0"/>
-              <a:t> </a:t>
-            </a:r>
-            <a:r>
-              <a:rPr lang="de-DE" dirty="0" err="1"/>
-              <a:t>builing</a:t>
-            </a:r>
-            <a:r>
-              <a:rPr lang="de-DE" dirty="0"/>
-              <a:t> </a:t>
-            </a:r>
-            <a:r>
-              <a:rPr lang="de-DE" dirty="0" err="1"/>
-              <a:t>microstructures</a:t>
-            </a:r>
-            <a:r>
-              <a:rPr lang="de-DE" dirty="0"/>
-              <a:t> </a:t>
-            </a:r>
-            <a:r>
-              <a:rPr lang="de-DE" dirty="0" err="1"/>
-              <a:t>with</a:t>
-            </a:r>
-            <a:r>
-              <a:rPr lang="de-DE" dirty="0"/>
-              <a:t> HAR</a:t>
-            </a:r>
-          </a:p>
-          <a:p>
-            <a:pPr marL="171450" indent="-171450">
+              <a:rPr lang="de-DE" dirty="0"/>
+              <a:t>Not </a:t>
+            </a:r>
+            <a:r>
+              <a:rPr lang="de-DE" dirty="0" err="1"/>
+              <a:t>every</a:t>
+            </a:r>
+            <a:r>
+              <a:rPr lang="de-DE" dirty="0"/>
+              <a:t> </a:t>
+            </a:r>
+            <a:r>
+              <a:rPr lang="de-DE" dirty="0" err="1"/>
+              <a:t>process</a:t>
+            </a:r>
+            <a:r>
+              <a:rPr lang="de-DE" dirty="0"/>
+              <a:t> </a:t>
+            </a:r>
+            <a:r>
+              <a:rPr lang="de-DE" dirty="0" err="1"/>
+              <a:t>is</a:t>
+            </a:r>
+            <a:r>
+              <a:rPr lang="de-DE" dirty="0"/>
+              <a:t> </a:t>
+            </a:r>
+            <a:r>
+              <a:rPr lang="de-DE" dirty="0" err="1"/>
+              <a:t>can</a:t>
+            </a:r>
+            <a:r>
+              <a:rPr lang="de-DE" dirty="0"/>
+              <a:t> </a:t>
+            </a:r>
+            <a:r>
+              <a:rPr lang="de-DE" dirty="0" err="1"/>
+              <a:t>reach</a:t>
+            </a:r>
+            <a:r>
+              <a:rPr lang="de-DE" dirty="0"/>
+              <a:t> </a:t>
+            </a:r>
+            <a:r>
+              <a:rPr lang="de-DE" dirty="0" err="1"/>
+              <a:t>the</a:t>
+            </a:r>
+            <a:r>
+              <a:rPr lang="de-DE" dirty="0"/>
+              <a:t> same </a:t>
+            </a:r>
+            <a:r>
+              <a:rPr lang="de-DE" dirty="0" err="1"/>
+              <a:t>aspect</a:t>
+            </a:r>
+            <a:r>
+              <a:rPr lang="de-DE" dirty="0"/>
+              <a:t> </a:t>
+            </a:r>
+            <a:r>
+              <a:rPr lang="de-DE" dirty="0" err="1"/>
+              <a:t>ratio</a:t>
+            </a:r>
+            <a:r>
+              <a:rPr lang="de-DE" dirty="0"/>
+              <a:t> </a:t>
+            </a:r>
+            <a:r>
+              <a:rPr lang="de-DE" dirty="0" err="1"/>
+              <a:t>mentiond</a:t>
+            </a:r>
+            <a:r>
+              <a:rPr lang="de-DE" dirty="0"/>
+              <a:t> in </a:t>
+            </a:r>
+            <a:r>
+              <a:rPr lang="de-DE" dirty="0" err="1"/>
+              <a:t>futher</a:t>
+            </a:r>
+            <a:r>
+              <a:rPr lang="de-DE" dirty="0"/>
+              <a:t> </a:t>
+            </a:r>
+            <a:r>
+              <a:rPr lang="de-DE" dirty="0" err="1"/>
+              <a:t>piont</a:t>
+            </a:r>
+            <a:r>
+              <a:rPr lang="de-DE" dirty="0"/>
+              <a:t> </a:t>
+            </a:r>
+            <a:r>
+              <a:rPr lang="de-DE" dirty="0" err="1"/>
+              <a:t>of</a:t>
+            </a:r>
+            <a:r>
+              <a:rPr lang="de-DE" dirty="0"/>
+              <a:t> </a:t>
+            </a:r>
+            <a:r>
+              <a:rPr lang="de-DE" dirty="0" err="1"/>
+              <a:t>the</a:t>
+            </a:r>
+            <a:r>
+              <a:rPr lang="de-DE" dirty="0"/>
+              <a:t> </a:t>
+            </a:r>
+            <a:r>
+              <a:rPr lang="de-DE" dirty="0" err="1"/>
+              <a:t>presentation</a:t>
+            </a:r>
+            <a:endParaRPr lang="de-DE" dirty="0"/>
+          </a:p>
+          <a:p>
+            <a:pPr marL="171450" marR="0" lvl="0" indent="-171450" algn="l" defTabSz="914400" rtl="0" eaLnBrk="1" fontAlgn="auto" latinLnBrk="0" hangingPunct="1">
+              <a:lnSpc>
+                <a:spcPct val="100000"/>
+              </a:lnSpc>
+              <a:spcBef>
+                <a:spcPts val="0"/>
+              </a:spcBef>
+              <a:spcAft>
+                <a:spcPts val="0"/>
+              </a:spcAft>
+              <a:buClrTx/>
+              <a:buSzTx/>
               <a:buFontTx/>
               <a:buChar char="-"/>
+              <a:tabLst/>
+              <a:defRPr/>
             </a:pPr>
             <a:r>
-              <a:rPr lang="de-DE" dirty="0"/>
-              <a:t>3d </a:t>
-            </a:r>
-            <a:r>
-              <a:rPr lang="de-DE" dirty="0" err="1"/>
-              <a:t>circuit</a:t>
-            </a:r>
-            <a:r>
-              <a:rPr lang="de-DE" dirty="0"/>
-              <a:t> </a:t>
-            </a:r>
-            <a:r>
-              <a:rPr lang="de-DE" dirty="0" err="1"/>
-              <a:t>integration</a:t>
-            </a:r>
-            <a:r>
-              <a:rPr lang="de-DE" dirty="0"/>
-              <a:t>: high </a:t>
-            </a:r>
-            <a:r>
-              <a:rPr lang="de-DE" dirty="0" err="1"/>
-              <a:t>aspect</a:t>
-            </a:r>
-            <a:r>
-              <a:rPr lang="de-DE" dirty="0"/>
-              <a:t> </a:t>
-            </a:r>
-            <a:r>
-              <a:rPr lang="de-DE" dirty="0" err="1"/>
-              <a:t>ratio</a:t>
-            </a:r>
-            <a:r>
-              <a:rPr lang="de-DE" dirty="0"/>
-              <a:t> </a:t>
-            </a:r>
-            <a:r>
-              <a:rPr lang="de-DE" dirty="0" err="1"/>
-              <a:t>for</a:t>
-            </a:r>
-            <a:r>
-              <a:rPr lang="de-DE" dirty="0"/>
-              <a:t> </a:t>
-            </a:r>
-            <a:r>
-              <a:rPr lang="de-DE" dirty="0" err="1"/>
-              <a:t>circuit</a:t>
-            </a:r>
-            <a:r>
-              <a:rPr lang="de-DE" dirty="0"/>
-              <a:t> </a:t>
-            </a:r>
-            <a:r>
-              <a:rPr lang="de-DE" dirty="0" err="1"/>
-              <a:t>paths</a:t>
+              <a:rPr lang="de-DE" dirty="0" err="1"/>
+              <a:t>Mechanical</a:t>
+            </a:r>
+            <a:r>
+              <a:rPr lang="de-DE" dirty="0"/>
+              <a:t> </a:t>
+            </a:r>
+            <a:r>
+              <a:rPr lang="de-DE" dirty="0" err="1"/>
+              <a:t>effects</a:t>
+            </a:r>
+            <a:r>
+              <a:rPr lang="de-DE" dirty="0"/>
+              <a:t>: </a:t>
+            </a:r>
+            <a:r>
+              <a:rPr lang="de-DE" dirty="0" err="1"/>
+              <a:t>own</a:t>
+            </a:r>
+            <a:r>
+              <a:rPr lang="de-DE" dirty="0"/>
+              <a:t> </a:t>
+            </a:r>
+            <a:r>
+              <a:rPr lang="de-DE" dirty="0" err="1"/>
+              <a:t>weigth</a:t>
+            </a:r>
+            <a:r>
+              <a:rPr lang="de-DE" dirty="0"/>
+              <a:t>, </a:t>
+            </a:r>
+            <a:r>
+              <a:rPr lang="de-DE" dirty="0" err="1"/>
+              <a:t>inertial</a:t>
+            </a:r>
+            <a:r>
+              <a:rPr lang="de-DE" dirty="0"/>
+              <a:t> (Trägheit), angle </a:t>
+            </a:r>
+            <a:r>
+              <a:rPr lang="de-DE" dirty="0" err="1"/>
+              <a:t>to</a:t>
+            </a:r>
+            <a:r>
+              <a:rPr lang="de-DE" dirty="0"/>
+              <a:t> </a:t>
+            </a:r>
+            <a:r>
+              <a:rPr lang="de-DE" dirty="0" err="1"/>
+              <a:t>ground</a:t>
+            </a:r>
+            <a:r>
+              <a:rPr lang="de-DE" dirty="0"/>
+              <a:t> </a:t>
+            </a:r>
+            <a:r>
+              <a:rPr lang="de-DE" dirty="0" err="1"/>
+              <a:t>plate</a:t>
+            </a:r>
+            <a:r>
+              <a:rPr lang="de-DE" dirty="0"/>
+              <a:t> ( </a:t>
+            </a:r>
+            <a:r>
+              <a:rPr lang="de-DE" dirty="0" err="1"/>
+              <a:t>to</a:t>
+            </a:r>
+            <a:r>
+              <a:rPr lang="de-DE" dirty="0"/>
+              <a:t> high </a:t>
+            </a:r>
+            <a:r>
+              <a:rPr lang="de-DE" dirty="0" err="1"/>
+              <a:t>and</a:t>
+            </a:r>
+            <a:r>
+              <a:rPr lang="de-DE" dirty="0"/>
+              <a:t> </a:t>
+            </a:r>
+            <a:r>
+              <a:rPr lang="de-DE" dirty="0" err="1"/>
+              <a:t>to</a:t>
+            </a:r>
+            <a:r>
+              <a:rPr lang="de-DE" dirty="0"/>
+              <a:t> </a:t>
+            </a:r>
+            <a:r>
+              <a:rPr lang="de-DE" dirty="0" err="1"/>
+              <a:t>much</a:t>
+            </a:r>
+            <a:r>
+              <a:rPr lang="de-DE" dirty="0"/>
+              <a:t> angle -&gt; </a:t>
+            </a:r>
+            <a:r>
+              <a:rPr lang="de-DE" dirty="0" err="1"/>
+              <a:t>it</a:t>
+            </a:r>
+            <a:r>
+              <a:rPr lang="de-DE" dirty="0"/>
+              <a:t> will </a:t>
+            </a:r>
+            <a:r>
+              <a:rPr lang="de-DE" dirty="0" err="1"/>
+              <a:t>tillt</a:t>
             </a:r>
             <a:endParaRPr lang="de-DE" dirty="0"/>
           </a:p>
           <a:p>
-            <a:pPr marL="171450" indent="-171450">
+            <a:pPr marL="171450" marR="0" lvl="0" indent="-171450" algn="l" defTabSz="914400" rtl="0" eaLnBrk="1" fontAlgn="auto" latinLnBrk="0" hangingPunct="1">
+              <a:lnSpc>
+                <a:spcPct val="100000"/>
+              </a:lnSpc>
+              <a:spcBef>
+                <a:spcPts val="0"/>
+              </a:spcBef>
+              <a:spcAft>
+                <a:spcPts val="0"/>
+              </a:spcAft>
+              <a:buClrTx/>
+              <a:buSzTx/>
               <a:buFontTx/>
               <a:buChar char="-"/>
+              <a:tabLst/>
+              <a:defRPr/>
             </a:pPr>
             <a:endParaRPr lang="de-DE" dirty="0"/>
           </a:p>
           <a:p>
-            <a:pPr marL="171450" indent="-171450">
+            <a:pPr marL="0" marR="0" lvl="0" indent="0" algn="l" defTabSz="914400" rtl="0" eaLnBrk="1" fontAlgn="auto" latinLnBrk="0" hangingPunct="1">
+              <a:lnSpc>
+                <a:spcPct val="100000"/>
+              </a:lnSpc>
+              <a:spcBef>
+                <a:spcPts val="0"/>
+              </a:spcBef>
+              <a:spcAft>
+                <a:spcPts val="0"/>
+              </a:spcAft>
+              <a:buClrTx/>
+              <a:buSzTx/>
               <a:buFontTx/>
-              <a:buChar char="-"/>
-            </a:pPr>
-            <a:r>
-              <a:rPr lang="de-DE" dirty="0"/>
-              <a:t>And so on</a:t>
-            </a:r>
-          </a:p>
-          <a:p>
-            <a:pPr marL="171450" indent="-171450">
-              <a:buFontTx/>
-              <a:buChar char="-"/>
+              <a:buNone/>
+              <a:tabLst/>
+              <a:defRPr/>
             </a:pPr>
             <a:endParaRPr lang="de-DE" dirty="0"/>
-          </a:p>
-          <a:p>
-            <a:endParaRPr lang="de-DE" dirty="0"/>
-          </a:p>
-          <a:p>
-            <a:r>
-              <a:rPr lang="de-DE" dirty="0"/>
-              <a:t>Ende: Überleitung nicht alles Prozesse werden vorgestellt</a:t>
-            </a:r>
           </a:p>
           <a:p>
             <a:endParaRPr lang="de-DE" dirty="0"/>
@@ -1044,7 +1352,7 @@
             <a:spLocks noGrp="1"/>
           </p:cNvSpPr>
           <p:nvPr>
-            <p:ph type="sldNum" sz="quarter" idx="5"/>
+            <p:ph type="sldNum" sz="quarter" idx="10"/>
           </p:nvPr>
         </p:nvSpPr>
         <p:spPr/>
@@ -1054,7 +1362,7 @@
           <a:p>
             <a:fld id="{F4B4EF42-670F-4A33-808A-E8EEC242E52B}" type="slidenum">
               <a:rPr lang="en-GB" smtClean="0"/>
-              <a:t>4</a:t>
+              <a:t>3</a:t>
             </a:fld>
             <a:endParaRPr lang="en-GB"/>
           </a:p>
@@ -1063,7 +1371,7 @@
     </p:spTree>
     <p:extLst>
       <p:ext uri="{BB962C8B-B14F-4D97-AF65-F5344CB8AC3E}">
-        <p14:creationId xmlns:p14="http://schemas.microsoft.com/office/powerpoint/2010/main" val="2832238152"/>
+        <p14:creationId xmlns:p14="http://schemas.microsoft.com/office/powerpoint/2010/main" val="2780841174"/>
       </p:ext>
     </p:extLst>
   </p:cSld>
@@ -1128,25 +1436,74 @@
               <a:buChar char="-"/>
             </a:pPr>
             <a:r>
-              <a:rPr lang="de-DE" dirty="0"/>
-              <a:t>German Name, </a:t>
-            </a:r>
-            <a:r>
-              <a:rPr lang="de-DE" dirty="0" err="1"/>
-              <a:t>developed</a:t>
-            </a:r>
-            <a:r>
-              <a:rPr lang="de-DE" dirty="0"/>
-              <a:t> in Germany: </a:t>
-            </a:r>
-            <a:r>
-              <a:rPr lang="de-DE" dirty="0" err="1"/>
-              <a:t>Lithography</a:t>
-            </a:r>
-            <a:r>
-              <a:rPr lang="de-DE" dirty="0"/>
-              <a:t>, Galvanik und Abformung</a:t>
-            </a:r>
+              <a:rPr lang="de-DE" dirty="0" err="1"/>
+              <a:t>There</a:t>
+            </a:r>
+            <a:r>
+              <a:rPr lang="de-DE" dirty="0"/>
+              <a:t> </a:t>
+            </a:r>
+            <a:r>
+              <a:rPr lang="de-DE" dirty="0" err="1"/>
+              <a:t>are</a:t>
+            </a:r>
+            <a:r>
+              <a:rPr lang="de-DE" dirty="0"/>
+              <a:t> so </a:t>
+            </a:r>
+            <a:r>
+              <a:rPr lang="de-DE" dirty="0" err="1"/>
+              <a:t>many</a:t>
+            </a:r>
+            <a:r>
+              <a:rPr lang="de-DE" dirty="0"/>
+              <a:t> different </a:t>
+            </a:r>
+            <a:r>
+              <a:rPr lang="de-DE" dirty="0" err="1"/>
+              <a:t>applications</a:t>
+            </a:r>
+            <a:r>
+              <a:rPr lang="de-DE" dirty="0"/>
+              <a:t> </a:t>
+            </a:r>
+            <a:r>
+              <a:rPr lang="de-DE" dirty="0" err="1"/>
+              <a:t>for</a:t>
+            </a:r>
+            <a:r>
+              <a:rPr lang="de-DE" dirty="0"/>
+              <a:t> </a:t>
+            </a:r>
+            <a:r>
+              <a:rPr lang="de-DE" dirty="0" err="1"/>
+              <a:t>microstructures</a:t>
+            </a:r>
+            <a:r>
+              <a:rPr lang="de-DE" dirty="0"/>
+              <a:t> </a:t>
+            </a:r>
+            <a:r>
+              <a:rPr lang="de-DE" dirty="0" err="1"/>
+              <a:t>with</a:t>
+            </a:r>
+            <a:r>
+              <a:rPr lang="de-DE" dirty="0"/>
+              <a:t> High </a:t>
+            </a:r>
+            <a:r>
+              <a:rPr lang="de-DE" dirty="0" err="1"/>
+              <a:t>aspect</a:t>
+            </a:r>
+            <a:r>
+              <a:rPr lang="de-DE" dirty="0"/>
+              <a:t> </a:t>
+            </a:r>
+            <a:r>
+              <a:rPr lang="de-DE" dirty="0" err="1"/>
+              <a:t>ratio</a:t>
+            </a:r>
+            <a:endParaRPr lang="de-DE" dirty="0"/>
           </a:p>
           <a:p>
             <a:pPr marL="171450" indent="-171450">
@@ -1155,76 +1512,78 @@
             </a:pPr>
             <a:r>
               <a:rPr lang="de-DE" dirty="0" err="1"/>
-              <a:t>Steps</a:t>
-            </a:r>
-            <a:r>
-              <a:rPr lang="de-DE" dirty="0"/>
-              <a:t> </a:t>
-            </a:r>
-            <a:r>
-              <a:rPr lang="de-DE" dirty="0" err="1"/>
-              <a:t>are</a:t>
-            </a:r>
-            <a:r>
-              <a:rPr lang="de-DE" dirty="0"/>
-              <a:t>:</a:t>
-            </a:r>
-          </a:p>
-          <a:p>
-            <a:pPr marL="457200" lvl="1" indent="0">
-              <a:buFontTx/>
-              <a:buNone/>
-            </a:pPr>
-            <a:r>
-              <a:rPr lang="de-DE" dirty="0" err="1"/>
-              <a:t>Lithography</a:t>
+              <a:t>One</a:t>
+            </a:r>
+            <a:r>
+              <a:rPr lang="de-DE" dirty="0"/>
+              <a:t> </a:t>
+            </a:r>
+            <a:r>
+              <a:rPr lang="de-DE" dirty="0" err="1"/>
+              <a:t>big</a:t>
+            </a:r>
+            <a:r>
+              <a:rPr lang="de-DE" dirty="0"/>
+              <a:t> </a:t>
+            </a:r>
+            <a:r>
+              <a:rPr lang="de-DE" dirty="0" err="1"/>
+              <a:t>area</a:t>
+            </a:r>
+            <a:r>
+              <a:rPr lang="de-DE" dirty="0"/>
+              <a:t> </a:t>
+            </a:r>
+            <a:r>
+              <a:rPr lang="de-DE" dirty="0" err="1"/>
+              <a:t>of</a:t>
+            </a:r>
+            <a:r>
+              <a:rPr lang="de-DE" dirty="0"/>
+              <a:t> </a:t>
+            </a:r>
+            <a:r>
+              <a:rPr lang="de-DE" dirty="0" err="1"/>
+              <a:t>applications</a:t>
+            </a:r>
+            <a:r>
+              <a:rPr lang="de-DE" dirty="0"/>
+              <a:t> </a:t>
+            </a:r>
+            <a:r>
+              <a:rPr lang="de-DE" dirty="0" err="1"/>
+              <a:t>is</a:t>
+            </a:r>
+            <a:r>
+              <a:rPr lang="de-DE" dirty="0"/>
+              <a:t> </a:t>
+            </a:r>
+            <a:r>
+              <a:rPr lang="de-DE" dirty="0" err="1"/>
+              <a:t>micro</a:t>
+            </a:r>
+            <a:r>
+              <a:rPr lang="de-DE" dirty="0"/>
+              <a:t> inertial </a:t>
+            </a:r>
+            <a:r>
+              <a:rPr lang="de-DE" dirty="0" err="1"/>
+              <a:t>sensors</a:t>
             </a:r>
             <a:endParaRPr lang="de-DE" dirty="0"/>
           </a:p>
           <a:p>
-            <a:pPr marL="628650" lvl="1" indent="-171450">
+            <a:pPr marL="171450" indent="-171450">
               <a:buFontTx/>
               <a:buChar char="-"/>
             </a:pPr>
             <a:r>
               <a:rPr lang="de-DE" dirty="0"/>
-              <a:t>Application </a:t>
-            </a:r>
-            <a:r>
-              <a:rPr lang="de-DE" dirty="0" err="1"/>
-              <a:t>conductive</a:t>
-            </a:r>
-            <a:r>
-              <a:rPr lang="de-DE" dirty="0"/>
-              <a:t> seed </a:t>
-            </a:r>
-            <a:r>
-              <a:rPr lang="de-DE" dirty="0" err="1"/>
-              <a:t>layer</a:t>
-            </a:r>
-            <a:r>
-              <a:rPr lang="de-DE" dirty="0"/>
-              <a:t> on </a:t>
-            </a:r>
-            <a:r>
-              <a:rPr lang="de-DE" dirty="0" err="1"/>
-              <a:t>substrate</a:t>
-            </a:r>
-            <a:r>
-              <a:rPr lang="de-DE" dirty="0"/>
-              <a:t> (</a:t>
-            </a:r>
-            <a:r>
-              <a:rPr lang="de-DE" dirty="0" err="1"/>
-              <a:t>any</a:t>
-            </a:r>
-            <a:r>
-              <a:rPr lang="de-DE" dirty="0"/>
-              <a:t> </a:t>
-            </a:r>
-            <a:r>
-              <a:rPr lang="de-DE" dirty="0" err="1"/>
-              <a:t>metals</a:t>
+              <a:t>Application in </a:t>
+            </a:r>
+            <a:r>
+              <a:rPr lang="de-DE" dirty="0" err="1"/>
+              <a:t>automotive</a:t>
             </a:r>
             <a:r>
               <a:rPr lang="de-DE" dirty="0"/>
@@ -1232,80 +1591,152 @@
             </a:r>
             <a:r>
               <a:rPr lang="de-DE" dirty="0" err="1"/>
-              <a:t>if</a:t>
-            </a:r>
-            <a:r>
-              <a:rPr lang="de-DE" dirty="0"/>
-              <a:t> </a:t>
-            </a:r>
-            <a:r>
-              <a:rPr lang="de-DE" dirty="0" err="1"/>
-              <a:t>needed</a:t>
-            </a:r>
-            <a:r>
-              <a:rPr lang="de-DE" dirty="0"/>
-              <a:t>: </a:t>
-            </a:r>
-            <a:r>
-              <a:rPr lang="de-DE" dirty="0" err="1"/>
-              <a:t>adhesive</a:t>
-            </a:r>
-            <a:r>
-              <a:rPr lang="de-DE" dirty="0"/>
-              <a:t>) _&gt; </a:t>
-            </a:r>
-            <a:r>
-              <a:rPr lang="de-DE" dirty="0" err="1"/>
-              <a:t>sputtering</a:t>
-            </a:r>
-            <a:r>
-              <a:rPr lang="de-DE" dirty="0"/>
-              <a:t> </a:t>
-            </a:r>
-            <a:r>
-              <a:rPr lang="de-DE" dirty="0" err="1"/>
-              <a:t>or</a:t>
-            </a:r>
-            <a:r>
-              <a:rPr lang="de-DE" dirty="0"/>
-              <a:t> </a:t>
-            </a:r>
-            <a:r>
-              <a:rPr lang="de-DE" dirty="0" err="1"/>
-              <a:t>evaporation</a:t>
-            </a:r>
-            <a:endParaRPr lang="de-DE" dirty="0"/>
-          </a:p>
-          <a:p>
-            <a:pPr marL="628650" lvl="1" indent="-171450">
+              <a:t>smartphone</a:t>
+            </a:r>
+            <a:r>
+              <a:rPr lang="de-DE" dirty="0"/>
+              <a:t> etc.</a:t>
+            </a:r>
+          </a:p>
+          <a:p>
+            <a:pPr marL="171450" indent="-171450">
               <a:buFontTx/>
               <a:buChar char="-"/>
             </a:pPr>
             <a:r>
               <a:rPr lang="de-DE" dirty="0" err="1"/>
-              <a:t>Adding</a:t>
-            </a:r>
-            <a:r>
-              <a:rPr lang="de-DE" dirty="0"/>
-              <a:t> </a:t>
-            </a:r>
-            <a:r>
-              <a:rPr lang="de-DE" dirty="0" err="1"/>
-              <a:t>photoresistive</a:t>
-            </a:r>
-            <a:r>
-              <a:rPr lang="de-DE" dirty="0"/>
-              <a:t> material</a:t>
-            </a:r>
-          </a:p>
-          <a:p>
-            <a:pPr marL="628650" lvl="1" indent="-171450">
+              <a:t>With</a:t>
+            </a:r>
+            <a:r>
+              <a:rPr lang="de-DE" dirty="0"/>
+              <a:t> high </a:t>
+            </a:r>
+            <a:r>
+              <a:rPr lang="de-DE" dirty="0" err="1"/>
+              <a:t>aspect</a:t>
+            </a:r>
+            <a:r>
+              <a:rPr lang="de-DE" dirty="0"/>
+              <a:t> </a:t>
+            </a:r>
+            <a:r>
+              <a:rPr lang="de-DE" dirty="0" err="1"/>
+              <a:t>ratio</a:t>
+            </a:r>
+            <a:r>
+              <a:rPr lang="de-DE" dirty="0"/>
+              <a:t> </a:t>
+            </a:r>
+            <a:r>
+              <a:rPr lang="de-DE" dirty="0" err="1"/>
+              <a:t>it</a:t>
+            </a:r>
+            <a:r>
+              <a:rPr lang="de-DE" dirty="0"/>
+              <a:t> </a:t>
+            </a:r>
+            <a:r>
+              <a:rPr lang="de-DE" dirty="0" err="1"/>
+              <a:t>is</a:t>
+            </a:r>
+            <a:r>
+              <a:rPr lang="de-DE" dirty="0"/>
+              <a:t> possible </a:t>
+            </a:r>
+            <a:r>
+              <a:rPr lang="de-DE" dirty="0" err="1"/>
+              <a:t>to</a:t>
+            </a:r>
+            <a:r>
+              <a:rPr lang="de-DE" dirty="0"/>
+              <a:t> </a:t>
+            </a:r>
+            <a:r>
+              <a:rPr lang="de-DE" dirty="0" err="1"/>
+              <a:t>increase</a:t>
+            </a:r>
+            <a:r>
+              <a:rPr lang="de-DE" dirty="0"/>
+              <a:t> </a:t>
+            </a:r>
+            <a:r>
+              <a:rPr lang="de-DE" dirty="0" err="1"/>
+              <a:t>the</a:t>
+            </a:r>
+            <a:r>
+              <a:rPr lang="de-DE" dirty="0"/>
+              <a:t> </a:t>
+            </a:r>
+            <a:r>
+              <a:rPr lang="de-DE" dirty="0" err="1"/>
+              <a:t>sensivity</a:t>
+            </a:r>
+            <a:r>
+              <a:rPr lang="de-DE" dirty="0"/>
+              <a:t> </a:t>
+            </a:r>
+            <a:r>
+              <a:rPr lang="de-DE" dirty="0" err="1"/>
+              <a:t>of</a:t>
+            </a:r>
+            <a:r>
+              <a:rPr lang="de-DE" dirty="0"/>
+              <a:t> </a:t>
+            </a:r>
+            <a:r>
+              <a:rPr lang="de-DE" dirty="0" err="1"/>
+              <a:t>those</a:t>
+            </a:r>
+            <a:r>
+              <a:rPr lang="de-DE" dirty="0"/>
+              <a:t> </a:t>
+            </a:r>
+            <a:r>
+              <a:rPr lang="de-DE" dirty="0" err="1"/>
+              <a:t>sensors</a:t>
+            </a:r>
+            <a:endParaRPr lang="de-DE" dirty="0"/>
+          </a:p>
+          <a:p>
+            <a:pPr marL="171450" indent="-171450">
               <a:buFontTx/>
               <a:buChar char="-"/>
             </a:pPr>
             <a:r>
               <a:rPr lang="de-DE" dirty="0" err="1"/>
-              <a:t>exposure</a:t>
+              <a:t>Nanotubes</a:t>
+            </a:r>
+            <a:r>
+              <a:rPr lang="de-DE" dirty="0"/>
+              <a:t>: </a:t>
+            </a:r>
+            <a:r>
+              <a:rPr lang="de-DE" dirty="0" err="1"/>
+              <a:t>framework</a:t>
+            </a:r>
+            <a:r>
+              <a:rPr lang="de-DE" dirty="0"/>
+              <a:t> </a:t>
+            </a:r>
+            <a:r>
+              <a:rPr lang="de-DE" dirty="0" err="1"/>
+              <a:t>for</a:t>
+            </a:r>
+            <a:r>
+              <a:rPr lang="de-DE" dirty="0"/>
+              <a:t> </a:t>
+            </a:r>
+            <a:r>
+              <a:rPr lang="de-DE" dirty="0" err="1"/>
+              <a:t>builing</a:t>
+            </a:r>
+            <a:r>
+              <a:rPr lang="de-DE" dirty="0"/>
+              <a:t> </a:t>
+            </a:r>
+            <a:r>
+              <a:rPr lang="de-DE" dirty="0" err="1"/>
+              <a:t>microstructures</a:t>
             </a:r>
             <a:r>
               <a:rPr lang="de-DE" dirty="0"/>
@@ -1317,265 +1748,106 @@
             </a:r>
             <a:r>
               <a:rPr lang="de-DE" dirty="0"/>
-              <a:t> X-</a:t>
-            </a:r>
-            <a:r>
-              <a:rPr lang="de-DE" dirty="0" err="1"/>
-              <a:t>ray</a:t>
-            </a:r>
-            <a:r>
-              <a:rPr lang="de-DE" dirty="0"/>
-              <a:t> </a:t>
-            </a:r>
-            <a:r>
-              <a:rPr lang="de-DE" dirty="0" err="1"/>
-              <a:t>by</a:t>
-            </a:r>
-            <a:r>
-              <a:rPr lang="de-DE" dirty="0"/>
-              <a:t> </a:t>
-            </a:r>
-            <a:r>
-              <a:rPr lang="de-DE" dirty="0" err="1"/>
-              <a:t>synchrotron</a:t>
-            </a:r>
-            <a:r>
-              <a:rPr lang="de-DE" dirty="0"/>
-              <a:t> source</a:t>
-            </a:r>
-          </a:p>
-          <a:p>
-            <a:pPr marL="628650" lvl="1" indent="-171450">
+              <a:t> HAR</a:t>
+            </a:r>
+          </a:p>
+          <a:p>
+            <a:pPr marL="171450" indent="-171450">
               <a:buFontTx/>
               <a:buChar char="-"/>
             </a:pPr>
             <a:r>
-              <a:rPr lang="de-DE" dirty="0" err="1"/>
-              <a:t>Developing</a:t>
-            </a:r>
-            <a:r>
-              <a:rPr lang="de-DE" dirty="0"/>
-              <a:t> </a:t>
-            </a:r>
-            <a:r>
-              <a:rPr lang="de-DE" dirty="0" err="1"/>
-              <a:t>the</a:t>
-            </a:r>
-            <a:r>
-              <a:rPr lang="de-DE" dirty="0"/>
-              <a:t> </a:t>
-            </a:r>
-            <a:r>
-              <a:rPr lang="de-DE" dirty="0" err="1"/>
-              <a:t>resist</a:t>
+              <a:rPr lang="de-DE" dirty="0"/>
+              <a:t>3d </a:t>
+            </a:r>
+            <a:r>
+              <a:rPr lang="de-DE" dirty="0" err="1"/>
+              <a:t>circuit</a:t>
+            </a:r>
+            <a:r>
+              <a:rPr lang="de-DE" dirty="0"/>
+              <a:t> </a:t>
+            </a:r>
+            <a:r>
+              <a:rPr lang="de-DE" dirty="0" err="1"/>
+              <a:t>integration</a:t>
+            </a:r>
+            <a:r>
+              <a:rPr lang="de-DE" dirty="0"/>
+              <a:t>: high </a:t>
+            </a:r>
+            <a:r>
+              <a:rPr lang="de-DE" dirty="0" err="1"/>
+              <a:t>aspect</a:t>
+            </a:r>
+            <a:r>
+              <a:rPr lang="de-DE" dirty="0"/>
+              <a:t> </a:t>
+            </a:r>
+            <a:r>
+              <a:rPr lang="de-DE" dirty="0" err="1"/>
+              <a:t>ratio</a:t>
+            </a:r>
+            <a:r>
+              <a:rPr lang="de-DE" dirty="0"/>
+              <a:t> </a:t>
+            </a:r>
+            <a:r>
+              <a:rPr lang="de-DE" dirty="0" err="1"/>
+              <a:t>for</a:t>
+            </a:r>
+            <a:r>
+              <a:rPr lang="de-DE" dirty="0"/>
+              <a:t> </a:t>
+            </a:r>
+            <a:r>
+              <a:rPr lang="de-DE" dirty="0" err="1"/>
+              <a:t>circuit</a:t>
+            </a:r>
+            <a:r>
+              <a:rPr lang="de-DE" dirty="0"/>
+              <a:t> </a:t>
+            </a:r>
+            <a:r>
+              <a:rPr lang="de-DE" dirty="0" err="1"/>
+              <a:t>paths</a:t>
             </a:r>
             <a:endParaRPr lang="de-DE" dirty="0"/>
           </a:p>
           <a:p>
-            <a:pPr marL="457200" lvl="1" indent="0">
-              <a:buFontTx/>
-              <a:buNone/>
-            </a:pPr>
-            <a:r>
-              <a:rPr lang="de-DE" dirty="0" err="1"/>
-              <a:t>Electroplating</a:t>
-            </a:r>
-            <a:endParaRPr lang="de-DE" dirty="0"/>
-          </a:p>
-          <a:p>
-            <a:pPr marL="628650" lvl="1" indent="-171450">
+            <a:pPr marL="171450" indent="-171450">
               <a:buFontTx/>
               <a:buChar char="-"/>
             </a:pPr>
-            <a:r>
-              <a:rPr lang="de-DE" dirty="0" err="1"/>
-              <a:t>Filling</a:t>
-            </a:r>
-            <a:r>
-              <a:rPr lang="de-DE" dirty="0"/>
-              <a:t> </a:t>
-            </a:r>
-            <a:r>
-              <a:rPr lang="de-DE" dirty="0" err="1"/>
-              <a:t>remaining</a:t>
-            </a:r>
-            <a:r>
-              <a:rPr lang="de-DE" dirty="0"/>
-              <a:t> </a:t>
-            </a:r>
-            <a:r>
-              <a:rPr lang="de-DE" dirty="0" err="1"/>
-              <a:t>resist</a:t>
-            </a:r>
-            <a:r>
-              <a:rPr lang="de-DE" dirty="0"/>
-              <a:t> </a:t>
-            </a:r>
-            <a:r>
-              <a:rPr lang="de-DE" dirty="0" err="1"/>
-              <a:t>upwards</a:t>
-            </a:r>
-            <a:r>
-              <a:rPr lang="de-DE" dirty="0"/>
-              <a:t> </a:t>
-            </a:r>
-            <a:r>
-              <a:rPr lang="de-DE" dirty="0" err="1"/>
-              <a:t>from</a:t>
-            </a:r>
-            <a:r>
-              <a:rPr lang="de-DE" dirty="0"/>
-              <a:t> </a:t>
-            </a:r>
-            <a:r>
-              <a:rPr lang="de-DE" dirty="0" err="1"/>
-              <a:t>seedlayer</a:t>
-            </a:r>
-            <a:r>
-              <a:rPr lang="de-DE" dirty="0"/>
-              <a:t> </a:t>
-            </a:r>
-            <a:r>
-              <a:rPr lang="de-DE" dirty="0" err="1"/>
-              <a:t>with</a:t>
-            </a:r>
-            <a:r>
-              <a:rPr lang="de-DE" dirty="0"/>
-              <a:t> </a:t>
-            </a:r>
-            <a:r>
-              <a:rPr lang="de-DE" dirty="0" err="1"/>
-              <a:t>metal</a:t>
-            </a:r>
             <a:endParaRPr lang="de-DE" dirty="0"/>
           </a:p>
           <a:p>
-            <a:pPr marL="457200" lvl="1" indent="0">
-              <a:buFontTx/>
-              <a:buNone/>
-            </a:pPr>
-            <a:r>
-              <a:rPr lang="de-DE" dirty="0"/>
-              <a:t>Stripping</a:t>
-            </a:r>
-          </a:p>
-          <a:p>
-            <a:pPr marL="628650" lvl="1" indent="-171450">
+            <a:pPr marL="171450" indent="-171450">
               <a:buFontTx/>
               <a:buChar char="-"/>
             </a:pPr>
             <a:r>
               <a:rPr lang="de-DE" dirty="0"/>
-              <a:t>Remove </a:t>
-            </a:r>
-            <a:r>
-              <a:rPr lang="de-DE" dirty="0" err="1"/>
-              <a:t>remaining</a:t>
-            </a:r>
-            <a:r>
-              <a:rPr lang="de-DE" dirty="0"/>
-              <a:t> </a:t>
-            </a:r>
-            <a:r>
-              <a:rPr lang="de-DE" dirty="0" err="1"/>
-              <a:t>resist</a:t>
-            </a:r>
-            <a:r>
-              <a:rPr lang="de-DE" dirty="0"/>
-              <a:t> </a:t>
-            </a:r>
-            <a:r>
-              <a:rPr lang="de-DE" dirty="0" err="1"/>
-              <a:t>chemical</a:t>
-            </a:r>
-            <a:endParaRPr lang="de-DE" dirty="0"/>
-          </a:p>
-          <a:p>
-            <a:pPr marL="171450" lvl="0" indent="-171450">
+              <a:t>And so on</a:t>
+            </a:r>
+          </a:p>
+          <a:p>
+            <a:pPr marL="171450" indent="-171450">
               <a:buFontTx/>
               <a:buChar char="-"/>
             </a:pPr>
-            <a:r>
-              <a:rPr lang="de-DE" dirty="0"/>
-              <a:t>Also </a:t>
-            </a:r>
-            <a:r>
-              <a:rPr lang="de-DE" dirty="0" err="1"/>
-              <a:t>usable</a:t>
-            </a:r>
-            <a:r>
-              <a:rPr lang="de-DE" dirty="0"/>
-              <a:t> </a:t>
-            </a:r>
-            <a:r>
-              <a:rPr lang="de-DE" dirty="0" err="1"/>
-              <a:t>for</a:t>
-            </a:r>
-            <a:r>
-              <a:rPr lang="de-DE" dirty="0"/>
-              <a:t> </a:t>
-            </a:r>
-            <a:r>
-              <a:rPr lang="de-DE" dirty="0" err="1"/>
-              <a:t>polymers</a:t>
-            </a:r>
-            <a:r>
-              <a:rPr lang="de-DE" dirty="0"/>
-              <a:t> and </a:t>
-            </a:r>
-            <a:r>
-              <a:rPr lang="de-DE" dirty="0" err="1"/>
-              <a:t>semiconductor</a:t>
-            </a:r>
-            <a:r>
-              <a:rPr lang="de-DE" dirty="0"/>
-              <a:t> </a:t>
-            </a:r>
-            <a:r>
-              <a:rPr lang="de-DE" dirty="0" err="1"/>
-              <a:t>materials</a:t>
-            </a:r>
             <a:endParaRPr lang="de-DE" dirty="0"/>
           </a:p>
           <a:p>
-            <a:pPr marL="171450" lvl="0" indent="-171450">
-              <a:buFontTx/>
-              <a:buChar char="-"/>
-            </a:pPr>
-            <a:r>
-              <a:rPr lang="de-DE" dirty="0"/>
-              <a:t>High </a:t>
-            </a:r>
-            <a:r>
-              <a:rPr lang="de-DE" dirty="0" err="1"/>
-              <a:t>aspect</a:t>
-            </a:r>
-            <a:r>
-              <a:rPr lang="de-DE" dirty="0"/>
-              <a:t> </a:t>
-            </a:r>
-            <a:r>
-              <a:rPr lang="de-DE" dirty="0" err="1"/>
-              <a:t>ratios</a:t>
-            </a:r>
-            <a:r>
-              <a:rPr lang="de-DE" dirty="0"/>
-              <a:t> </a:t>
-            </a:r>
-            <a:r>
-              <a:rPr lang="de-DE" dirty="0" err="1"/>
-              <a:t>over</a:t>
-            </a:r>
-            <a:r>
-              <a:rPr lang="de-DE" dirty="0"/>
-              <a:t> 100:1 possible</a:t>
-            </a:r>
-          </a:p>
-          <a:p>
-            <a:pPr marL="457200" lvl="1" indent="0">
-              <a:buFontTx/>
-              <a:buNone/>
-            </a:pPr>
+            <a:endParaRPr lang="de-DE" dirty="0"/>
+          </a:p>
+          <a:p>
+            <a:r>
+              <a:rPr lang="de-DE" dirty="0"/>
+              <a:t>Ende: Überleitung nicht alles Prozesse werden vorgestellt</a:t>
+            </a:r>
+          </a:p>
+          <a:p>
             <a:endParaRPr lang="de-DE" dirty="0"/>
           </a:p>
         </p:txBody>
@@ -1597,7 +1869,7 @@
           <a:p>
             <a:fld id="{F4B4EF42-670F-4A33-808A-E8EEC242E52B}" type="slidenum">
               <a:rPr lang="en-GB" smtClean="0"/>
-              <a:t>5</a:t>
+              <a:t>4</a:t>
             </a:fld>
             <a:endParaRPr lang="en-GB"/>
           </a:p>
@@ -1606,7 +1878,7 @@
     </p:spTree>
     <p:extLst>
       <p:ext uri="{BB962C8B-B14F-4D97-AF65-F5344CB8AC3E}">
-        <p14:creationId xmlns:p14="http://schemas.microsoft.com/office/powerpoint/2010/main" val="3386708221"/>
+        <p14:creationId xmlns:p14="http://schemas.microsoft.com/office/powerpoint/2010/main" val="2832238152"/>
       </p:ext>
     </p:extLst>
   </p:cSld>
@@ -1660,41 +1932,35 @@
           <a:bodyPr/>
           <a:lstStyle/>
           <a:p>
+            <a:r>
+              <a:rPr lang="de-DE" dirty="0"/>
+              <a:t>Johannes</a:t>
+            </a:r>
+          </a:p>
+          <a:p>
             <a:pPr marL="171450" indent="-171450">
               <a:buFontTx/>
               <a:buChar char="-"/>
             </a:pPr>
             <a:r>
-              <a:rPr lang="de-DE" dirty="0" err="1"/>
-              <a:t>Process</a:t>
-            </a:r>
-            <a:r>
-              <a:rPr lang="de-DE" dirty="0"/>
-              <a:t> </a:t>
-            </a:r>
-            <a:r>
-              <a:rPr lang="de-DE" dirty="0" err="1"/>
-              <a:t>special</a:t>
-            </a:r>
-            <a:r>
-              <a:rPr lang="de-DE" dirty="0"/>
-              <a:t> </a:t>
-            </a:r>
-            <a:r>
-              <a:rPr lang="de-DE" dirty="0" err="1"/>
-              <a:t>for</a:t>
-            </a:r>
-            <a:r>
-              <a:rPr lang="de-DE" dirty="0"/>
-              <a:t> </a:t>
-            </a:r>
-            <a:r>
-              <a:rPr lang="de-DE" dirty="0" err="1"/>
-              <a:t>polymers</a:t>
-            </a:r>
-            <a:r>
-              <a:rPr lang="de-DE" dirty="0"/>
-              <a:t> </a:t>
+              <a:rPr lang="de-DE" dirty="0"/>
+              <a:t>German Name, </a:t>
+            </a:r>
+            <a:r>
+              <a:rPr lang="de-DE" dirty="0" err="1"/>
+              <a:t>developed</a:t>
+            </a:r>
+            <a:r>
+              <a:rPr lang="de-DE" dirty="0"/>
+              <a:t> in Germany: </a:t>
+            </a:r>
+            <a:r>
+              <a:rPr lang="de-DE" dirty="0" err="1"/>
+              <a:t>Lithography</a:t>
+            </a:r>
+            <a:r>
+              <a:rPr lang="de-DE" dirty="0"/>
+              <a:t>, Galvanik und Abformung</a:t>
             </a:r>
           </a:p>
           <a:p>
@@ -1703,17 +1969,32 @@
               <a:buChar char="-"/>
             </a:pPr>
             <a:r>
-              <a:rPr lang="de-DE" dirty="0"/>
-              <a:t>Hot </a:t>
-            </a:r>
-            <a:r>
-              <a:rPr lang="de-DE" dirty="0" err="1"/>
-              <a:t>embossing</a:t>
-            </a:r>
-            <a:r>
-              <a:rPr lang="de-DE" dirty="0"/>
-              <a:t>: </a:t>
-            </a:r>
+              <a:rPr lang="de-DE" dirty="0" err="1"/>
+              <a:t>Steps</a:t>
+            </a:r>
+            <a:r>
+              <a:rPr lang="de-DE" dirty="0"/>
+              <a:t> </a:t>
+            </a:r>
+            <a:r>
+              <a:rPr lang="de-DE" dirty="0" err="1"/>
+              <a:t>are</a:t>
+            </a:r>
+            <a:r>
+              <a:rPr lang="de-DE" dirty="0"/>
+              <a:t>:</a:t>
+            </a:r>
+          </a:p>
+          <a:p>
+            <a:pPr marL="457200" lvl="1" indent="0">
+              <a:buFontTx/>
+              <a:buNone/>
+            </a:pPr>
+            <a:r>
+              <a:rPr lang="de-DE" dirty="0" err="1"/>
+              <a:t>Lithography</a:t>
+            </a:r>
+            <a:endParaRPr lang="de-DE" dirty="0"/>
           </a:p>
           <a:p>
             <a:pPr marL="628650" lvl="1" indent="-171450">
@@ -1721,36 +2002,80 @@
               <a:buChar char="-"/>
             </a:pPr>
             <a:r>
-              <a:rPr lang="de-DE" dirty="0" err="1"/>
-              <a:t>Produce</a:t>
-            </a:r>
-            <a:r>
-              <a:rPr lang="de-DE" dirty="0"/>
-              <a:t> </a:t>
-            </a:r>
-            <a:r>
-              <a:rPr lang="de-DE" dirty="0" err="1"/>
-              <a:t>embossing</a:t>
-            </a:r>
-            <a:r>
-              <a:rPr lang="de-DE" dirty="0"/>
-              <a:t> </a:t>
-            </a:r>
-            <a:r>
-              <a:rPr lang="de-DE" dirty="0" err="1"/>
-              <a:t>master</a:t>
-            </a:r>
-            <a:r>
-              <a:rPr lang="de-DE" dirty="0"/>
-              <a:t> </a:t>
-            </a:r>
-            <a:r>
-              <a:rPr lang="de-DE" dirty="0" err="1"/>
-              <a:t>by</a:t>
-            </a:r>
-            <a:r>
-              <a:rPr lang="de-DE" dirty="0"/>
-              <a:t> Liga </a:t>
+              <a:rPr lang="de-DE" dirty="0"/>
+              <a:t>Application </a:t>
+            </a:r>
+            <a:r>
+              <a:rPr lang="de-DE" dirty="0" err="1"/>
+              <a:t>conductive</a:t>
+            </a:r>
+            <a:r>
+              <a:rPr lang="de-DE" dirty="0"/>
+              <a:t> seed </a:t>
+            </a:r>
+            <a:r>
+              <a:rPr lang="de-DE" dirty="0" err="1"/>
+              <a:t>layer</a:t>
+            </a:r>
+            <a:r>
+              <a:rPr lang="de-DE" dirty="0"/>
+              <a:t> on </a:t>
+            </a:r>
+            <a:r>
+              <a:rPr lang="de-DE" dirty="0" err="1"/>
+              <a:t>substrate</a:t>
+            </a:r>
+            <a:r>
+              <a:rPr lang="de-DE" dirty="0"/>
+              <a:t> (</a:t>
+            </a:r>
+            <a:r>
+              <a:rPr lang="de-DE" dirty="0" err="1"/>
+              <a:t>any</a:t>
+            </a:r>
+            <a:r>
+              <a:rPr lang="de-DE" dirty="0"/>
+              <a:t> </a:t>
+            </a:r>
+            <a:r>
+              <a:rPr lang="de-DE" dirty="0" err="1"/>
+              <a:t>metals</a:t>
+            </a:r>
+            <a:r>
+              <a:rPr lang="de-DE" dirty="0"/>
+              <a:t>, </a:t>
+            </a:r>
+            <a:r>
+              <a:rPr lang="de-DE" dirty="0" err="1"/>
+              <a:t>if</a:t>
+            </a:r>
+            <a:r>
+              <a:rPr lang="de-DE" dirty="0"/>
+              <a:t> </a:t>
+            </a:r>
+            <a:r>
+              <a:rPr lang="de-DE" dirty="0" err="1"/>
+              <a:t>needed</a:t>
+            </a:r>
+            <a:r>
+              <a:rPr lang="de-DE" dirty="0"/>
+              <a:t>: </a:t>
+            </a:r>
+            <a:r>
+              <a:rPr lang="de-DE" dirty="0" err="1"/>
+              <a:t>adhesive</a:t>
+            </a:r>
+            <a:r>
+              <a:rPr lang="de-DE" dirty="0"/>
+              <a:t>) _&gt; </a:t>
+            </a:r>
+            <a:r>
+              <a:rPr lang="de-DE" dirty="0" err="1"/>
+              <a:t>sputtering</a:t>
+            </a:r>
+            <a:r>
+              <a:rPr lang="de-DE" dirty="0"/>
+              <a:t> </a:t>
             </a:r>
             <a:r>
               <a:rPr lang="de-DE" dirty="0" err="1"/>
@@ -1758,35 +2083,11 @@
             </a:r>
             <a:r>
               <a:rPr lang="de-DE" dirty="0"/>
-              <a:t> DRIE, </a:t>
-            </a:r>
-            <a:r>
-              <a:rPr lang="de-DE" dirty="0" err="1"/>
-              <a:t>works</a:t>
-            </a:r>
-            <a:r>
-              <a:rPr lang="de-DE" dirty="0"/>
-              <a:t> like a </a:t>
-            </a:r>
-            <a:r>
-              <a:rPr lang="de-DE" dirty="0" err="1"/>
-              <a:t>stamp</a:t>
-            </a:r>
-            <a:r>
-              <a:rPr lang="de-DE" dirty="0"/>
-              <a:t>, must </a:t>
-            </a:r>
-            <a:r>
-              <a:rPr lang="de-DE" dirty="0" err="1"/>
-              <a:t>be</a:t>
-            </a:r>
-            <a:r>
-              <a:rPr lang="de-DE" dirty="0"/>
-              <a:t> high </a:t>
-            </a:r>
-            <a:r>
-              <a:rPr lang="de-DE" dirty="0" err="1"/>
-              <a:t>quality</a:t>
+              <a:t> </a:t>
+            </a:r>
+            <a:r>
+              <a:rPr lang="de-DE" dirty="0" err="1"/>
+              <a:t>evaporation</a:t>
             </a:r>
             <a:endParaRPr lang="de-DE" dirty="0"/>
           </a:p>
@@ -1797,35 +2098,19 @@
             </a:pPr>
             <a:r>
               <a:rPr lang="de-DE" dirty="0" err="1"/>
-              <a:t>Then</a:t>
-            </a:r>
-            <a:r>
-              <a:rPr lang="de-DE" dirty="0"/>
-              <a:t> </a:t>
-            </a:r>
-            <a:r>
-              <a:rPr lang="de-DE" dirty="0" err="1"/>
-              <a:t>heating</a:t>
-            </a:r>
-            <a:r>
-              <a:rPr lang="de-DE" dirty="0"/>
-              <a:t> </a:t>
-            </a:r>
-            <a:r>
-              <a:rPr lang="de-DE" dirty="0" err="1"/>
-              <a:t>up</a:t>
-            </a:r>
-            <a:r>
-              <a:rPr lang="de-DE" dirty="0"/>
-              <a:t> </a:t>
-            </a:r>
-            <a:r>
-              <a:rPr lang="de-DE" dirty="0" err="1"/>
-              <a:t>the</a:t>
-            </a:r>
-            <a:r>
-              <a:rPr lang="de-DE" dirty="0"/>
-              <a:t> polymer</a:t>
+              <a:t>Adding</a:t>
+            </a:r>
+            <a:r>
+              <a:rPr lang="de-DE" dirty="0"/>
+              <a:t> </a:t>
+            </a:r>
+            <a:r>
+              <a:rPr lang="de-DE" dirty="0" err="1"/>
+              <a:t>photoresistive</a:t>
+            </a:r>
+            <a:r>
+              <a:rPr lang="de-DE" dirty="0"/>
+              <a:t> material</a:t>
             </a:r>
           </a:p>
           <a:p>
@@ -1835,55 +2120,7 @@
             </a:pPr>
             <a:r>
               <a:rPr lang="de-DE" dirty="0" err="1"/>
-              <a:t>Embossing</a:t>
-            </a:r>
-            <a:r>
-              <a:rPr lang="de-DE" dirty="0"/>
-              <a:t> </a:t>
-            </a:r>
-            <a:r>
-              <a:rPr lang="de-DE" dirty="0" err="1"/>
-              <a:t>the</a:t>
-            </a:r>
-            <a:r>
-              <a:rPr lang="de-DE" dirty="0"/>
-              <a:t> polymer, </a:t>
-            </a:r>
-            <a:r>
-              <a:rPr lang="de-DE" dirty="0" err="1"/>
-              <a:t>embossing</a:t>
-            </a:r>
-            <a:r>
-              <a:rPr lang="de-DE" dirty="0"/>
-              <a:t> </a:t>
-            </a:r>
-            <a:r>
-              <a:rPr lang="de-DE" dirty="0" err="1"/>
-              <a:t>tool</a:t>
-            </a:r>
-            <a:r>
-              <a:rPr lang="de-DE" dirty="0"/>
-              <a:t> </a:t>
-            </a:r>
-            <a:r>
-              <a:rPr lang="de-DE" dirty="0" err="1"/>
-              <a:t>borught</a:t>
-            </a:r>
-            <a:r>
-              <a:rPr lang="de-DE" dirty="0"/>
-              <a:t> </a:t>
-            </a:r>
-            <a:r>
-              <a:rPr lang="de-DE" dirty="0" err="1"/>
-              <a:t>to</a:t>
-            </a:r>
-            <a:r>
-              <a:rPr lang="de-DE" dirty="0"/>
-              <a:t> </a:t>
-            </a:r>
-            <a:r>
-              <a:rPr lang="de-DE" dirty="0" err="1"/>
-              <a:t>contact</a:t>
+              <a:t>exposure</a:t>
             </a:r>
             <a:r>
               <a:rPr lang="de-DE" dirty="0"/>
@@ -1895,37 +2132,32 @@
             </a:r>
             <a:r>
               <a:rPr lang="de-DE" dirty="0"/>
-              <a:t> </a:t>
-            </a:r>
-            <a:r>
-              <a:rPr lang="de-DE" dirty="0" err="1"/>
-              <a:t>preheated</a:t>
-            </a:r>
-            <a:r>
-              <a:rPr lang="de-DE" dirty="0"/>
-              <a:t> polymer and </a:t>
-            </a:r>
-            <a:r>
-              <a:rPr lang="de-DE" dirty="0" err="1"/>
-              <a:t>embossed</a:t>
-            </a:r>
-            <a:r>
-              <a:rPr lang="de-DE" dirty="0"/>
-              <a:t> </a:t>
-            </a:r>
-            <a:r>
-              <a:rPr lang="de-DE" dirty="0" err="1"/>
-              <a:t>into</a:t>
-            </a:r>
-            <a:r>
-              <a:rPr lang="de-DE" dirty="0"/>
-              <a:t> </a:t>
-            </a:r>
-            <a:r>
-              <a:rPr lang="de-DE" dirty="0" err="1"/>
-              <a:t>it</a:t>
-            </a:r>
-            <a:endParaRPr lang="de-DE" dirty="0"/>
+              <a:t> X-</a:t>
+            </a:r>
+            <a:r>
+              <a:rPr lang="de-DE" dirty="0" err="1"/>
+              <a:t>ray</a:t>
+            </a:r>
+            <a:r>
+              <a:rPr lang="de-DE" dirty="0"/>
+              <a:t> </a:t>
+            </a:r>
+            <a:r>
+              <a:rPr lang="de-DE" dirty="0" err="1"/>
+              <a:t>by</a:t>
+            </a:r>
+            <a:r>
+              <a:rPr lang="de-DE" dirty="0"/>
+              <a:t> </a:t>
+            </a:r>
+            <a:r>
+              <a:rPr lang="de-DE" dirty="0" err="1"/>
+              <a:t>synchrotron</a:t>
+            </a:r>
+            <a:r>
+              <a:rPr lang="de-DE" dirty="0"/>
+              <a:t> source</a:t>
+            </a:r>
           </a:p>
           <a:p>
             <a:pPr marL="628650" lvl="1" indent="-171450">
@@ -1933,12 +2165,35 @@
               <a:buChar char="-"/>
             </a:pPr>
             <a:r>
-              <a:rPr lang="de-DE" dirty="0"/>
-              <a:t>Remove </a:t>
-            </a:r>
-            <a:r>
-              <a:rPr lang="de-DE" dirty="0" err="1"/>
-              <a:t>tool</a:t>
+              <a:rPr lang="de-DE" dirty="0" err="1"/>
+              <a:t>Developing</a:t>
+            </a:r>
+            <a:r>
+              <a:rPr lang="de-DE" dirty="0"/>
+              <a:t> </a:t>
+            </a:r>
+            <a:r>
+              <a:rPr lang="de-DE" dirty="0" err="1"/>
+              <a:t>the</a:t>
+            </a:r>
+            <a:r>
+              <a:rPr lang="de-DE" dirty="0"/>
+              <a:t> </a:t>
+            </a:r>
+            <a:r>
+              <a:rPr lang="de-DE" dirty="0" err="1"/>
+              <a:t>resist</a:t>
+            </a:r>
+            <a:endParaRPr lang="de-DE" dirty="0"/>
+          </a:p>
+          <a:p>
+            <a:pPr marL="457200" lvl="1" indent="0">
+              <a:buFontTx/>
+              <a:buNone/>
+            </a:pPr>
+            <a:r>
+              <a:rPr lang="de-DE" dirty="0" err="1"/>
+              <a:t>Electroplating</a:t>
             </a:r>
             <a:endParaRPr lang="de-DE" dirty="0"/>
           </a:p>
@@ -1948,9 +2203,107 @@
               <a:buChar char="-"/>
             </a:pPr>
             <a:r>
-              <a:rPr lang="de-DE" dirty="0"/>
-              <a:t>Cooling down polymer</a:t>
-            </a:r>
+              <a:rPr lang="de-DE" dirty="0" err="1"/>
+              <a:t>Filling</a:t>
+            </a:r>
+            <a:r>
+              <a:rPr lang="de-DE" dirty="0"/>
+              <a:t> </a:t>
+            </a:r>
+            <a:r>
+              <a:rPr lang="de-DE" dirty="0" err="1"/>
+              <a:t>remaining</a:t>
+            </a:r>
+            <a:r>
+              <a:rPr lang="de-DE" dirty="0"/>
+              <a:t> </a:t>
+            </a:r>
+            <a:r>
+              <a:rPr lang="de-DE" dirty="0" err="1"/>
+              <a:t>resist</a:t>
+            </a:r>
+            <a:r>
+              <a:rPr lang="de-DE" dirty="0"/>
+              <a:t> </a:t>
+            </a:r>
+            <a:r>
+              <a:rPr lang="de-DE" dirty="0" err="1"/>
+              <a:t>upwards</a:t>
+            </a:r>
+            <a:r>
+              <a:rPr lang="de-DE" dirty="0"/>
+              <a:t> </a:t>
+            </a:r>
+            <a:r>
+              <a:rPr lang="de-DE" dirty="0" err="1"/>
+              <a:t>from</a:t>
+            </a:r>
+            <a:r>
+              <a:rPr lang="de-DE" dirty="0"/>
+              <a:t> </a:t>
+            </a:r>
+            <a:r>
+              <a:rPr lang="de-DE" dirty="0" err="1"/>
+              <a:t>seedlayer</a:t>
+            </a:r>
+            <a:r>
+              <a:rPr lang="de-DE" dirty="0"/>
+              <a:t> </a:t>
+            </a:r>
+            <a:r>
+              <a:rPr lang="de-DE" dirty="0" err="1"/>
+              <a:t>with</a:t>
+            </a:r>
+            <a:r>
+              <a:rPr lang="de-DE" dirty="0"/>
+              <a:t> </a:t>
+            </a:r>
+            <a:r>
+              <a:rPr lang="de-DE" dirty="0" err="1"/>
+              <a:t>metal</a:t>
+            </a:r>
+            <a:endParaRPr lang="de-DE" dirty="0"/>
+          </a:p>
+          <a:p>
+            <a:pPr marL="457200" lvl="1" indent="0">
+              <a:buFontTx/>
+              <a:buNone/>
+            </a:pPr>
+            <a:r>
+              <a:rPr lang="de-DE" dirty="0"/>
+              <a:t>Stripping</a:t>
+            </a:r>
+          </a:p>
+          <a:p>
+            <a:pPr marL="628650" lvl="1" indent="-171450">
+              <a:buFontTx/>
+              <a:buChar char="-"/>
+            </a:pPr>
+            <a:r>
+              <a:rPr lang="de-DE" dirty="0"/>
+              <a:t>Remove </a:t>
+            </a:r>
+            <a:r>
+              <a:rPr lang="de-DE" dirty="0" err="1"/>
+              <a:t>remaining</a:t>
+            </a:r>
+            <a:r>
+              <a:rPr lang="de-DE" dirty="0"/>
+              <a:t> </a:t>
+            </a:r>
+            <a:r>
+              <a:rPr lang="de-DE" dirty="0" err="1"/>
+              <a:t>resist</a:t>
+            </a:r>
+            <a:r>
+              <a:rPr lang="de-DE" dirty="0"/>
+              <a:t> </a:t>
+            </a:r>
+            <a:r>
+              <a:rPr lang="de-DE" dirty="0" err="1"/>
+              <a:t>chemical</a:t>
+            </a:r>
+            <a:endParaRPr lang="de-DE" dirty="0"/>
           </a:p>
           <a:p>
             <a:pPr marL="171450" lvl="0" indent="-171450">
@@ -1959,35 +2312,19 @@
             </a:pPr>
             <a:r>
               <a:rPr lang="de-DE" dirty="0"/>
-              <a:t>Possible </a:t>
-            </a:r>
-            <a:r>
-              <a:rPr lang="de-DE" dirty="0" err="1"/>
-              <a:t>to</a:t>
-            </a:r>
-            <a:r>
-              <a:rPr lang="de-DE" dirty="0"/>
-              <a:t> </a:t>
-            </a:r>
-            <a:r>
-              <a:rPr lang="de-DE" dirty="0" err="1"/>
-              <a:t>use</a:t>
-            </a:r>
-            <a:r>
-              <a:rPr lang="de-DE" dirty="0"/>
-              <a:t> all </a:t>
-            </a:r>
-            <a:r>
-              <a:rPr lang="de-DE" dirty="0" err="1"/>
-              <a:t>advantages</a:t>
-            </a:r>
-            <a:r>
-              <a:rPr lang="de-DE" dirty="0"/>
-              <a:t> </a:t>
-            </a:r>
-            <a:r>
-              <a:rPr lang="de-DE" dirty="0" err="1"/>
-              <a:t>of</a:t>
+              <a:t>Also </a:t>
+            </a:r>
+            <a:r>
+              <a:rPr lang="de-DE" dirty="0" err="1"/>
+              <a:t>usable</a:t>
+            </a:r>
+            <a:r>
+              <a:rPr lang="de-DE" dirty="0"/>
+              <a:t> </a:t>
+            </a:r>
+            <a:r>
+              <a:rPr lang="de-DE" dirty="0" err="1"/>
+              <a:t>for</a:t>
             </a:r>
             <a:r>
               <a:rPr lang="de-DE" dirty="0"/>
@@ -1999,16 +2336,21 @@
             </a:r>
             <a:r>
               <a:rPr lang="de-DE" dirty="0"/>
-              <a:t> </a:t>
-            </a:r>
-            <a:r>
-              <a:rPr lang="de-DE" dirty="0" err="1"/>
-              <a:t>for</a:t>
-            </a:r>
-            <a:r>
-              <a:rPr lang="de-DE" dirty="0"/>
-              <a:t> MEMS</a:t>
-            </a:r>
+              <a:t> and </a:t>
+            </a:r>
+            <a:r>
+              <a:rPr lang="de-DE" dirty="0" err="1"/>
+              <a:t>semiconductor</a:t>
+            </a:r>
+            <a:r>
+              <a:rPr lang="de-DE" dirty="0"/>
+              <a:t> </a:t>
+            </a:r>
+            <a:r>
+              <a:rPr lang="de-DE" dirty="0" err="1"/>
+              <a:t>materials</a:t>
+            </a:r>
+            <a:endParaRPr lang="de-DE" dirty="0"/>
           </a:p>
           <a:p>
             <a:pPr marL="171450" lvl="0" indent="-171450">
@@ -2016,99 +2358,38 @@
               <a:buChar char="-"/>
             </a:pPr>
             <a:r>
-              <a:rPr lang="de-DE" dirty="0" err="1"/>
-              <a:t>Example</a:t>
-            </a:r>
-            <a:r>
-              <a:rPr lang="de-DE" dirty="0"/>
-              <a:t> </a:t>
-            </a:r>
-            <a:r>
-              <a:rPr lang="de-DE" dirty="0" err="1"/>
-              <a:t>BioMEMS</a:t>
-            </a:r>
-            <a:r>
-              <a:rPr lang="de-DE" dirty="0"/>
-              <a:t>, Medicine</a:t>
-            </a:r>
-          </a:p>
-          <a:p>
-            <a:pPr marL="171450" lvl="0" indent="-171450">
+              <a:rPr lang="de-DE" dirty="0"/>
+              <a:t>High </a:t>
+            </a:r>
+            <a:r>
+              <a:rPr lang="de-DE" dirty="0" err="1"/>
+              <a:t>aspect</a:t>
+            </a:r>
+            <a:r>
+              <a:rPr lang="de-DE" dirty="0"/>
+              <a:t> </a:t>
+            </a:r>
+            <a:r>
+              <a:rPr lang="de-DE" dirty="0" err="1"/>
+              <a:t>ratios</a:t>
+            </a:r>
+            <a:r>
+              <a:rPr lang="de-DE" dirty="0"/>
+              <a:t> </a:t>
+            </a:r>
+            <a:r>
+              <a:rPr lang="de-DE" dirty="0" err="1"/>
+              <a:t>over</a:t>
+            </a:r>
+            <a:r>
+              <a:rPr lang="de-DE" dirty="0"/>
+              <a:t> 100:1 possible</a:t>
+            </a:r>
+          </a:p>
+          <a:p>
+            <a:pPr marL="457200" lvl="1" indent="0">
               <a:buFontTx/>
-              <a:buChar char="-"/>
-            </a:pPr>
-            <a:r>
-              <a:rPr lang="de-DE" dirty="0"/>
-              <a:t>High </a:t>
-            </a:r>
-            <a:r>
-              <a:rPr lang="de-DE" dirty="0" err="1"/>
-              <a:t>aspect</a:t>
-            </a:r>
-            <a:r>
-              <a:rPr lang="de-DE" dirty="0"/>
-              <a:t> </a:t>
-            </a:r>
-            <a:r>
-              <a:rPr lang="de-DE" dirty="0" err="1"/>
-              <a:t>ratios</a:t>
-            </a:r>
-            <a:r>
-              <a:rPr lang="de-DE" dirty="0"/>
-              <a:t> possible</a:t>
-            </a:r>
-          </a:p>
-          <a:p>
-            <a:pPr marL="171450" lvl="0" indent="-171450">
-              <a:buFontTx/>
-              <a:buChar char="-"/>
-            </a:pPr>
-            <a:r>
-              <a:rPr lang="de-DE" dirty="0"/>
-              <a:t>Very </a:t>
-            </a:r>
-            <a:r>
-              <a:rPr lang="de-DE" dirty="0" err="1"/>
-              <a:t>cheap</a:t>
-            </a:r>
-            <a:r>
-              <a:rPr lang="de-DE" dirty="0"/>
-              <a:t> </a:t>
-            </a:r>
-            <a:r>
-              <a:rPr lang="de-DE" dirty="0" err="1"/>
-              <a:t>compared</a:t>
-            </a:r>
-            <a:r>
-              <a:rPr lang="de-DE" dirty="0"/>
-              <a:t> </a:t>
-            </a:r>
-            <a:r>
-              <a:rPr lang="de-DE" dirty="0" err="1"/>
-              <a:t>to</a:t>
-            </a:r>
-            <a:r>
-              <a:rPr lang="de-DE" dirty="0"/>
-              <a:t> </a:t>
-            </a:r>
-            <a:r>
-              <a:rPr lang="de-DE" dirty="0" err="1"/>
-              <a:t>other</a:t>
-            </a:r>
-            <a:r>
-              <a:rPr lang="de-DE" dirty="0"/>
-              <a:t> </a:t>
-            </a:r>
-            <a:r>
-              <a:rPr lang="de-DE" dirty="0" err="1"/>
-              <a:t>processes</a:t>
-            </a:r>
-            <a:endParaRPr lang="de-DE" dirty="0"/>
-          </a:p>
-          <a:p>
-            <a:pPr marL="171450" indent="-171450">
-              <a:buFontTx/>
-              <a:buChar char="-"/>
+              <a:buNone/>
             </a:pPr>
             <a:endParaRPr lang="de-DE" dirty="0"/>
           </a:p>
@@ -2131,6 +2412,540 @@
           <a:p>
             <a:fld id="{F4B4EF42-670F-4A33-808A-E8EEC242E52B}" type="slidenum">
               <a:rPr lang="en-GB" smtClean="0"/>
+              <a:t>5</a:t>
+            </a:fld>
+            <a:endParaRPr lang="en-GB"/>
+          </a:p>
+        </p:txBody>
+      </p:sp>
+    </p:spTree>
+    <p:extLst>
+      <p:ext uri="{BB962C8B-B14F-4D97-AF65-F5344CB8AC3E}">
+        <p14:creationId xmlns:p14="http://schemas.microsoft.com/office/powerpoint/2010/main" val="3386708221"/>
+      </p:ext>
+    </p:extLst>
+  </p:cSld>
+  <p:clrMapOvr>
+    <a:masterClrMapping/>
+  </p:clrMapOvr>
+</p:notes>
+</file>
+
+<file path=ppt/notesSlides/notesSlide5.xml><?xml version="1.0" encoding="utf-8"?>
+<p:notes xmlns:a="http://schemas.openxmlformats.org/drawingml/2006/main" xmlns:r="http://schemas.openxmlformats.org/officeDocument/2006/relationships" xmlns:p="http://schemas.openxmlformats.org/presentationml/2006/main">
+  <p:cSld>
+    <p:spTree>
+      <p:nvGrpSpPr>
+        <p:cNvPr id="1" name=""/>
+        <p:cNvGrpSpPr/>
+        <p:nvPr/>
+      </p:nvGrpSpPr>
+      <p:grpSpPr>
+        <a:xfrm>
+          <a:off x="0" y="0"/>
+          <a:ext cx="0" cy="0"/>
+          <a:chOff x="0" y="0"/>
+          <a:chExt cx="0" cy="0"/>
+        </a:xfrm>
+      </p:grpSpPr>
+      <p:sp>
+        <p:nvSpPr>
+          <p:cNvPr id="2" name="Folienbildplatzhalter 1"/>
+          <p:cNvSpPr>
+            <a:spLocks noGrp="1" noRot="1" noChangeAspect="1"/>
+          </p:cNvSpPr>
+          <p:nvPr>
+            <p:ph type="sldImg"/>
+          </p:nvPr>
+        </p:nvSpPr>
+        <p:spPr/>
+      </p:sp>
+      <p:sp>
+        <p:nvSpPr>
+          <p:cNvPr id="3" name="Notizenplatzhalter 2"/>
+          <p:cNvSpPr>
+            <a:spLocks noGrp="1"/>
+          </p:cNvSpPr>
+          <p:nvPr>
+            <p:ph type="body" idx="1"/>
+          </p:nvPr>
+        </p:nvSpPr>
+        <p:spPr/>
+        <p:txBody>
+          <a:bodyPr/>
+          <a:lstStyle/>
+          <a:p>
+            <a:pPr marL="171450" indent="-171450">
+              <a:buFontTx/>
+              <a:buChar char="-"/>
+            </a:pPr>
+            <a:r>
+              <a:rPr lang="de-DE" dirty="0" err="1"/>
+              <a:t>Process</a:t>
+            </a:r>
+            <a:r>
+              <a:rPr lang="de-DE" dirty="0"/>
+              <a:t> </a:t>
+            </a:r>
+            <a:r>
+              <a:rPr lang="de-DE" dirty="0" err="1"/>
+              <a:t>special</a:t>
+            </a:r>
+            <a:r>
+              <a:rPr lang="de-DE" dirty="0"/>
+              <a:t> </a:t>
+            </a:r>
+            <a:r>
+              <a:rPr lang="de-DE" dirty="0" err="1"/>
+              <a:t>for</a:t>
+            </a:r>
+            <a:r>
+              <a:rPr lang="de-DE" dirty="0"/>
+              <a:t> </a:t>
+            </a:r>
+            <a:r>
+              <a:rPr lang="de-DE" dirty="0" err="1"/>
+              <a:t>polymers</a:t>
+            </a:r>
+            <a:r>
+              <a:rPr lang="de-DE" dirty="0"/>
+              <a:t> </a:t>
+            </a:r>
+          </a:p>
+          <a:p>
+            <a:pPr marL="171450" indent="-171450">
+              <a:buFontTx/>
+              <a:buChar char="-"/>
+            </a:pPr>
+            <a:r>
+              <a:rPr lang="de-DE" dirty="0"/>
+              <a:t>Hot </a:t>
+            </a:r>
+            <a:r>
+              <a:rPr lang="de-DE" dirty="0" err="1"/>
+              <a:t>embossing</a:t>
+            </a:r>
+            <a:r>
+              <a:rPr lang="de-DE" dirty="0"/>
+              <a:t>: </a:t>
+            </a:r>
+          </a:p>
+          <a:p>
+            <a:pPr marL="628650" lvl="1" indent="-171450">
+              <a:buFontTx/>
+              <a:buChar char="-"/>
+            </a:pPr>
+            <a:r>
+              <a:rPr lang="de-DE" dirty="0" err="1"/>
+              <a:t>Produce</a:t>
+            </a:r>
+            <a:r>
+              <a:rPr lang="de-DE" dirty="0"/>
+              <a:t> </a:t>
+            </a:r>
+            <a:r>
+              <a:rPr lang="de-DE" dirty="0" err="1"/>
+              <a:t>embossing</a:t>
+            </a:r>
+            <a:r>
+              <a:rPr lang="de-DE" dirty="0"/>
+              <a:t> </a:t>
+            </a:r>
+            <a:r>
+              <a:rPr lang="de-DE" dirty="0" err="1"/>
+              <a:t>master</a:t>
+            </a:r>
+            <a:r>
+              <a:rPr lang="de-DE" dirty="0"/>
+              <a:t> </a:t>
+            </a:r>
+            <a:r>
+              <a:rPr lang="de-DE" dirty="0" err="1"/>
+              <a:t>by</a:t>
+            </a:r>
+            <a:r>
+              <a:rPr lang="de-DE" dirty="0"/>
+              <a:t> Liga </a:t>
+            </a:r>
+            <a:r>
+              <a:rPr lang="de-DE" dirty="0" err="1"/>
+              <a:t>or</a:t>
+            </a:r>
+            <a:r>
+              <a:rPr lang="de-DE" dirty="0"/>
+              <a:t> DRIE, </a:t>
+            </a:r>
+            <a:r>
+              <a:rPr lang="de-DE" dirty="0" err="1"/>
+              <a:t>works</a:t>
+            </a:r>
+            <a:r>
+              <a:rPr lang="de-DE" dirty="0"/>
+              <a:t> like a </a:t>
+            </a:r>
+            <a:r>
+              <a:rPr lang="de-DE" dirty="0" err="1"/>
+              <a:t>stamp</a:t>
+            </a:r>
+            <a:r>
+              <a:rPr lang="de-DE" dirty="0"/>
+              <a:t>, must </a:t>
+            </a:r>
+            <a:r>
+              <a:rPr lang="de-DE" dirty="0" err="1"/>
+              <a:t>be</a:t>
+            </a:r>
+            <a:r>
+              <a:rPr lang="de-DE" dirty="0"/>
+              <a:t> high </a:t>
+            </a:r>
+            <a:r>
+              <a:rPr lang="de-DE" dirty="0" err="1"/>
+              <a:t>quality</a:t>
+            </a:r>
+            <a:endParaRPr lang="de-DE" dirty="0"/>
+          </a:p>
+          <a:p>
+            <a:pPr marL="628650" lvl="1" indent="-171450">
+              <a:buFontTx/>
+              <a:buChar char="-"/>
+            </a:pPr>
+            <a:r>
+              <a:rPr lang="de-DE" dirty="0" err="1"/>
+              <a:t>Then</a:t>
+            </a:r>
+            <a:r>
+              <a:rPr lang="de-DE" dirty="0"/>
+              <a:t> </a:t>
+            </a:r>
+            <a:r>
+              <a:rPr lang="de-DE" dirty="0" err="1"/>
+              <a:t>heating</a:t>
+            </a:r>
+            <a:r>
+              <a:rPr lang="de-DE" dirty="0"/>
+              <a:t> </a:t>
+            </a:r>
+            <a:r>
+              <a:rPr lang="de-DE" dirty="0" err="1"/>
+              <a:t>up</a:t>
+            </a:r>
+            <a:r>
+              <a:rPr lang="de-DE" dirty="0"/>
+              <a:t> </a:t>
+            </a:r>
+            <a:r>
+              <a:rPr lang="de-DE" dirty="0" err="1"/>
+              <a:t>the</a:t>
+            </a:r>
+            <a:r>
+              <a:rPr lang="de-DE" dirty="0"/>
+              <a:t> polymer</a:t>
+            </a:r>
+          </a:p>
+          <a:p>
+            <a:pPr marL="628650" lvl="1" indent="-171450">
+              <a:buFontTx/>
+              <a:buChar char="-"/>
+            </a:pPr>
+            <a:r>
+              <a:rPr lang="de-DE" dirty="0" err="1"/>
+              <a:t>Embossing</a:t>
+            </a:r>
+            <a:r>
+              <a:rPr lang="de-DE" dirty="0"/>
+              <a:t> </a:t>
+            </a:r>
+            <a:r>
+              <a:rPr lang="de-DE" dirty="0" err="1"/>
+              <a:t>the</a:t>
+            </a:r>
+            <a:r>
+              <a:rPr lang="de-DE" dirty="0"/>
+              <a:t> polymer, </a:t>
+            </a:r>
+            <a:r>
+              <a:rPr lang="de-DE" dirty="0" err="1"/>
+              <a:t>embossing</a:t>
+            </a:r>
+            <a:r>
+              <a:rPr lang="de-DE" dirty="0"/>
+              <a:t> </a:t>
+            </a:r>
+            <a:r>
+              <a:rPr lang="de-DE" dirty="0" err="1"/>
+              <a:t>tool</a:t>
+            </a:r>
+            <a:r>
+              <a:rPr lang="de-DE" dirty="0"/>
+              <a:t> </a:t>
+            </a:r>
+            <a:r>
+              <a:rPr lang="de-DE" dirty="0" err="1"/>
+              <a:t>borught</a:t>
+            </a:r>
+            <a:r>
+              <a:rPr lang="de-DE" dirty="0"/>
+              <a:t> </a:t>
+            </a:r>
+            <a:r>
+              <a:rPr lang="de-DE" dirty="0" err="1"/>
+              <a:t>to</a:t>
+            </a:r>
+            <a:r>
+              <a:rPr lang="de-DE" dirty="0"/>
+              <a:t> </a:t>
+            </a:r>
+            <a:r>
+              <a:rPr lang="de-DE" dirty="0" err="1"/>
+              <a:t>contact</a:t>
+            </a:r>
+            <a:r>
+              <a:rPr lang="de-DE" dirty="0"/>
+              <a:t> </a:t>
+            </a:r>
+            <a:r>
+              <a:rPr lang="de-DE" dirty="0" err="1"/>
+              <a:t>with</a:t>
+            </a:r>
+            <a:r>
+              <a:rPr lang="de-DE" dirty="0"/>
+              <a:t> </a:t>
+            </a:r>
+            <a:r>
+              <a:rPr lang="de-DE" dirty="0" err="1"/>
+              <a:t>preheated</a:t>
+            </a:r>
+            <a:r>
+              <a:rPr lang="de-DE" dirty="0"/>
+              <a:t> polymer and </a:t>
+            </a:r>
+            <a:r>
+              <a:rPr lang="de-DE" dirty="0" err="1"/>
+              <a:t>embossed</a:t>
+            </a:r>
+            <a:r>
+              <a:rPr lang="de-DE" dirty="0"/>
+              <a:t> </a:t>
+            </a:r>
+            <a:r>
+              <a:rPr lang="de-DE" dirty="0" err="1"/>
+              <a:t>into</a:t>
+            </a:r>
+            <a:r>
+              <a:rPr lang="de-DE" dirty="0"/>
+              <a:t> </a:t>
+            </a:r>
+            <a:r>
+              <a:rPr lang="de-DE" dirty="0" err="1"/>
+              <a:t>it</a:t>
+            </a:r>
+            <a:endParaRPr lang="de-DE" dirty="0"/>
+          </a:p>
+          <a:p>
+            <a:pPr marL="628650" lvl="1" indent="-171450">
+              <a:buFontTx/>
+              <a:buChar char="-"/>
+            </a:pPr>
+            <a:r>
+              <a:rPr lang="de-DE" dirty="0"/>
+              <a:t>Remove </a:t>
+            </a:r>
+            <a:r>
+              <a:rPr lang="de-DE" dirty="0" err="1"/>
+              <a:t>tool</a:t>
+            </a:r>
+            <a:endParaRPr lang="de-DE" dirty="0"/>
+          </a:p>
+          <a:p>
+            <a:pPr marL="628650" lvl="1" indent="-171450">
+              <a:buFontTx/>
+              <a:buChar char="-"/>
+            </a:pPr>
+            <a:r>
+              <a:rPr lang="de-DE" dirty="0"/>
+              <a:t>Cooling down polymer</a:t>
+            </a:r>
+          </a:p>
+          <a:p>
+            <a:pPr marL="171450" lvl="0" indent="-171450">
+              <a:buFontTx/>
+              <a:buChar char="-"/>
+            </a:pPr>
+            <a:r>
+              <a:rPr lang="de-DE" dirty="0"/>
+              <a:t>Possible </a:t>
+            </a:r>
+            <a:r>
+              <a:rPr lang="de-DE" dirty="0" err="1"/>
+              <a:t>to</a:t>
+            </a:r>
+            <a:r>
+              <a:rPr lang="de-DE" dirty="0"/>
+              <a:t> </a:t>
+            </a:r>
+            <a:r>
+              <a:rPr lang="de-DE" dirty="0" err="1"/>
+              <a:t>use</a:t>
+            </a:r>
+            <a:r>
+              <a:rPr lang="de-DE" dirty="0"/>
+              <a:t> all </a:t>
+            </a:r>
+            <a:r>
+              <a:rPr lang="de-DE" dirty="0" err="1"/>
+              <a:t>advantages</a:t>
+            </a:r>
+            <a:r>
+              <a:rPr lang="de-DE" dirty="0"/>
+              <a:t> </a:t>
+            </a:r>
+            <a:r>
+              <a:rPr lang="de-DE" dirty="0" err="1"/>
+              <a:t>of</a:t>
+            </a:r>
+            <a:r>
+              <a:rPr lang="de-DE" dirty="0"/>
+              <a:t> </a:t>
+            </a:r>
+            <a:r>
+              <a:rPr lang="de-DE" dirty="0" err="1"/>
+              <a:t>polymers</a:t>
+            </a:r>
+            <a:r>
+              <a:rPr lang="de-DE" dirty="0"/>
+              <a:t> </a:t>
+            </a:r>
+            <a:r>
+              <a:rPr lang="de-DE" dirty="0" err="1"/>
+              <a:t>for</a:t>
+            </a:r>
+            <a:r>
+              <a:rPr lang="de-DE" dirty="0"/>
+              <a:t> MEMS</a:t>
+            </a:r>
+          </a:p>
+          <a:p>
+            <a:pPr marL="171450" lvl="0" indent="-171450">
+              <a:buFontTx/>
+              <a:buChar char="-"/>
+            </a:pPr>
+            <a:r>
+              <a:rPr lang="de-DE" dirty="0" err="1"/>
+              <a:t>Example</a:t>
+            </a:r>
+            <a:r>
+              <a:rPr lang="de-DE" dirty="0"/>
+              <a:t> </a:t>
+            </a:r>
+            <a:r>
+              <a:rPr lang="de-DE" dirty="0" err="1"/>
+              <a:t>BioMEMS</a:t>
+            </a:r>
+            <a:r>
+              <a:rPr lang="de-DE" dirty="0"/>
+              <a:t>, Medicine</a:t>
+            </a:r>
+          </a:p>
+          <a:p>
+            <a:pPr marL="171450" lvl="0" indent="-171450">
+              <a:buFontTx/>
+              <a:buChar char="-"/>
+            </a:pPr>
+            <a:r>
+              <a:rPr lang="de-DE" dirty="0"/>
+              <a:t>High </a:t>
+            </a:r>
+            <a:r>
+              <a:rPr lang="de-DE" dirty="0" err="1"/>
+              <a:t>aspect</a:t>
+            </a:r>
+            <a:r>
+              <a:rPr lang="de-DE" dirty="0"/>
+              <a:t> </a:t>
+            </a:r>
+            <a:r>
+              <a:rPr lang="de-DE" dirty="0" err="1"/>
+              <a:t>ratios</a:t>
+            </a:r>
+            <a:r>
+              <a:rPr lang="de-DE" dirty="0"/>
+              <a:t> possible</a:t>
+            </a:r>
+          </a:p>
+          <a:p>
+            <a:pPr marL="171450" lvl="0" indent="-171450">
+              <a:buFontTx/>
+              <a:buChar char="-"/>
+            </a:pPr>
+            <a:r>
+              <a:rPr lang="de-DE" dirty="0"/>
+              <a:t>Very </a:t>
+            </a:r>
+            <a:r>
+              <a:rPr lang="de-DE" dirty="0" err="1"/>
+              <a:t>cheap</a:t>
+            </a:r>
+            <a:r>
+              <a:rPr lang="de-DE" dirty="0"/>
+              <a:t> </a:t>
+            </a:r>
+            <a:r>
+              <a:rPr lang="de-DE" dirty="0" err="1"/>
+              <a:t>compared</a:t>
+            </a:r>
+            <a:r>
+              <a:rPr lang="de-DE" dirty="0"/>
+              <a:t> </a:t>
+            </a:r>
+            <a:r>
+              <a:rPr lang="de-DE" dirty="0" err="1"/>
+              <a:t>to</a:t>
+            </a:r>
+            <a:r>
+              <a:rPr lang="de-DE" dirty="0"/>
+              <a:t> </a:t>
+            </a:r>
+            <a:r>
+              <a:rPr lang="de-DE" dirty="0" err="1"/>
+              <a:t>other</a:t>
+            </a:r>
+            <a:r>
+              <a:rPr lang="de-DE" dirty="0"/>
+              <a:t> </a:t>
+            </a:r>
+            <a:r>
+              <a:rPr lang="de-DE" dirty="0" err="1"/>
+              <a:t>processes</a:t>
+            </a:r>
+            <a:endParaRPr lang="de-DE" dirty="0"/>
+          </a:p>
+          <a:p>
+            <a:pPr marL="171450" indent="-171450">
+              <a:buFontTx/>
+              <a:buChar char="-"/>
+            </a:pPr>
+            <a:endParaRPr lang="de-DE" dirty="0"/>
+          </a:p>
+        </p:txBody>
+      </p:sp>
+      <p:sp>
+        <p:nvSpPr>
+          <p:cNvPr id="4" name="Foliennummernplatzhalter 3"/>
+          <p:cNvSpPr>
+            <a:spLocks noGrp="1"/>
+          </p:cNvSpPr>
+          <p:nvPr>
+            <p:ph type="sldNum" sz="quarter" idx="5"/>
+          </p:nvPr>
+        </p:nvSpPr>
+        <p:spPr/>
+        <p:txBody>
+          <a:bodyPr/>
+          <a:lstStyle/>
+          <a:p>
+            <a:fld id="{F4B4EF42-670F-4A33-808A-E8EEC242E52B}" type="slidenum">
+              <a:rPr lang="en-GB" smtClean="0"/>
               <a:t>6</a:t>
             </a:fld>
             <a:endParaRPr lang="en-GB"/>
@@ -2141,6 +2956,1016 @@
     <p:extLst>
       <p:ext uri="{BB962C8B-B14F-4D97-AF65-F5344CB8AC3E}">
         <p14:creationId xmlns:p14="http://schemas.microsoft.com/office/powerpoint/2010/main" val="3224470838"/>
+      </p:ext>
+    </p:extLst>
+  </p:cSld>
+  <p:clrMapOvr>
+    <a:masterClrMapping/>
+  </p:clrMapOvr>
+</p:notes>
+</file>
+
+<file path=ppt/notesSlides/notesSlide6.xml><?xml version="1.0" encoding="utf-8"?>
+<p:notes xmlns:a="http://schemas.openxmlformats.org/drawingml/2006/main" xmlns:r="http://schemas.openxmlformats.org/officeDocument/2006/relationships" xmlns:p="http://schemas.openxmlformats.org/presentationml/2006/main">
+  <p:cSld>
+    <p:spTree>
+      <p:nvGrpSpPr>
+        <p:cNvPr id="1" name=""/>
+        <p:cNvGrpSpPr/>
+        <p:nvPr/>
+      </p:nvGrpSpPr>
+      <p:grpSpPr>
+        <a:xfrm>
+          <a:off x="0" y="0"/>
+          <a:ext cx="0" cy="0"/>
+          <a:chOff x="0" y="0"/>
+          <a:chExt cx="0" cy="0"/>
+        </a:xfrm>
+      </p:grpSpPr>
+      <p:sp>
+        <p:nvSpPr>
+          <p:cNvPr id="2" name="Folienbildplatzhalter 1"/>
+          <p:cNvSpPr>
+            <a:spLocks noGrp="1" noRot="1" noChangeAspect="1"/>
+          </p:cNvSpPr>
+          <p:nvPr>
+            <p:ph type="sldImg"/>
+          </p:nvPr>
+        </p:nvSpPr>
+        <p:spPr/>
+      </p:sp>
+      <p:sp>
+        <p:nvSpPr>
+          <p:cNvPr id="3" name="Notizenplatzhalter 2"/>
+          <p:cNvSpPr>
+            <a:spLocks noGrp="1"/>
+          </p:cNvSpPr>
+          <p:nvPr>
+            <p:ph type="body" idx="1"/>
+          </p:nvPr>
+        </p:nvSpPr>
+        <p:spPr/>
+        <p:txBody>
+          <a:bodyPr/>
+          <a:lstStyle/>
+          <a:p>
+            <a:r>
+              <a:rPr lang="de-DE" dirty="0"/>
+              <a:t>DRIE ( </a:t>
+            </a:r>
+            <a:r>
+              <a:rPr lang="de-DE" dirty="0" err="1"/>
+              <a:t>deep</a:t>
+            </a:r>
+            <a:r>
+              <a:rPr lang="de-DE" dirty="0"/>
+              <a:t> </a:t>
+            </a:r>
+            <a:r>
+              <a:rPr lang="de-DE" dirty="0" err="1"/>
+              <a:t>reactiv</a:t>
+            </a:r>
+            <a:r>
+              <a:rPr lang="de-DE" dirty="0"/>
+              <a:t> </a:t>
+            </a:r>
+            <a:r>
+              <a:rPr lang="de-DE" dirty="0" err="1"/>
+              <a:t>ion</a:t>
+            </a:r>
+            <a:r>
+              <a:rPr lang="de-DE" dirty="0"/>
+              <a:t> </a:t>
+            </a:r>
+            <a:r>
+              <a:rPr lang="de-DE" dirty="0" err="1"/>
+              <a:t>etching</a:t>
+            </a:r>
+            <a:r>
+              <a:rPr lang="de-DE" dirty="0"/>
+              <a:t>)</a:t>
+            </a:r>
+          </a:p>
+          <a:p>
+            <a:r>
+              <a:rPr lang="de-DE" dirty="0"/>
+              <a:t>	-50:1</a:t>
+            </a:r>
+          </a:p>
+          <a:p>
+            <a:r>
+              <a:rPr lang="de-DE" dirty="0"/>
+              <a:t>	-</a:t>
+            </a:r>
+            <a:r>
+              <a:rPr lang="de-DE" dirty="0" err="1"/>
+              <a:t>cost</a:t>
+            </a:r>
+            <a:r>
+              <a:rPr lang="de-DE" dirty="0"/>
+              <a:t> </a:t>
+            </a:r>
+            <a:r>
+              <a:rPr lang="de-DE" dirty="0" err="1"/>
+              <a:t>savings</a:t>
+            </a:r>
+            <a:r>
+              <a:rPr lang="de-DE" dirty="0"/>
+              <a:t> </a:t>
+            </a:r>
+            <a:r>
+              <a:rPr lang="de-DE" dirty="0" err="1"/>
+              <a:t>and</a:t>
+            </a:r>
+            <a:r>
+              <a:rPr lang="de-DE" dirty="0"/>
+              <a:t> </a:t>
+            </a:r>
+            <a:r>
+              <a:rPr lang="de-DE" dirty="0" err="1"/>
+              <a:t>faster</a:t>
+            </a:r>
+            <a:r>
+              <a:rPr lang="de-DE" dirty="0"/>
+              <a:t> </a:t>
+            </a:r>
+            <a:r>
+              <a:rPr lang="de-DE" dirty="0" err="1"/>
+              <a:t>process</a:t>
+            </a:r>
+            <a:r>
+              <a:rPr lang="de-DE" dirty="0"/>
+              <a:t> time</a:t>
+            </a:r>
+          </a:p>
+          <a:p>
+            <a:r>
+              <a:rPr lang="de-DE" dirty="0"/>
+              <a:t>	-</a:t>
+            </a:r>
+            <a:r>
+              <a:rPr lang="de-DE" dirty="0" err="1"/>
+              <a:t>etching</a:t>
+            </a:r>
+            <a:r>
+              <a:rPr lang="de-DE" dirty="0"/>
+              <a:t> </a:t>
+            </a:r>
+            <a:r>
+              <a:rPr lang="de-DE" dirty="0" err="1"/>
+              <a:t>into</a:t>
+            </a:r>
+            <a:r>
+              <a:rPr lang="de-DE" dirty="0"/>
+              <a:t> </a:t>
+            </a:r>
+            <a:r>
+              <a:rPr lang="de-DE" dirty="0" err="1"/>
+              <a:t>the</a:t>
+            </a:r>
+            <a:r>
+              <a:rPr lang="de-DE" dirty="0"/>
+              <a:t> </a:t>
+            </a:r>
+            <a:r>
+              <a:rPr lang="de-DE" dirty="0" err="1"/>
+              <a:t>substrade</a:t>
+            </a:r>
+            <a:endParaRPr lang="de-DE" dirty="0"/>
+          </a:p>
+          <a:p>
+            <a:r>
+              <a:rPr lang="de-DE" dirty="0"/>
+              <a:t>	-</a:t>
+            </a:r>
+            <a:r>
+              <a:rPr lang="de-DE" dirty="0" err="1"/>
+              <a:t>passivation</a:t>
+            </a:r>
+            <a:r>
+              <a:rPr lang="de-DE" dirty="0"/>
+              <a:t> plasma-polymer-</a:t>
+            </a:r>
+            <a:r>
+              <a:rPr lang="de-DE" dirty="0" err="1"/>
+              <a:t>layer</a:t>
+            </a:r>
+            <a:r>
+              <a:rPr lang="de-DE" dirty="0"/>
+              <a:t> (</a:t>
+            </a:r>
+            <a:r>
+              <a:rPr lang="de-DE" dirty="0" err="1"/>
+              <a:t>isotropic</a:t>
+            </a:r>
+            <a:r>
+              <a:rPr lang="de-DE" dirty="0"/>
+              <a:t>)</a:t>
+            </a:r>
+          </a:p>
+          <a:p>
+            <a:r>
+              <a:rPr lang="de-DE" dirty="0"/>
+              <a:t>	-</a:t>
+            </a:r>
+            <a:r>
+              <a:rPr lang="de-DE" dirty="0" err="1"/>
+              <a:t>etch</a:t>
+            </a:r>
+            <a:r>
+              <a:rPr lang="de-DE" dirty="0"/>
+              <a:t> </a:t>
+            </a:r>
+            <a:r>
+              <a:rPr lang="de-DE" dirty="0" err="1"/>
+              <a:t>next</a:t>
+            </a:r>
+            <a:r>
+              <a:rPr lang="de-DE" dirty="0"/>
+              <a:t> </a:t>
+            </a:r>
+            <a:r>
+              <a:rPr lang="de-DE" dirty="0" err="1"/>
+              <a:t>step</a:t>
+            </a:r>
+            <a:r>
+              <a:rPr lang="de-DE" dirty="0"/>
+              <a:t> </a:t>
+            </a:r>
+            <a:r>
+              <a:rPr lang="de-DE" dirty="0" err="1"/>
+              <a:t>through</a:t>
+            </a:r>
+            <a:r>
+              <a:rPr lang="de-DE" dirty="0"/>
+              <a:t> </a:t>
+            </a:r>
+            <a:r>
+              <a:rPr lang="de-DE" dirty="0" err="1"/>
+              <a:t>the</a:t>
+            </a:r>
+            <a:r>
+              <a:rPr lang="de-DE" dirty="0"/>
+              <a:t> </a:t>
+            </a:r>
+            <a:r>
+              <a:rPr lang="de-DE" dirty="0" err="1"/>
+              <a:t>layer</a:t>
+            </a:r>
+            <a:r>
+              <a:rPr lang="de-DE" dirty="0"/>
+              <a:t> </a:t>
+            </a:r>
+            <a:r>
+              <a:rPr lang="de-DE" dirty="0" err="1"/>
+              <a:t>into</a:t>
+            </a:r>
+            <a:r>
+              <a:rPr lang="de-DE" dirty="0"/>
+              <a:t> </a:t>
+            </a:r>
+            <a:r>
+              <a:rPr lang="de-DE" dirty="0" err="1"/>
+              <a:t>substrade</a:t>
+            </a:r>
+            <a:r>
+              <a:rPr lang="de-DE" dirty="0"/>
+              <a:t> (</a:t>
+            </a:r>
+            <a:r>
+              <a:rPr lang="de-DE" dirty="0" err="1"/>
+              <a:t>anisotorpic</a:t>
+            </a:r>
+            <a:r>
+              <a:rPr lang="de-DE" dirty="0"/>
+              <a:t>)</a:t>
+            </a:r>
+          </a:p>
+          <a:p>
+            <a:r>
+              <a:rPr lang="de-DE" dirty="0"/>
+              <a:t>	-</a:t>
+            </a:r>
+            <a:r>
+              <a:rPr lang="de-DE" dirty="0" err="1"/>
+              <a:t>disadvantage</a:t>
+            </a:r>
+            <a:r>
+              <a:rPr lang="de-DE" dirty="0"/>
+              <a:t> </a:t>
+            </a:r>
+            <a:r>
+              <a:rPr lang="de-DE" dirty="0" err="1"/>
+              <a:t>of</a:t>
+            </a:r>
+            <a:r>
+              <a:rPr lang="de-DE" dirty="0"/>
+              <a:t> </a:t>
+            </a:r>
+            <a:r>
+              <a:rPr lang="de-DE" dirty="0" err="1"/>
+              <a:t>this</a:t>
+            </a:r>
+            <a:r>
+              <a:rPr lang="de-DE" dirty="0"/>
+              <a:t> </a:t>
+            </a:r>
+            <a:r>
+              <a:rPr lang="de-DE" dirty="0" err="1"/>
+              <a:t>process</a:t>
+            </a:r>
+            <a:r>
+              <a:rPr lang="de-DE" dirty="0"/>
+              <a:t> </a:t>
+            </a:r>
+            <a:r>
+              <a:rPr lang="de-DE" dirty="0" err="1"/>
+              <a:t>is</a:t>
+            </a:r>
+            <a:r>
+              <a:rPr lang="de-DE" dirty="0"/>
+              <a:t> </a:t>
+            </a:r>
+            <a:r>
+              <a:rPr lang="de-DE" dirty="0" err="1"/>
+              <a:t>the</a:t>
+            </a:r>
+            <a:r>
+              <a:rPr lang="de-DE" dirty="0"/>
+              <a:t> </a:t>
+            </a:r>
+            <a:r>
+              <a:rPr lang="de-DE" dirty="0" err="1"/>
+              <a:t>litigation</a:t>
+            </a:r>
+            <a:r>
+              <a:rPr lang="de-DE" dirty="0"/>
+              <a:t>. </a:t>
+            </a:r>
+            <a:r>
+              <a:rPr lang="de-DE" dirty="0" err="1"/>
+              <a:t>It</a:t>
+            </a:r>
+            <a:r>
+              <a:rPr lang="de-DE" dirty="0"/>
+              <a:t> </a:t>
+            </a:r>
+            <a:r>
+              <a:rPr lang="de-DE" dirty="0" err="1"/>
+              <a:t>has</a:t>
+            </a:r>
+            <a:r>
+              <a:rPr lang="de-DE" dirty="0"/>
+              <a:t> </a:t>
+            </a:r>
+            <a:r>
+              <a:rPr lang="de-DE" dirty="0" err="1"/>
+              <a:t>to</a:t>
+            </a:r>
+            <a:r>
+              <a:rPr lang="de-DE" dirty="0"/>
+              <a:t> </a:t>
+            </a:r>
+            <a:r>
+              <a:rPr lang="de-DE" dirty="0" err="1"/>
+              <a:t>be</a:t>
+            </a:r>
+            <a:r>
+              <a:rPr lang="de-DE" dirty="0"/>
+              <a:t> </a:t>
+            </a:r>
+            <a:r>
+              <a:rPr lang="de-DE" dirty="0" err="1"/>
+              <a:t>optimized</a:t>
+            </a:r>
+            <a:r>
+              <a:rPr lang="de-DE" dirty="0"/>
+              <a:t> </a:t>
+            </a:r>
+            <a:r>
+              <a:rPr lang="de-DE" dirty="0" err="1"/>
+              <a:t>for</a:t>
+            </a:r>
+            <a:r>
+              <a:rPr lang="de-DE" dirty="0"/>
+              <a:t> </a:t>
+            </a:r>
+            <a:r>
+              <a:rPr lang="de-DE" dirty="0" err="1"/>
+              <a:t>every</a:t>
+            </a:r>
+            <a:r>
+              <a:rPr lang="de-DE" dirty="0"/>
+              <a:t> </a:t>
+            </a:r>
+            <a:r>
+              <a:rPr lang="de-DE" dirty="0" err="1"/>
+              <a:t>single</a:t>
+            </a:r>
+            <a:r>
+              <a:rPr lang="de-DE" dirty="0"/>
+              <a:t> </a:t>
+            </a:r>
+            <a:r>
+              <a:rPr lang="de-DE" dirty="0" err="1"/>
+              <a:t>structure</a:t>
+            </a:r>
+            <a:r>
+              <a:rPr lang="de-DE" dirty="0"/>
+              <a:t>, </a:t>
+            </a:r>
+            <a:r>
+              <a:rPr lang="de-DE" dirty="0" err="1"/>
+              <a:t>to</a:t>
+            </a:r>
+            <a:r>
+              <a:rPr lang="de-DE" dirty="0"/>
+              <a:t> </a:t>
+            </a:r>
+            <a:r>
+              <a:rPr lang="de-DE" dirty="0" err="1"/>
+              <a:t>get</a:t>
+            </a:r>
+            <a:r>
+              <a:rPr lang="de-DE" dirty="0"/>
+              <a:t> </a:t>
+            </a:r>
+            <a:r>
+              <a:rPr lang="de-DE" dirty="0" err="1"/>
+              <a:t>vertical</a:t>
+            </a:r>
+            <a:r>
+              <a:rPr lang="de-DE" dirty="0"/>
+              <a:t> </a:t>
+            </a:r>
+            <a:r>
+              <a:rPr lang="de-DE" dirty="0" err="1"/>
+              <a:t>and</a:t>
+            </a:r>
+            <a:r>
+              <a:rPr lang="de-DE" dirty="0"/>
+              <a:t> smooth </a:t>
+            </a:r>
+            <a:r>
+              <a:rPr lang="de-DE" dirty="0" err="1"/>
+              <a:t>side</a:t>
+            </a:r>
+            <a:r>
+              <a:rPr lang="de-DE" dirty="0"/>
+              <a:t> </a:t>
+            </a:r>
+            <a:r>
+              <a:rPr lang="de-DE" dirty="0" err="1"/>
+              <a:t>walls</a:t>
+            </a:r>
+            <a:endParaRPr lang="de-DE" dirty="0"/>
+          </a:p>
+          <a:p>
+            <a:r>
+              <a:rPr lang="de-DE" dirty="0"/>
+              <a:t>	-aufs </a:t>
+            </a:r>
+            <a:r>
+              <a:rPr lang="de-DE" dirty="0" err="1"/>
+              <a:t>bild</a:t>
+            </a:r>
+            <a:r>
+              <a:rPr lang="de-DE" dirty="0"/>
+              <a:t> verweisen</a:t>
+            </a:r>
+          </a:p>
+          <a:p>
+            <a:r>
+              <a:rPr lang="de-DE" dirty="0"/>
+              <a:t>UV LIGA</a:t>
+            </a:r>
+          </a:p>
+          <a:p>
+            <a:r>
+              <a:rPr lang="de-DE" dirty="0"/>
+              <a:t>	- </a:t>
+            </a:r>
+            <a:r>
+              <a:rPr lang="de-DE" dirty="0" err="1"/>
+              <a:t>enhancement</a:t>
+            </a:r>
+            <a:r>
+              <a:rPr lang="de-DE" dirty="0"/>
+              <a:t> </a:t>
+            </a:r>
+            <a:r>
+              <a:rPr lang="de-DE" dirty="0" err="1"/>
+              <a:t>of</a:t>
+            </a:r>
+            <a:r>
+              <a:rPr lang="de-DE" dirty="0"/>
+              <a:t> X-Ray LIGA </a:t>
+            </a:r>
+          </a:p>
+          <a:p>
+            <a:r>
+              <a:rPr lang="de-DE" dirty="0"/>
+              <a:t>	- </a:t>
+            </a:r>
+            <a:r>
+              <a:rPr lang="de-DE" dirty="0" err="1"/>
+              <a:t>uses</a:t>
+            </a:r>
+            <a:r>
+              <a:rPr lang="de-DE" dirty="0"/>
+              <a:t> </a:t>
+            </a:r>
+            <a:r>
+              <a:rPr lang="de-DE" dirty="0" err="1"/>
+              <a:t>photoresist</a:t>
+            </a:r>
+            <a:r>
+              <a:rPr lang="de-DE" dirty="0"/>
+              <a:t> </a:t>
+            </a:r>
+            <a:r>
+              <a:rPr lang="de-DE" dirty="0" err="1"/>
+              <a:t>enabled</a:t>
+            </a:r>
+            <a:r>
+              <a:rPr lang="de-DE" dirty="0"/>
+              <a:t> </a:t>
+            </a:r>
+            <a:r>
+              <a:rPr lang="de-DE" dirty="0" err="1"/>
+              <a:t>the</a:t>
+            </a:r>
+            <a:r>
+              <a:rPr lang="de-DE" dirty="0"/>
+              <a:t> </a:t>
+            </a:r>
+            <a:r>
+              <a:rPr lang="de-DE" dirty="0" err="1"/>
+              <a:t>fabrication</a:t>
+            </a:r>
+            <a:r>
+              <a:rPr lang="de-DE" dirty="0"/>
+              <a:t> </a:t>
+            </a:r>
+            <a:r>
+              <a:rPr lang="de-DE" dirty="0" err="1"/>
+              <a:t>without</a:t>
+            </a:r>
+            <a:r>
+              <a:rPr lang="de-DE" dirty="0"/>
+              <a:t> </a:t>
+            </a:r>
+            <a:r>
+              <a:rPr lang="de-DE" dirty="0" err="1"/>
+              <a:t>synchrotron</a:t>
+            </a:r>
+            <a:r>
+              <a:rPr lang="de-DE" dirty="0"/>
+              <a:t> </a:t>
+            </a:r>
+            <a:r>
+              <a:rPr lang="de-DE" dirty="0" err="1"/>
+              <a:t>source</a:t>
+            </a:r>
+            <a:endParaRPr lang="de-DE" dirty="0"/>
+          </a:p>
+          <a:p>
+            <a:r>
+              <a:rPr lang="de-DE" dirty="0"/>
+              <a:t>	-  not so </a:t>
+            </a:r>
+            <a:r>
+              <a:rPr lang="de-DE" dirty="0" err="1"/>
+              <a:t>precisly</a:t>
+            </a:r>
+            <a:r>
+              <a:rPr lang="de-DE" dirty="0"/>
+              <a:t> like normal </a:t>
+            </a:r>
+            <a:r>
+              <a:rPr lang="de-DE" dirty="0" err="1"/>
+              <a:t>liga</a:t>
+            </a:r>
+            <a:r>
+              <a:rPr lang="de-DE" dirty="0"/>
+              <a:t>, but </a:t>
+            </a:r>
+            <a:r>
+              <a:rPr lang="de-DE" dirty="0" err="1"/>
+              <a:t>cheaper</a:t>
+            </a:r>
+            <a:r>
+              <a:rPr lang="de-DE" dirty="0"/>
+              <a:t> </a:t>
+            </a:r>
+          </a:p>
+          <a:p>
+            <a:r>
+              <a:rPr lang="de-DE" dirty="0"/>
+              <a:t>SCREAM (Single Crystal </a:t>
+            </a:r>
+            <a:r>
+              <a:rPr lang="de-DE" dirty="0" err="1"/>
+              <a:t>silicon</a:t>
+            </a:r>
+            <a:r>
+              <a:rPr lang="de-DE" dirty="0"/>
+              <a:t> </a:t>
+            </a:r>
+            <a:r>
+              <a:rPr lang="de-DE" dirty="0" err="1"/>
+              <a:t>Reactive</a:t>
+            </a:r>
+            <a:r>
+              <a:rPr lang="de-DE" dirty="0"/>
+              <a:t> </a:t>
+            </a:r>
+            <a:r>
+              <a:rPr lang="de-DE" dirty="0" err="1"/>
+              <a:t>Etching</a:t>
+            </a:r>
+            <a:r>
+              <a:rPr lang="de-DE" dirty="0"/>
+              <a:t> an </a:t>
+            </a:r>
+            <a:r>
+              <a:rPr lang="de-DE" dirty="0" err="1"/>
+              <a:t>Metallization</a:t>
+            </a:r>
+            <a:r>
+              <a:rPr lang="de-DE" dirty="0"/>
+              <a:t>)</a:t>
+            </a:r>
+          </a:p>
+          <a:p>
+            <a:r>
+              <a:rPr lang="de-DE" dirty="0"/>
+              <a:t>	- 50:1</a:t>
+            </a:r>
+          </a:p>
+          <a:p>
+            <a:r>
+              <a:rPr lang="de-DE" dirty="0"/>
+              <a:t>	- </a:t>
+            </a:r>
+            <a:r>
+              <a:rPr lang="de-DE" dirty="0" err="1"/>
+              <a:t>under</a:t>
+            </a:r>
+            <a:r>
+              <a:rPr lang="de-DE" dirty="0"/>
+              <a:t> </a:t>
+            </a:r>
+            <a:r>
+              <a:rPr lang="de-DE" dirty="0" err="1"/>
+              <a:t>etched</a:t>
+            </a:r>
+            <a:r>
+              <a:rPr lang="de-DE" dirty="0"/>
+              <a:t> </a:t>
+            </a:r>
+            <a:r>
+              <a:rPr lang="de-DE" dirty="0" err="1"/>
+              <a:t>structures</a:t>
+            </a:r>
+            <a:r>
+              <a:rPr lang="de-DE" dirty="0"/>
+              <a:t> like </a:t>
+            </a:r>
+            <a:r>
+              <a:rPr lang="de-DE" dirty="0" err="1"/>
+              <a:t>beams</a:t>
+            </a:r>
+            <a:r>
+              <a:rPr lang="de-DE" dirty="0"/>
+              <a:t> </a:t>
+            </a:r>
+            <a:r>
+              <a:rPr lang="de-DE" dirty="0" err="1"/>
+              <a:t>and</a:t>
+            </a:r>
+            <a:r>
+              <a:rPr lang="de-DE" dirty="0"/>
+              <a:t> </a:t>
+            </a:r>
+            <a:r>
+              <a:rPr lang="de-DE" dirty="0" err="1"/>
+              <a:t>bridges</a:t>
+            </a:r>
+            <a:endParaRPr lang="de-DE" dirty="0"/>
+          </a:p>
+          <a:p>
+            <a:r>
+              <a:rPr lang="de-DE" dirty="0"/>
+              <a:t>	- </a:t>
+            </a:r>
+            <a:r>
+              <a:rPr lang="de-DE" dirty="0" err="1"/>
+              <a:t>uses</a:t>
+            </a:r>
+            <a:r>
+              <a:rPr lang="de-DE" dirty="0"/>
+              <a:t> DRIE but Silicon </a:t>
+            </a:r>
+            <a:r>
+              <a:rPr lang="de-DE" dirty="0" err="1"/>
+              <a:t>oxide</a:t>
+            </a:r>
+            <a:r>
+              <a:rPr lang="de-DE" dirty="0"/>
+              <a:t> an an </a:t>
+            </a:r>
+            <a:r>
+              <a:rPr lang="de-DE" dirty="0" err="1"/>
+              <a:t>isotropic</a:t>
+            </a:r>
+            <a:r>
+              <a:rPr lang="de-DE" dirty="0"/>
+              <a:t> </a:t>
+            </a:r>
+            <a:r>
+              <a:rPr lang="de-DE" dirty="0" err="1"/>
+              <a:t>etch</a:t>
+            </a:r>
+            <a:r>
+              <a:rPr lang="de-DE" dirty="0"/>
+              <a:t> </a:t>
+            </a:r>
+            <a:r>
+              <a:rPr lang="de-DE" dirty="0" err="1"/>
+              <a:t>process</a:t>
+            </a:r>
+            <a:r>
+              <a:rPr lang="de-DE" dirty="0"/>
+              <a:t> </a:t>
+            </a:r>
+            <a:r>
+              <a:rPr lang="de-DE" dirty="0" err="1"/>
+              <a:t>to</a:t>
+            </a:r>
+            <a:r>
+              <a:rPr lang="de-DE" dirty="0"/>
+              <a:t> </a:t>
+            </a:r>
+            <a:r>
+              <a:rPr lang="de-DE" dirty="0" err="1"/>
+              <a:t>undermine</a:t>
+            </a:r>
+            <a:r>
+              <a:rPr lang="de-DE" dirty="0"/>
+              <a:t> </a:t>
+            </a:r>
+            <a:r>
+              <a:rPr lang="de-DE" dirty="0" err="1"/>
+              <a:t>the</a:t>
+            </a:r>
+            <a:r>
+              <a:rPr lang="de-DE" dirty="0"/>
+              <a:t> </a:t>
+            </a:r>
+            <a:r>
+              <a:rPr lang="de-DE" dirty="0" err="1"/>
+              <a:t>trenches</a:t>
+            </a:r>
+            <a:r>
+              <a:rPr lang="de-DE" dirty="0"/>
+              <a:t>.</a:t>
+            </a:r>
+          </a:p>
+          <a:p>
+            <a:r>
+              <a:rPr lang="de-DE" dirty="0"/>
+              <a:t>	- </a:t>
+            </a:r>
+            <a:r>
+              <a:rPr lang="de-DE" dirty="0" err="1"/>
+              <a:t>very</a:t>
+            </a:r>
+            <a:r>
+              <a:rPr lang="de-DE" dirty="0"/>
+              <a:t> large, robust </a:t>
+            </a:r>
+            <a:r>
+              <a:rPr lang="de-DE" dirty="0" err="1"/>
+              <a:t>and</a:t>
+            </a:r>
+            <a:r>
+              <a:rPr lang="de-DE" dirty="0"/>
+              <a:t> </a:t>
+            </a:r>
+            <a:r>
+              <a:rPr lang="de-DE" dirty="0" err="1"/>
+              <a:t>stiff</a:t>
+            </a:r>
+            <a:r>
+              <a:rPr lang="de-DE" dirty="0"/>
+              <a:t> </a:t>
+            </a:r>
+            <a:r>
+              <a:rPr lang="de-DE" dirty="0" err="1"/>
+              <a:t>vertical</a:t>
+            </a:r>
+            <a:r>
+              <a:rPr lang="de-DE" dirty="0"/>
+              <a:t> </a:t>
+            </a:r>
+            <a:r>
+              <a:rPr lang="de-DE" dirty="0" err="1"/>
+              <a:t>movable</a:t>
+            </a:r>
+            <a:r>
+              <a:rPr lang="de-DE" dirty="0"/>
+              <a:t> </a:t>
+            </a:r>
+            <a:r>
+              <a:rPr lang="de-DE" dirty="0" err="1"/>
+              <a:t>structure</a:t>
+            </a:r>
+            <a:endParaRPr lang="de-DE" dirty="0"/>
+          </a:p>
+          <a:p>
+            <a:r>
+              <a:rPr lang="de-DE" dirty="0"/>
+              <a:t>	- </a:t>
+            </a:r>
+            <a:r>
+              <a:rPr lang="de-DE" dirty="0" err="1"/>
+              <a:t>low</a:t>
+            </a:r>
+            <a:r>
+              <a:rPr lang="de-DE" dirty="0"/>
+              <a:t> </a:t>
+            </a:r>
+            <a:r>
+              <a:rPr lang="de-DE" dirty="0" err="1"/>
+              <a:t>quality</a:t>
+            </a:r>
+            <a:r>
+              <a:rPr lang="de-DE" dirty="0"/>
+              <a:t> </a:t>
+            </a:r>
+            <a:r>
+              <a:rPr lang="de-DE" dirty="0" err="1"/>
+              <a:t>factor</a:t>
+            </a:r>
+            <a:r>
+              <a:rPr lang="de-DE" dirty="0"/>
+              <a:t> </a:t>
+            </a:r>
+            <a:r>
+              <a:rPr lang="de-DE" dirty="0" err="1"/>
+              <a:t>because</a:t>
+            </a:r>
+            <a:r>
+              <a:rPr lang="de-DE" dirty="0"/>
+              <a:t> </a:t>
+            </a:r>
+            <a:r>
+              <a:rPr lang="de-DE" dirty="0" err="1"/>
+              <a:t>of</a:t>
+            </a:r>
+            <a:r>
+              <a:rPr lang="de-DE" dirty="0"/>
+              <a:t> high </a:t>
+            </a:r>
+            <a:r>
+              <a:rPr lang="de-DE" dirty="0" err="1"/>
+              <a:t>damping</a:t>
+            </a:r>
+            <a:r>
+              <a:rPr lang="de-DE" dirty="0"/>
+              <a:t> </a:t>
+            </a:r>
+            <a:r>
+              <a:rPr lang="de-DE" dirty="0" err="1"/>
+              <a:t>of</a:t>
+            </a:r>
+            <a:r>
+              <a:rPr lang="de-DE" dirty="0"/>
+              <a:t> </a:t>
+            </a:r>
+            <a:r>
+              <a:rPr lang="de-DE" dirty="0" err="1"/>
+              <a:t>the</a:t>
+            </a:r>
+            <a:r>
+              <a:rPr lang="de-DE" dirty="0"/>
+              <a:t> </a:t>
+            </a:r>
+            <a:r>
+              <a:rPr lang="de-DE" dirty="0" err="1"/>
+              <a:t>silicon</a:t>
+            </a:r>
+            <a:r>
+              <a:rPr lang="de-DE" dirty="0"/>
+              <a:t> </a:t>
+            </a:r>
+            <a:r>
+              <a:rPr lang="de-DE" dirty="0" err="1"/>
+              <a:t>dioxide</a:t>
+            </a:r>
+            <a:r>
+              <a:rPr lang="de-DE" dirty="0"/>
+              <a:t> </a:t>
+            </a:r>
+            <a:r>
+              <a:rPr lang="de-DE" dirty="0" err="1"/>
+              <a:t>layers</a:t>
+            </a:r>
+            <a:endParaRPr lang="de-DE" dirty="0"/>
+          </a:p>
+          <a:p>
+            <a:r>
+              <a:rPr lang="de-DE" dirty="0"/>
+              <a:t>	- thermal stress </a:t>
+            </a:r>
+            <a:r>
+              <a:rPr lang="de-DE" dirty="0" err="1"/>
+              <a:t>because</a:t>
+            </a:r>
+            <a:r>
+              <a:rPr lang="de-DE" dirty="0"/>
+              <a:t> </a:t>
+            </a:r>
+            <a:r>
+              <a:rPr lang="de-DE" dirty="0" err="1"/>
+              <a:t>of</a:t>
+            </a:r>
+            <a:r>
+              <a:rPr lang="de-DE" dirty="0"/>
+              <a:t> different </a:t>
+            </a:r>
+            <a:r>
+              <a:rPr lang="de-DE" dirty="0" err="1"/>
+              <a:t>materials</a:t>
+            </a:r>
+            <a:r>
+              <a:rPr lang="de-DE" dirty="0"/>
+              <a:t> </a:t>
+            </a:r>
+            <a:r>
+              <a:rPr lang="de-DE" dirty="0" err="1"/>
+              <a:t>which</a:t>
+            </a:r>
+            <a:r>
+              <a:rPr lang="de-DE" dirty="0"/>
+              <a:t> </a:t>
+            </a:r>
+            <a:r>
+              <a:rPr lang="de-DE" dirty="0" err="1"/>
+              <a:t>are</a:t>
+            </a:r>
+            <a:r>
+              <a:rPr lang="de-DE" dirty="0"/>
+              <a:t> </a:t>
+            </a:r>
+            <a:r>
+              <a:rPr lang="de-DE"/>
+              <a:t>used</a:t>
+            </a:r>
+            <a:endParaRPr lang="de-DE" dirty="0"/>
+          </a:p>
+          <a:p>
+            <a:endParaRPr lang="de-DE" dirty="0"/>
+          </a:p>
+          <a:p>
+            <a:endParaRPr lang="de-DE" dirty="0"/>
+          </a:p>
+          <a:p>
+            <a:r>
+              <a:rPr lang="de-DE" dirty="0"/>
+              <a:t>	</a:t>
+            </a:r>
+          </a:p>
+        </p:txBody>
+      </p:sp>
+      <p:sp>
+        <p:nvSpPr>
+          <p:cNvPr id="4" name="Foliennummernplatzhalter 3"/>
+          <p:cNvSpPr>
+            <a:spLocks noGrp="1"/>
+          </p:cNvSpPr>
+          <p:nvPr>
+            <p:ph type="sldNum" sz="quarter" idx="10"/>
+          </p:nvPr>
+        </p:nvSpPr>
+        <p:spPr/>
+        <p:txBody>
+          <a:bodyPr/>
+          <a:lstStyle/>
+          <a:p>
+            <a:fld id="{F4B4EF42-670F-4A33-808A-E8EEC242E52B}" type="slidenum">
+              <a:rPr lang="en-GB" smtClean="0"/>
+              <a:t>7</a:t>
+            </a:fld>
+            <a:endParaRPr lang="en-GB"/>
+          </a:p>
+        </p:txBody>
+      </p:sp>
+    </p:spTree>
+    <p:extLst>
+      <p:ext uri="{BB962C8B-B14F-4D97-AF65-F5344CB8AC3E}">
+        <p14:creationId xmlns:p14="http://schemas.microsoft.com/office/powerpoint/2010/main" val="4190787354"/>
       </p:ext>
     </p:extLst>
   </p:cSld>
@@ -5648,7 +7473,7 @@
           </p:nvPr>
         </p:nvPicPr>
         <p:blipFill>
-          <a:blip r:embed="rId2" cstate="print">
+          <a:blip r:embed="rId3" cstate="print">
             <a:extLst>
               <a:ext uri="{28A0092B-C50C-407E-A947-70E740481C1C}">
                 <a14:useLocalDpi xmlns:a14="http://schemas.microsoft.com/office/drawing/2010/main" val="0"/>
@@ -5681,7 +7506,7 @@
           <p:nvPr/>
         </p:nvPicPr>
         <p:blipFill>
-          <a:blip r:embed="rId3">
+          <a:blip r:embed="rId4">
             <a:extLst>
               <a:ext uri="{28A0092B-C50C-407E-A947-70E740481C1C}">
                 <a14:useLocalDpi xmlns:a14="http://schemas.microsoft.com/office/drawing/2010/main" val="0"/>
@@ -5717,7 +7542,7 @@
           <p:nvPr/>
         </p:nvPicPr>
         <p:blipFill rotWithShape="1">
-          <a:blip r:embed="rId4"/>
+          <a:blip r:embed="rId5"/>
           <a:srcRect l="65546" t="48217"/>
           <a:stretch/>
         </p:blipFill>
@@ -5731,6 +7556,261 @@
           </a:prstGeom>
         </p:spPr>
       </p:pic>
+      <p:sp>
+        <p:nvSpPr>
+          <p:cNvPr id="10" name="Inhaltsplatzhalter 3">
+            <a:extLst>
+              <a:ext uri="{FF2B5EF4-FFF2-40B4-BE49-F238E27FC236}">
+                <a16:creationId xmlns:a16="http://schemas.microsoft.com/office/drawing/2014/main" id="{9772F898-91F0-1E40-821A-02871EC9C8F4}"/>
+              </a:ext>
+            </a:extLst>
+          </p:cNvPr>
+          <p:cNvSpPr txBox="1">
+            <a:spLocks/>
+          </p:cNvSpPr>
+          <p:nvPr/>
+        </p:nvSpPr>
+        <p:spPr>
+          <a:xfrm>
+            <a:off x="3491880" y="6448573"/>
+            <a:ext cx="4608512" cy="409427"/>
+          </a:xfrm>
+          <a:prstGeom prst="rect">
+            <a:avLst/>
+          </a:prstGeom>
+        </p:spPr>
+        <p:txBody>
+          <a:bodyPr vert="horz" lIns="91440" tIns="45720" rIns="91440" bIns="45720" rtlCol="0" anchor="ctr">
+            <a:noAutofit/>
+          </a:bodyPr>
+          <a:lstStyle>
+            <a:lvl1pPr marL="0" indent="0" algn="l" defTabSz="853200" rtl="0" eaLnBrk="1" latinLnBrk="0" hangingPunct="1">
+              <a:spcBef>
+                <a:spcPts val="0"/>
+              </a:spcBef>
+              <a:spcAft>
+                <a:spcPts val="0"/>
+              </a:spcAft>
+              <a:buClr>
+                <a:schemeClr val="bg1">
+                  <a:lumMod val="50000"/>
+                </a:schemeClr>
+              </a:buClr>
+              <a:buSzPct val="120000"/>
+              <a:buFontTx/>
+              <a:buNone/>
+              <a:tabLst>
+                <a:tab pos="172800" algn="l"/>
+              </a:tabLst>
+              <a:defRPr lang="en-US" sz="800" b="0" i="1" kern="1200" baseline="0" dirty="0">
+                <a:solidFill>
+                  <a:schemeClr val="tx1">
+                    <a:tint val="75000"/>
+                  </a:schemeClr>
+                </a:solidFill>
+                <a:latin typeface="+mn-lt"/>
+                <a:ea typeface="+mn-ea"/>
+                <a:cs typeface="+mn-cs"/>
+              </a:defRPr>
+            </a:lvl1pPr>
+            <a:lvl2pPr marL="361950" indent="-180975" algn="l" defTabSz="853200" rtl="0" eaLnBrk="1" latinLnBrk="0" hangingPunct="1">
+              <a:spcBef>
+                <a:spcPts val="300"/>
+              </a:spcBef>
+              <a:spcAft>
+                <a:spcPts val="300"/>
+              </a:spcAft>
+              <a:buClr>
+                <a:schemeClr val="bg1">
+                  <a:lumMod val="50000"/>
+                </a:schemeClr>
+              </a:buClr>
+              <a:buSzPct val="120000"/>
+              <a:buFont typeface="Wingdings" pitchFamily="2" charset="2"/>
+              <a:buChar char="§"/>
+              <a:tabLst>
+                <a:tab pos="361950" algn="l"/>
+              </a:tabLst>
+              <a:defRPr lang="en-US" sz="2000" b="0" kern="1200" baseline="0" noProof="0" dirty="0" err="1" smtClean="0">
+                <a:solidFill>
+                  <a:schemeClr val="tx1"/>
+                </a:solidFill>
+                <a:latin typeface="+mn-lt"/>
+                <a:ea typeface="+mn-ea"/>
+                <a:cs typeface="+mn-cs"/>
+              </a:defRPr>
+            </a:lvl2pPr>
+            <a:lvl3pPr marL="542925" indent="-180975" algn="l" defTabSz="982800" rtl="0" eaLnBrk="1" latinLnBrk="0" hangingPunct="1">
+              <a:spcBef>
+                <a:spcPts val="300"/>
+              </a:spcBef>
+              <a:spcAft>
+                <a:spcPts val="300"/>
+              </a:spcAft>
+              <a:buClr>
+                <a:schemeClr val="bg1">
+                  <a:lumMod val="50000"/>
+                </a:schemeClr>
+              </a:buClr>
+              <a:buSzPct val="120000"/>
+              <a:buFont typeface="Wingdings" pitchFamily="2" charset="2"/>
+              <a:buChar char="§"/>
+              <a:tabLst>
+                <a:tab pos="542925" algn="l"/>
+              </a:tabLst>
+              <a:defRPr sz="2000" b="0" kern="1200" baseline="0">
+                <a:solidFill>
+                  <a:schemeClr val="tx1"/>
+                </a:solidFill>
+                <a:latin typeface="+mn-lt"/>
+                <a:ea typeface="+mn-ea"/>
+                <a:cs typeface="+mn-cs"/>
+              </a:defRPr>
+            </a:lvl3pPr>
+            <a:lvl4pPr marL="714375" indent="-171450" algn="l" defTabSz="914400" rtl="0" eaLnBrk="1" latinLnBrk="0" hangingPunct="1">
+              <a:spcBef>
+                <a:spcPts val="300"/>
+              </a:spcBef>
+              <a:spcAft>
+                <a:spcPts val="300"/>
+              </a:spcAft>
+              <a:buClr>
+                <a:schemeClr val="bg1">
+                  <a:lumMod val="50000"/>
+                </a:schemeClr>
+              </a:buClr>
+              <a:buSzPct val="120000"/>
+              <a:buFont typeface="Wingdings" panose="05000000000000000000" pitchFamily="2" charset="2"/>
+              <a:buChar char="§"/>
+              <a:tabLst>
+                <a:tab pos="714375" algn="l"/>
+              </a:tabLst>
+              <a:defRPr sz="2000" b="0" kern="1200">
+                <a:solidFill>
+                  <a:schemeClr val="tx1"/>
+                </a:solidFill>
+                <a:latin typeface="+mn-lt"/>
+                <a:ea typeface="+mn-ea"/>
+                <a:cs typeface="+mn-cs"/>
+              </a:defRPr>
+            </a:lvl4pPr>
+            <a:lvl5pPr marL="895350" indent="-180975" algn="l" defTabSz="914400" rtl="0" eaLnBrk="1" latinLnBrk="0" hangingPunct="1">
+              <a:spcBef>
+                <a:spcPts val="300"/>
+              </a:spcBef>
+              <a:spcAft>
+                <a:spcPts val="300"/>
+              </a:spcAft>
+              <a:buClr>
+                <a:schemeClr val="bg1">
+                  <a:lumMod val="50000"/>
+                </a:schemeClr>
+              </a:buClr>
+              <a:buSzPct val="120000"/>
+              <a:buFont typeface="Wingdings" panose="05000000000000000000" pitchFamily="2" charset="2"/>
+              <a:buChar char="§"/>
+              <a:tabLst>
+                <a:tab pos="895350" algn="l"/>
+              </a:tabLst>
+              <a:defRPr sz="2000" b="0" kern="1200">
+                <a:solidFill>
+                  <a:schemeClr val="tx1"/>
+                </a:solidFill>
+                <a:latin typeface="+mn-lt"/>
+                <a:ea typeface="+mn-ea"/>
+                <a:cs typeface="+mn-cs"/>
+              </a:defRPr>
+            </a:lvl5pPr>
+            <a:lvl6pPr marL="2514600" indent="-228600" algn="l" defTabSz="914400" rtl="0" eaLnBrk="1" latinLnBrk="0" hangingPunct="1">
+              <a:spcBef>
+                <a:spcPct val="20000"/>
+              </a:spcBef>
+              <a:buFont typeface="Arial" pitchFamily="34" charset="0"/>
+              <a:buChar char="•"/>
+              <a:defRPr sz="2000" kern="1200">
+                <a:solidFill>
+                  <a:schemeClr val="tx1"/>
+                </a:solidFill>
+                <a:latin typeface="+mn-lt"/>
+                <a:ea typeface="+mn-ea"/>
+                <a:cs typeface="+mn-cs"/>
+              </a:defRPr>
+            </a:lvl6pPr>
+            <a:lvl7pPr marL="2971800" indent="-228600" algn="l" defTabSz="914400" rtl="0" eaLnBrk="1" latinLnBrk="0" hangingPunct="1">
+              <a:spcBef>
+                <a:spcPct val="20000"/>
+              </a:spcBef>
+              <a:buFont typeface="Arial" pitchFamily="34" charset="0"/>
+              <a:buChar char="•"/>
+              <a:defRPr sz="2000" kern="1200">
+                <a:solidFill>
+                  <a:schemeClr val="tx1"/>
+                </a:solidFill>
+                <a:latin typeface="+mn-lt"/>
+                <a:ea typeface="+mn-ea"/>
+                <a:cs typeface="+mn-cs"/>
+              </a:defRPr>
+            </a:lvl7pPr>
+            <a:lvl8pPr marL="3429000" indent="-228600" algn="l" defTabSz="914400" rtl="0" eaLnBrk="1" latinLnBrk="0" hangingPunct="1">
+              <a:spcBef>
+                <a:spcPct val="20000"/>
+              </a:spcBef>
+              <a:buFont typeface="Arial" pitchFamily="34" charset="0"/>
+              <a:buChar char="•"/>
+              <a:defRPr sz="2000" kern="1200">
+                <a:solidFill>
+                  <a:schemeClr val="tx1"/>
+                </a:solidFill>
+                <a:latin typeface="+mn-lt"/>
+                <a:ea typeface="+mn-ea"/>
+                <a:cs typeface="+mn-cs"/>
+              </a:defRPr>
+            </a:lvl8pPr>
+            <a:lvl9pPr marL="3886200" indent="-228600" algn="l" defTabSz="914400" rtl="0" eaLnBrk="1" latinLnBrk="0" hangingPunct="1">
+              <a:spcBef>
+                <a:spcPct val="20000"/>
+              </a:spcBef>
+              <a:buFont typeface="Arial" pitchFamily="34" charset="0"/>
+              <a:buChar char="•"/>
+              <a:defRPr sz="2000" kern="1200">
+                <a:solidFill>
+                  <a:schemeClr val="tx1"/>
+                </a:solidFill>
+                <a:latin typeface="+mn-lt"/>
+                <a:ea typeface="+mn-ea"/>
+                <a:cs typeface="+mn-cs"/>
+              </a:defRPr>
+            </a:lvl9pPr>
+          </a:lstStyle>
+          <a:p>
+            <a:r>
+              <a:rPr lang="de-DE" i="0" dirty="0"/>
+              <a:t>[Fraunhofer ISIT. (2019) Deep reactive ion etch (drie). Accessed January 30, 2019.[On-line]. </a:t>
+            </a:r>
+            <a:r>
+              <a:rPr lang="de-DE" i="0" dirty="0" err="1"/>
+              <a:t>Available:https</a:t>
+            </a:r>
+            <a:r>
+              <a:rPr lang="de-DE" i="0" dirty="0"/>
+              <a:t>://www.isit.fraunhofer.de/de/technologie/mikrofertigungsverfahren/</a:t>
+            </a:r>
+            <a:r>
+              <a:rPr lang="de-DE" i="0" dirty="0" err="1"/>
+              <a:t>waferbearbeitung</a:t>
+            </a:r>
+            <a:r>
+              <a:rPr lang="de-DE" i="0" dirty="0"/>
+              <a:t>/</a:t>
+            </a:r>
+            <a:r>
+              <a:rPr lang="de-DE" i="0" dirty="0" err="1"/>
+              <a:t>deep-reactive-ion-etch.html</a:t>
+            </a:r>
+            <a:endParaRPr lang="de-DE" i="0" dirty="0"/>
+          </a:p>
+        </p:txBody>
+      </p:sp>
     </p:spTree>
     <p:extLst>
       <p:ext uri="{BB962C8B-B14F-4D97-AF65-F5344CB8AC3E}">
